--- a/MALE.pptx
+++ b/MALE.pptx
@@ -5,7 +5,7 @@
     <p:sldMasterId id="2147483661" r:id="rId1"/>
   </p:sldMasterIdLst>
   <p:notesMasterIdLst>
-    <p:notesMasterId r:id="rId17"/>
+    <p:notesMasterId r:id="rId20"/>
   </p:notesMasterIdLst>
   <p:sldIdLst>
     <p:sldId id="256" r:id="rId2"/>
@@ -16,37 +16,40 @@
     <p:sldId id="285" r:id="rId7"/>
     <p:sldId id="265" r:id="rId8"/>
     <p:sldId id="286" r:id="rId9"/>
-    <p:sldId id="295" r:id="rId10"/>
-    <p:sldId id="294" r:id="rId11"/>
-    <p:sldId id="288" r:id="rId12"/>
-    <p:sldId id="291" r:id="rId13"/>
-    <p:sldId id="289" r:id="rId14"/>
-    <p:sldId id="290" r:id="rId15"/>
-    <p:sldId id="279" r:id="rId16"/>
+    <p:sldId id="294" r:id="rId10"/>
+    <p:sldId id="295" r:id="rId11"/>
+    <p:sldId id="296" r:id="rId12"/>
+    <p:sldId id="297" r:id="rId13"/>
+    <p:sldId id="298" r:id="rId14"/>
+    <p:sldId id="288" r:id="rId15"/>
+    <p:sldId id="300" r:id="rId16"/>
+    <p:sldId id="289" r:id="rId17"/>
+    <p:sldId id="299" r:id="rId18"/>
+    <p:sldId id="279" r:id="rId19"/>
   </p:sldIdLst>
   <p:sldSz cx="9144000" cy="5143500" type="screen16x9"/>
   <p:notesSz cx="6858000" cy="9144000"/>
   <p:embeddedFontLst>
     <p:embeddedFont>
       <p:font typeface="Calibri" panose="020F0502020204030204" pitchFamily="34" charset="0"/>
-      <p:regular r:id="rId18"/>
-      <p:bold r:id="rId19"/>
-      <p:italic r:id="rId20"/>
-      <p:boldItalic r:id="rId21"/>
+      <p:regular r:id="rId21"/>
+      <p:bold r:id="rId22"/>
+      <p:italic r:id="rId23"/>
+      <p:boldItalic r:id="rId24"/>
     </p:embeddedFont>
     <p:embeddedFont>
       <p:font typeface="Cambria Math" panose="02040503050406030204" pitchFamily="18" charset="0"/>
-      <p:regular r:id="rId22"/>
+      <p:regular r:id="rId25"/>
     </p:embeddedFont>
     <p:embeddedFont>
       <p:font typeface="Hind" panose="020B0604020202020204" charset="0"/>
-      <p:regular r:id="rId23"/>
-      <p:bold r:id="rId24"/>
+      <p:regular r:id="rId26"/>
+      <p:bold r:id="rId27"/>
     </p:embeddedFont>
     <p:embeddedFont>
       <p:font typeface="Tahoma" panose="020B0604030504040204" pitchFamily="34" charset="0"/>
-      <p:regular r:id="rId25"/>
-      <p:bold r:id="rId26"/>
+      <p:regular r:id="rId28"/>
+      <p:bold r:id="rId29"/>
     </p:embeddedFont>
   </p:embeddedFontLst>
   <p:defaultTextStyle>
@@ -928,7 +931,7 @@
     </p:spTree>
     <p:extLst>
       <p:ext uri="{BB962C8B-B14F-4D97-AF65-F5344CB8AC3E}">
-        <p14:creationId xmlns:p14="http://schemas.microsoft.com/office/powerpoint/2010/main" val="2403962871"/>
+        <p14:creationId xmlns:p14="http://schemas.microsoft.com/office/powerpoint/2010/main" val="463037202"/>
       </p:ext>
     </p:extLst>
   </p:cSld>
@@ -943,7 +946,7 @@
   <p:cSld>
     <p:spTree>
       <p:nvGrpSpPr>
-        <p:cNvPr id="1" name="Shape 330"/>
+        <p:cNvPr id="1" name="Shape 214"/>
         <p:cNvGrpSpPr/>
         <p:nvPr/>
       </p:nvGrpSpPr>
@@ -957,7 +960,7 @@
       </p:grpSpPr>
       <p:sp>
         <p:nvSpPr>
-          <p:cNvPr id="331" name="Google Shape;331;g35ed75ccf_044:notes"/>
+          <p:cNvPr id="215" name="Google Shape;215;g35f391192_029:notes"/>
           <p:cNvSpPr>
             <a:spLocks noGrp="1" noRot="1" noChangeAspect="1"/>
           </p:cNvSpPr>
@@ -998,7 +1001,7 @@
       </p:sp>
       <p:sp>
         <p:nvSpPr>
-          <p:cNvPr id="332" name="Google Shape;332;g35ed75ccf_044:notes"/>
+          <p:cNvPr id="216" name="Google Shape;216;g35f391192_029:notes"/>
           <p:cNvSpPr txBox="1">
             <a:spLocks noGrp="1"/>
           </p:cNvSpPr>
@@ -1037,7 +1040,7 @@
     </p:spTree>
     <p:extLst>
       <p:ext uri="{BB962C8B-B14F-4D97-AF65-F5344CB8AC3E}">
-        <p14:creationId xmlns:p14="http://schemas.microsoft.com/office/powerpoint/2010/main" val="3856651724"/>
+        <p14:creationId xmlns:p14="http://schemas.microsoft.com/office/powerpoint/2010/main" val="2403962871"/>
       </p:ext>
     </p:extLst>
   </p:cSld>
@@ -1900,11 +1903,11 @@
 </file>
 
 <file path=ppt/notesSlides/notesSlide9.xml><?xml version="1.0" encoding="utf-8"?>
-<p:notes xmlns:a="http://schemas.openxmlformats.org/drawingml/2006/main" xmlns:r="http://schemas.openxmlformats.org/officeDocument/2006/relationships" xmlns:p="http://schemas.openxmlformats.org/presentationml/2006/main" showMasterSp="0" showMasterPhAnim="0">
+<p:notes xmlns:a="http://schemas.openxmlformats.org/drawingml/2006/main" xmlns:r="http://schemas.openxmlformats.org/officeDocument/2006/relationships" xmlns:p="http://schemas.openxmlformats.org/presentationml/2006/main">
   <p:cSld>
     <p:spTree>
       <p:nvGrpSpPr>
-        <p:cNvPr id="1" name="Shape 214"/>
+        <p:cNvPr id="1" name=""/>
         <p:cNvGrpSpPr/>
         <p:nvPr/>
       </p:nvGrpSpPr>
@@ -1918,12 +1921,12 @@
       </p:grpSpPr>
       <p:sp>
         <p:nvSpPr>
-          <p:cNvPr id="215" name="Google Shape;215;g35f391192_029:notes"/>
+          <p:cNvPr id="2" name="Slide Image Placeholder 1"/>
           <p:cNvSpPr>
             <a:spLocks noGrp="1" noRot="1" noChangeAspect="1"/>
           </p:cNvSpPr>
           <p:nvPr>
-            <p:ph type="sldImg" idx="2"/>
+            <p:ph type="sldImg"/>
           </p:nvPr>
         </p:nvSpPr>
         <p:spPr>
@@ -1931,74 +1934,106 @@
             <a:off x="381000" y="685800"/>
             <a:ext cx="6096000" cy="3429000"/>
           </a:xfrm>
-          <a:custGeom>
-            <a:avLst/>
-            <a:gdLst/>
-            <a:ahLst/>
-            <a:cxnLst/>
-            <a:rect l="l" t="t" r="r" b="b"/>
-            <a:pathLst>
-              <a:path w="120000" h="120000" extrusionOk="0">
-                <a:moveTo>
-                  <a:pt x="0" y="0"/>
-                </a:moveTo>
-                <a:lnTo>
-                  <a:pt x="120000" y="0"/>
-                </a:lnTo>
-                <a:lnTo>
-                  <a:pt x="120000" y="120000"/>
-                </a:lnTo>
-                <a:lnTo>
-                  <a:pt x="0" y="120000"/>
-                </a:lnTo>
-                <a:close/>
-              </a:path>
-            </a:pathLst>
-          </a:custGeom>
         </p:spPr>
       </p:sp>
       <p:sp>
         <p:nvSpPr>
-          <p:cNvPr id="216" name="Google Shape;216;g35f391192_029:notes"/>
-          <p:cNvSpPr txBox="1">
+          <p:cNvPr id="3" name="Notes Placeholder 2"/>
+          <p:cNvSpPr>
             <a:spLocks noGrp="1"/>
           </p:cNvSpPr>
           <p:nvPr>
             <p:ph type="body" idx="1"/>
           </p:nvPr>
         </p:nvSpPr>
-        <p:spPr>
-          <a:xfrm>
-            <a:off x="685800" y="4343400"/>
-            <a:ext cx="5486400" cy="4114800"/>
-          </a:xfrm>
-          <a:prstGeom prst="rect">
-            <a:avLst/>
-          </a:prstGeom>
-        </p:spPr>
+        <p:spPr/>
         <p:txBody>
-          <a:bodyPr spcFirstLastPara="1" wrap="square" lIns="91425" tIns="91425" rIns="91425" bIns="91425" anchor="t" anchorCtr="0">
-            <a:noAutofit/>
-          </a:bodyPr>
+          <a:bodyPr/>
           <a:lstStyle/>
           <a:p>
-            <a:pPr marL="0" lvl="0" indent="0" algn="l" rtl="0">
-              <a:spcBef>
-                <a:spcPts val="0"/>
-              </a:spcBef>
-              <a:spcAft>
-                <a:spcPts val="0"/>
-              </a:spcAft>
-              <a:buNone/>
-            </a:pPr>
-            <a:endParaRPr/>
+            <a:r>
+              <a:rPr lang="vi-VN" dirty="0"/>
+              <a:t>Mục đích của pooling rất đơn giản, nó làm giảm số hyperparameter mà ta cần phải tính toán, từ đó giảm thời gian tính toán, tránh overfitting</a:t>
+            </a:r>
+            <a:r>
+              <a:rPr lang="en-US" dirty="0"/>
+              <a:t>.</a:t>
+            </a:r>
+          </a:p>
+          <a:p>
+            <a:r>
+              <a:rPr lang="vi-VN" sz="1100" b="0" i="0" u="none" strike="noStrike" cap="none" dirty="0">
+                <a:solidFill>
+                  <a:srgbClr val="000000"/>
+                </a:solidFill>
+                <a:effectLst/>
+                <a:latin typeface="Arial"/>
+                <a:ea typeface="Arial"/>
+                <a:cs typeface="Arial"/>
+                <a:sym typeface="Arial"/>
+              </a:rPr>
+              <a:t>Loại pooling ta thường gặp nhất là </a:t>
+            </a:r>
+            <a:r>
+              <a:rPr lang="vi-VN" sz="1100" b="0" i="1" u="none" strike="noStrike" cap="none" dirty="0">
+                <a:solidFill>
+                  <a:srgbClr val="000000"/>
+                </a:solidFill>
+                <a:effectLst/>
+                <a:latin typeface="Arial"/>
+                <a:ea typeface="Arial"/>
+                <a:cs typeface="Arial"/>
+                <a:sym typeface="Arial"/>
+              </a:rPr>
+              <a:t>max pooling</a:t>
+            </a:r>
+            <a:r>
+              <a:rPr lang="vi-VN" sz="1100" b="0" i="0" u="none" strike="noStrike" cap="none" dirty="0">
+                <a:solidFill>
+                  <a:srgbClr val="000000"/>
+                </a:solidFill>
+                <a:effectLst/>
+                <a:latin typeface="Arial"/>
+                <a:ea typeface="Arial"/>
+                <a:cs typeface="Arial"/>
+                <a:sym typeface="Arial"/>
+              </a:rPr>
+              <a:t>, lấy giá trị lớn nhất trong một </a:t>
+            </a:r>
+            <a:r>
+              <a:rPr lang="vi-VN" sz="1100" b="0" i="1" u="none" strike="noStrike" cap="none" dirty="0">
+                <a:solidFill>
+                  <a:srgbClr val="000000"/>
+                </a:solidFill>
+                <a:effectLst/>
+                <a:latin typeface="Arial"/>
+                <a:ea typeface="Arial"/>
+                <a:cs typeface="Arial"/>
+                <a:sym typeface="Arial"/>
+              </a:rPr>
+              <a:t>pooling window</a:t>
+            </a:r>
+            <a:r>
+              <a:rPr lang="en-US" sz="1100" b="0" i="1" u="none" strike="noStrike" cap="none" dirty="0">
+                <a:solidFill>
+                  <a:srgbClr val="000000"/>
+                </a:solidFill>
+                <a:effectLst/>
+                <a:latin typeface="Arial"/>
+                <a:ea typeface="Arial"/>
+                <a:cs typeface="Arial"/>
+                <a:sym typeface="Arial"/>
+              </a:rPr>
+              <a:t>.</a:t>
+            </a:r>
+            <a:endParaRPr lang="en-US" dirty="0"/>
           </a:p>
         </p:txBody>
       </p:sp>
     </p:spTree>
     <p:extLst>
       <p:ext uri="{BB962C8B-B14F-4D97-AF65-F5344CB8AC3E}">
-        <p14:creationId xmlns:p14="http://schemas.microsoft.com/office/powerpoint/2010/main" val="463037202"/>
+        <p14:creationId xmlns:p14="http://schemas.microsoft.com/office/powerpoint/2010/main" val="1423456640"/>
       </p:ext>
     </p:extLst>
   </p:cSld>
@@ -4559,823 +4594,6 @@
 </file>
 
 <file path=ppt/slideLayouts/slideLayout4.xml><?xml version="1.0" encoding="utf-8"?>
-<p:sldLayout xmlns:a="http://schemas.openxmlformats.org/drawingml/2006/main" xmlns:r="http://schemas.openxmlformats.org/officeDocument/2006/relationships" xmlns:p="http://schemas.openxmlformats.org/presentationml/2006/main" matchingName="Title only" type="titleOnly">
-  <p:cSld name="TITLE_ONLY">
-    <p:spTree>
-      <p:nvGrpSpPr>
-        <p:cNvPr id="1" name="Shape 99"/>
-        <p:cNvGrpSpPr/>
-        <p:nvPr/>
-      </p:nvGrpSpPr>
-      <p:grpSpPr>
-        <a:xfrm>
-          <a:off x="0" y="0"/>
-          <a:ext cx="0" cy="0"/>
-          <a:chOff x="0" y="0"/>
-          <a:chExt cx="0" cy="0"/>
-        </a:xfrm>
-      </p:grpSpPr>
-      <p:sp>
-        <p:nvSpPr>
-          <p:cNvPr id="100" name="Google Shape;100;p8"/>
-          <p:cNvSpPr txBox="1">
-            <a:spLocks noGrp="1"/>
-          </p:cNvSpPr>
-          <p:nvPr>
-            <p:ph type="title"/>
-          </p:nvPr>
-        </p:nvSpPr>
-        <p:spPr>
-          <a:xfrm>
-            <a:off x="1067088" y="912850"/>
-            <a:ext cx="5972100" cy="636000"/>
-          </a:xfrm>
-          <a:prstGeom prst="rect">
-            <a:avLst/>
-          </a:prstGeom>
-        </p:spPr>
-        <p:txBody>
-          <a:bodyPr spcFirstLastPara="1" wrap="square" lIns="91425" tIns="91425" rIns="91425" bIns="91425" anchor="b" anchorCtr="0"/>
-          <a:lstStyle>
-            <a:lvl1pPr lvl="0">
-              <a:spcBef>
-                <a:spcPts val="0"/>
-              </a:spcBef>
-              <a:spcAft>
-                <a:spcPts val="0"/>
-              </a:spcAft>
-              <a:buSzPts val="3000"/>
-              <a:buNone/>
-              <a:defRPr/>
-            </a:lvl1pPr>
-            <a:lvl2pPr lvl="1">
-              <a:spcBef>
-                <a:spcPts val="0"/>
-              </a:spcBef>
-              <a:spcAft>
-                <a:spcPts val="0"/>
-              </a:spcAft>
-              <a:buSzPts val="3000"/>
-              <a:buNone/>
-              <a:defRPr/>
-            </a:lvl2pPr>
-            <a:lvl3pPr lvl="2">
-              <a:spcBef>
-                <a:spcPts val="0"/>
-              </a:spcBef>
-              <a:spcAft>
-                <a:spcPts val="0"/>
-              </a:spcAft>
-              <a:buSzPts val="3000"/>
-              <a:buNone/>
-              <a:defRPr/>
-            </a:lvl3pPr>
-            <a:lvl4pPr lvl="3">
-              <a:spcBef>
-                <a:spcPts val="0"/>
-              </a:spcBef>
-              <a:spcAft>
-                <a:spcPts val="0"/>
-              </a:spcAft>
-              <a:buSzPts val="3000"/>
-              <a:buNone/>
-              <a:defRPr/>
-            </a:lvl4pPr>
-            <a:lvl5pPr lvl="4">
-              <a:spcBef>
-                <a:spcPts val="0"/>
-              </a:spcBef>
-              <a:spcAft>
-                <a:spcPts val="0"/>
-              </a:spcAft>
-              <a:buSzPts val="3000"/>
-              <a:buNone/>
-              <a:defRPr/>
-            </a:lvl5pPr>
-            <a:lvl6pPr lvl="5">
-              <a:spcBef>
-                <a:spcPts val="0"/>
-              </a:spcBef>
-              <a:spcAft>
-                <a:spcPts val="0"/>
-              </a:spcAft>
-              <a:buSzPts val="3000"/>
-              <a:buNone/>
-              <a:defRPr/>
-            </a:lvl6pPr>
-            <a:lvl7pPr lvl="6">
-              <a:spcBef>
-                <a:spcPts val="0"/>
-              </a:spcBef>
-              <a:spcAft>
-                <a:spcPts val="0"/>
-              </a:spcAft>
-              <a:buSzPts val="3000"/>
-              <a:buNone/>
-              <a:defRPr/>
-            </a:lvl7pPr>
-            <a:lvl8pPr lvl="7">
-              <a:spcBef>
-                <a:spcPts val="0"/>
-              </a:spcBef>
-              <a:spcAft>
-                <a:spcPts val="0"/>
-              </a:spcAft>
-              <a:buSzPts val="3000"/>
-              <a:buNone/>
-              <a:defRPr/>
-            </a:lvl8pPr>
-            <a:lvl9pPr lvl="8">
-              <a:spcBef>
-                <a:spcPts val="0"/>
-              </a:spcBef>
-              <a:spcAft>
-                <a:spcPts val="0"/>
-              </a:spcAft>
-              <a:buSzPts val="3000"/>
-              <a:buNone/>
-              <a:defRPr/>
-            </a:lvl9pPr>
-          </a:lstStyle>
-          <a:p>
-            <a:endParaRPr/>
-          </a:p>
-        </p:txBody>
-      </p:sp>
-      <p:grpSp>
-        <p:nvGrpSpPr>
-          <p:cNvPr id="101" name="Google Shape;101;p8"/>
-          <p:cNvGrpSpPr/>
-          <p:nvPr/>
-        </p:nvGrpSpPr>
-        <p:grpSpPr>
-          <a:xfrm>
-            <a:off x="7395202" y="-6"/>
-            <a:ext cx="1748884" cy="4013021"/>
-            <a:chOff x="7395202" y="-6"/>
-            <a:chExt cx="1748884" cy="4013021"/>
-          </a:xfrm>
-        </p:grpSpPr>
-        <p:sp>
-          <p:nvSpPr>
-            <p:cNvPr id="102" name="Google Shape;102;p8"/>
-            <p:cNvSpPr/>
-            <p:nvPr/>
-          </p:nvSpPr>
-          <p:spPr>
-            <a:xfrm rot="5400000" flipH="1">
-              <a:off x="7471942" y="406044"/>
-              <a:ext cx="2078100" cy="1266000"/>
-            </a:xfrm>
-            <a:prstGeom prst="parallelogram">
-              <a:avLst>
-                <a:gd name="adj" fmla="val 81897"/>
-              </a:avLst>
-            </a:prstGeom>
-            <a:gradFill>
-              <a:gsLst>
-                <a:gs pos="0">
-                  <a:srgbClr val="CC3399"/>
-                </a:gs>
-                <a:gs pos="100000">
-                  <a:srgbClr val="6699FF"/>
-                </a:gs>
-              </a:gsLst>
-              <a:lin ang="5400012" scaled="0"/>
-            </a:gradFill>
-            <a:ln>
-              <a:noFill/>
-            </a:ln>
-          </p:spPr>
-          <p:txBody>
-            <a:bodyPr spcFirstLastPara="1" wrap="square" lIns="91425" tIns="45700" rIns="91425" bIns="45700" anchor="ctr" anchorCtr="0">
-              <a:noAutofit/>
-            </a:bodyPr>
-            <a:lstStyle/>
-            <a:p>
-              <a:pPr marL="0" marR="0" lvl="0" indent="0" algn="ctr" rtl="0">
-                <a:spcBef>
-                  <a:spcPts val="0"/>
-                </a:spcBef>
-                <a:spcAft>
-                  <a:spcPts val="0"/>
-                </a:spcAft>
-                <a:buNone/>
-              </a:pPr>
-              <a:endParaRPr sz="1800" b="0" i="0" u="none" strike="noStrike" cap="none">
-                <a:solidFill>
-                  <a:srgbClr val="FFFFFF"/>
-                </a:solidFill>
-                <a:latin typeface="Calibri"/>
-                <a:ea typeface="Calibri"/>
-                <a:cs typeface="Calibri"/>
-                <a:sym typeface="Calibri"/>
-              </a:endParaRPr>
-            </a:p>
-          </p:txBody>
-        </p:sp>
-        <p:sp>
-          <p:nvSpPr>
-            <p:cNvPr id="103" name="Google Shape;103;p8"/>
-            <p:cNvSpPr/>
-            <p:nvPr/>
-          </p:nvSpPr>
-          <p:spPr>
-            <a:xfrm rot="5400000" flipH="1">
-              <a:off x="7072800" y="1666234"/>
-              <a:ext cx="2574300" cy="1568100"/>
-            </a:xfrm>
-            <a:prstGeom prst="parallelogram">
-              <a:avLst>
-                <a:gd name="adj" fmla="val 81897"/>
-              </a:avLst>
-            </a:prstGeom>
-            <a:gradFill>
-              <a:gsLst>
-                <a:gs pos="0">
-                  <a:srgbClr val="33CCCC"/>
-                </a:gs>
-                <a:gs pos="100000">
-                  <a:srgbClr val="66FF33"/>
-                </a:gs>
-              </a:gsLst>
-              <a:lin ang="5400012" scaled="0"/>
-            </a:gradFill>
-            <a:ln>
-              <a:noFill/>
-            </a:ln>
-          </p:spPr>
-          <p:txBody>
-            <a:bodyPr spcFirstLastPara="1" wrap="square" lIns="91425" tIns="45700" rIns="91425" bIns="45700" anchor="ctr" anchorCtr="0">
-              <a:noAutofit/>
-            </a:bodyPr>
-            <a:lstStyle/>
-            <a:p>
-              <a:pPr marL="0" marR="0" lvl="0" indent="0" algn="ctr" rtl="0">
-                <a:spcBef>
-                  <a:spcPts val="0"/>
-                </a:spcBef>
-                <a:spcAft>
-                  <a:spcPts val="0"/>
-                </a:spcAft>
-                <a:buNone/>
-              </a:pPr>
-              <a:endParaRPr sz="1800" b="0" i="0" u="none" strike="noStrike" cap="none">
-                <a:solidFill>
-                  <a:srgbClr val="FFFFFF"/>
-                </a:solidFill>
-                <a:latin typeface="Calibri"/>
-                <a:ea typeface="Calibri"/>
-                <a:cs typeface="Calibri"/>
-                <a:sym typeface="Calibri"/>
-              </a:endParaRPr>
-            </a:p>
-          </p:txBody>
-        </p:sp>
-        <p:sp>
-          <p:nvSpPr>
-            <p:cNvPr id="104" name="Google Shape;104;p8"/>
-            <p:cNvSpPr/>
-            <p:nvPr/>
-          </p:nvSpPr>
-          <p:spPr>
-            <a:xfrm rot="-5400000">
-              <a:off x="8020587" y="2718092"/>
-              <a:ext cx="1396200" cy="850800"/>
-            </a:xfrm>
-            <a:prstGeom prst="parallelogram">
-              <a:avLst>
-                <a:gd name="adj" fmla="val 81897"/>
-              </a:avLst>
-            </a:prstGeom>
-            <a:gradFill>
-              <a:gsLst>
-                <a:gs pos="0">
-                  <a:srgbClr val="FF0066"/>
-                </a:gs>
-                <a:gs pos="100000">
-                  <a:srgbClr val="FF9900"/>
-                </a:gs>
-              </a:gsLst>
-              <a:lin ang="5400012" scaled="0"/>
-            </a:gradFill>
-            <a:ln>
-              <a:noFill/>
-            </a:ln>
-          </p:spPr>
-          <p:txBody>
-            <a:bodyPr spcFirstLastPara="1" wrap="square" lIns="91425" tIns="45700" rIns="91425" bIns="45700" anchor="ctr" anchorCtr="0">
-              <a:noAutofit/>
-            </a:bodyPr>
-            <a:lstStyle/>
-            <a:p>
-              <a:pPr marL="0" marR="0" lvl="0" indent="0" algn="ctr" rtl="0">
-                <a:spcBef>
-                  <a:spcPts val="0"/>
-                </a:spcBef>
-                <a:spcAft>
-                  <a:spcPts val="0"/>
-                </a:spcAft>
-                <a:buNone/>
-              </a:pPr>
-              <a:endParaRPr sz="1800" b="0" i="0" u="none" strike="noStrike" cap="none">
-                <a:solidFill>
-                  <a:srgbClr val="FFFFFF"/>
-                </a:solidFill>
-                <a:latin typeface="Calibri"/>
-                <a:ea typeface="Calibri"/>
-                <a:cs typeface="Calibri"/>
-                <a:sym typeface="Calibri"/>
-              </a:endParaRPr>
-            </a:p>
-          </p:txBody>
-        </p:sp>
-        <p:sp>
-          <p:nvSpPr>
-            <p:cNvPr id="105" name="Google Shape;105;p8"/>
-            <p:cNvSpPr/>
-            <p:nvPr/>
-          </p:nvSpPr>
-          <p:spPr>
-            <a:xfrm rot="-5400000">
-              <a:off x="7178152" y="542730"/>
-              <a:ext cx="1110900" cy="676800"/>
-            </a:xfrm>
-            <a:prstGeom prst="parallelogram">
-              <a:avLst>
-                <a:gd name="adj" fmla="val 81897"/>
-              </a:avLst>
-            </a:prstGeom>
-            <a:solidFill>
-              <a:srgbClr val="FFFFFF">
-                <a:alpha val="14229"/>
-              </a:srgbClr>
-            </a:solidFill>
-            <a:ln>
-              <a:noFill/>
-            </a:ln>
-          </p:spPr>
-          <p:txBody>
-            <a:bodyPr spcFirstLastPara="1" wrap="square" lIns="91425" tIns="45700" rIns="91425" bIns="45700" anchor="ctr" anchorCtr="0">
-              <a:noAutofit/>
-            </a:bodyPr>
-            <a:lstStyle/>
-            <a:p>
-              <a:pPr marL="0" marR="0" lvl="0" indent="0" algn="ctr" rtl="0">
-                <a:spcBef>
-                  <a:spcPts val="0"/>
-                </a:spcBef>
-                <a:spcAft>
-                  <a:spcPts val="0"/>
-                </a:spcAft>
-                <a:buNone/>
-              </a:pPr>
-              <a:endParaRPr sz="1800" b="0" i="0" u="none" strike="noStrike" cap="none">
-                <a:solidFill>
-                  <a:srgbClr val="FFFFFF"/>
-                </a:solidFill>
-                <a:latin typeface="Calibri"/>
-                <a:ea typeface="Calibri"/>
-                <a:cs typeface="Calibri"/>
-                <a:sym typeface="Calibri"/>
-              </a:endParaRPr>
-            </a:p>
-          </p:txBody>
-        </p:sp>
-        <p:sp>
-          <p:nvSpPr>
-            <p:cNvPr id="106" name="Google Shape;106;p8"/>
-            <p:cNvSpPr/>
-            <p:nvPr/>
-          </p:nvSpPr>
-          <p:spPr>
-            <a:xfrm rot="-5400000" flipH="1">
-              <a:off x="8242801" y="3381815"/>
-              <a:ext cx="784500" cy="477900"/>
-            </a:xfrm>
-            <a:prstGeom prst="parallelogram">
-              <a:avLst>
-                <a:gd name="adj" fmla="val 81897"/>
-              </a:avLst>
-            </a:prstGeom>
-            <a:solidFill>
-              <a:srgbClr val="0066FF">
-                <a:alpha val="22690"/>
-              </a:srgbClr>
-            </a:solidFill>
-            <a:ln>
-              <a:noFill/>
-            </a:ln>
-          </p:spPr>
-          <p:txBody>
-            <a:bodyPr spcFirstLastPara="1" wrap="square" lIns="91425" tIns="45700" rIns="91425" bIns="45700" anchor="ctr" anchorCtr="0">
-              <a:noAutofit/>
-            </a:bodyPr>
-            <a:lstStyle/>
-            <a:p>
-              <a:pPr marL="0" marR="0" lvl="0" indent="0" algn="ctr" rtl="0">
-                <a:spcBef>
-                  <a:spcPts val="0"/>
-                </a:spcBef>
-                <a:spcAft>
-                  <a:spcPts val="0"/>
-                </a:spcAft>
-                <a:buNone/>
-              </a:pPr>
-              <a:endParaRPr sz="1800" b="0" i="0" u="none" strike="noStrike" cap="none">
-                <a:solidFill>
-                  <a:srgbClr val="FFFFFF"/>
-                </a:solidFill>
-                <a:latin typeface="Calibri"/>
-                <a:ea typeface="Calibri"/>
-                <a:cs typeface="Calibri"/>
-                <a:sym typeface="Calibri"/>
-              </a:endParaRPr>
-            </a:p>
-          </p:txBody>
-        </p:sp>
-      </p:grpSp>
-      <p:grpSp>
-        <p:nvGrpSpPr>
-          <p:cNvPr id="107" name="Google Shape;107;p8"/>
-          <p:cNvGrpSpPr/>
-          <p:nvPr/>
-        </p:nvGrpSpPr>
-        <p:grpSpPr>
-          <a:xfrm>
-            <a:off x="3" y="2738679"/>
-            <a:ext cx="722480" cy="2404814"/>
-            <a:chOff x="3" y="2750304"/>
-            <a:chExt cx="722480" cy="2404814"/>
-          </a:xfrm>
-        </p:grpSpPr>
-        <p:sp>
-          <p:nvSpPr>
-            <p:cNvPr id="108" name="Google Shape;108;p8"/>
-            <p:cNvSpPr/>
-            <p:nvPr/>
-          </p:nvSpPr>
-          <p:spPr>
-            <a:xfrm rot="5400000" flipH="1">
-              <a:off x="-231667" y="3341328"/>
-              <a:ext cx="1185900" cy="722400"/>
-            </a:xfrm>
-            <a:prstGeom prst="parallelogram">
-              <a:avLst>
-                <a:gd name="adj" fmla="val 81897"/>
-              </a:avLst>
-            </a:prstGeom>
-            <a:gradFill>
-              <a:gsLst>
-                <a:gs pos="0">
-                  <a:srgbClr val="CC3399"/>
-                </a:gs>
-                <a:gs pos="100000">
-                  <a:srgbClr val="6699FF"/>
-                </a:gs>
-              </a:gsLst>
-              <a:lin ang="5400012" scaled="0"/>
-            </a:gradFill>
-            <a:ln>
-              <a:noFill/>
-            </a:ln>
-          </p:spPr>
-          <p:txBody>
-            <a:bodyPr spcFirstLastPara="1" wrap="square" lIns="91425" tIns="45700" rIns="91425" bIns="45700" anchor="ctr" anchorCtr="0">
-              <a:noAutofit/>
-            </a:bodyPr>
-            <a:lstStyle/>
-            <a:p>
-              <a:pPr marL="0" marR="0" lvl="0" indent="0" algn="ctr" rtl="0">
-                <a:spcBef>
-                  <a:spcPts val="0"/>
-                </a:spcBef>
-                <a:spcAft>
-                  <a:spcPts val="0"/>
-                </a:spcAft>
-                <a:buNone/>
-              </a:pPr>
-              <a:endParaRPr sz="1800" b="0" i="0" u="none" strike="noStrike" cap="none">
-                <a:solidFill>
-                  <a:srgbClr val="FFFFFF"/>
-                </a:solidFill>
-                <a:latin typeface="Calibri"/>
-                <a:ea typeface="Calibri"/>
-                <a:cs typeface="Calibri"/>
-                <a:sym typeface="Calibri"/>
-              </a:endParaRPr>
-            </a:p>
-          </p:txBody>
-        </p:sp>
-        <p:sp>
-          <p:nvSpPr>
-            <p:cNvPr id="109" name="Google Shape;109;p8"/>
-            <p:cNvSpPr/>
-            <p:nvPr/>
-          </p:nvSpPr>
-          <p:spPr>
-            <a:xfrm rot="5400000">
-              <a:off x="-158106" y="3063820"/>
-              <a:ext cx="808800" cy="492300"/>
-            </a:xfrm>
-            <a:prstGeom prst="parallelogram">
-              <a:avLst>
-                <a:gd name="adj" fmla="val 81897"/>
-              </a:avLst>
-            </a:prstGeom>
-            <a:gradFill>
-              <a:gsLst>
-                <a:gs pos="0">
-                  <a:srgbClr val="33CCCC"/>
-                </a:gs>
-                <a:gs pos="100000">
-                  <a:srgbClr val="66FF33"/>
-                </a:gs>
-              </a:gsLst>
-              <a:lin ang="5400012" scaled="0"/>
-            </a:gradFill>
-            <a:ln>
-              <a:noFill/>
-            </a:ln>
-          </p:spPr>
-          <p:txBody>
-            <a:bodyPr spcFirstLastPara="1" wrap="square" lIns="91425" tIns="45700" rIns="91425" bIns="45700" anchor="ctr" anchorCtr="0">
-              <a:noAutofit/>
-            </a:bodyPr>
-            <a:lstStyle/>
-            <a:p>
-              <a:pPr marL="0" marR="0" lvl="0" indent="0" algn="ctr" rtl="0">
-                <a:spcBef>
-                  <a:spcPts val="0"/>
-                </a:spcBef>
-                <a:spcAft>
-                  <a:spcPts val="0"/>
-                </a:spcAft>
-                <a:buNone/>
-              </a:pPr>
-              <a:endParaRPr sz="1800" b="0" i="0" u="none" strike="noStrike" cap="none">
-                <a:solidFill>
-                  <a:srgbClr val="FFFFFF"/>
-                </a:solidFill>
-                <a:latin typeface="Calibri"/>
-                <a:ea typeface="Calibri"/>
-                <a:cs typeface="Calibri"/>
-                <a:sym typeface="Calibri"/>
-              </a:endParaRPr>
-            </a:p>
-          </p:txBody>
-        </p:sp>
-        <p:sp>
-          <p:nvSpPr>
-            <p:cNvPr id="110" name="Google Shape;110;p8"/>
-            <p:cNvSpPr/>
-            <p:nvPr/>
-          </p:nvSpPr>
-          <p:spPr>
-            <a:xfrm rot="-5400000" flipH="1">
-              <a:off x="-173395" y="4440518"/>
-              <a:ext cx="888000" cy="541200"/>
-            </a:xfrm>
-            <a:prstGeom prst="parallelogram">
-              <a:avLst>
-                <a:gd name="adj" fmla="val 81897"/>
-              </a:avLst>
-            </a:prstGeom>
-            <a:gradFill>
-              <a:gsLst>
-                <a:gs pos="0">
-                  <a:srgbClr val="FF0066"/>
-                </a:gs>
-                <a:gs pos="100000">
-                  <a:srgbClr val="FF9900"/>
-                </a:gs>
-              </a:gsLst>
-              <a:lin ang="5400012" scaled="0"/>
-            </a:gradFill>
-            <a:ln>
-              <a:noFill/>
-            </a:ln>
-          </p:spPr>
-          <p:txBody>
-            <a:bodyPr spcFirstLastPara="1" wrap="square" lIns="91425" tIns="45700" rIns="91425" bIns="45700" anchor="ctr" anchorCtr="0">
-              <a:noAutofit/>
-            </a:bodyPr>
-            <a:lstStyle/>
-            <a:p>
-              <a:pPr marL="0" marR="0" lvl="0" indent="0" algn="ctr" rtl="0">
-                <a:spcBef>
-                  <a:spcPts val="0"/>
-                </a:spcBef>
-                <a:spcAft>
-                  <a:spcPts val="0"/>
-                </a:spcAft>
-                <a:buNone/>
-              </a:pPr>
-              <a:endParaRPr sz="1800" b="0" i="0" u="none" strike="noStrike" cap="none">
-                <a:solidFill>
-                  <a:srgbClr val="FFFFFF"/>
-                </a:solidFill>
-                <a:latin typeface="Calibri"/>
-                <a:ea typeface="Calibri"/>
-                <a:cs typeface="Calibri"/>
-                <a:sym typeface="Calibri"/>
-              </a:endParaRPr>
-            </a:p>
-          </p:txBody>
-        </p:sp>
-        <p:sp>
-          <p:nvSpPr>
-            <p:cNvPr id="111" name="Google Shape;111;p8"/>
-            <p:cNvSpPr/>
-            <p:nvPr/>
-          </p:nvSpPr>
-          <p:spPr>
-            <a:xfrm rot="-5400000">
-              <a:off x="-120147" y="2870454"/>
-              <a:ext cx="614700" cy="374400"/>
-            </a:xfrm>
-            <a:prstGeom prst="parallelogram">
-              <a:avLst>
-                <a:gd name="adj" fmla="val 81897"/>
-              </a:avLst>
-            </a:prstGeom>
-            <a:solidFill>
-              <a:srgbClr val="FFFFFF">
-                <a:alpha val="14229"/>
-              </a:srgbClr>
-            </a:solidFill>
-            <a:ln>
-              <a:noFill/>
-            </a:ln>
-          </p:spPr>
-          <p:txBody>
-            <a:bodyPr spcFirstLastPara="1" wrap="square" lIns="91425" tIns="45700" rIns="91425" bIns="45700" anchor="ctr" anchorCtr="0">
-              <a:noAutofit/>
-            </a:bodyPr>
-            <a:lstStyle/>
-            <a:p>
-              <a:pPr marL="0" marR="0" lvl="0" indent="0" algn="ctr" rtl="0">
-                <a:spcBef>
-                  <a:spcPts val="0"/>
-                </a:spcBef>
-                <a:spcAft>
-                  <a:spcPts val="0"/>
-                </a:spcAft>
-                <a:buNone/>
-              </a:pPr>
-              <a:endParaRPr sz="1800" b="0" i="0" u="none" strike="noStrike" cap="none">
-                <a:solidFill>
-                  <a:srgbClr val="FFFFFF"/>
-                </a:solidFill>
-                <a:latin typeface="Calibri"/>
-                <a:ea typeface="Calibri"/>
-                <a:cs typeface="Calibri"/>
-                <a:sym typeface="Calibri"/>
-              </a:endParaRPr>
-            </a:p>
-          </p:txBody>
-        </p:sp>
-        <p:sp>
-          <p:nvSpPr>
-            <p:cNvPr id="112" name="Google Shape;112;p8"/>
-            <p:cNvSpPr/>
-            <p:nvPr/>
-          </p:nvSpPr>
-          <p:spPr>
-            <a:xfrm rot="-5400000" flipH="1">
-              <a:off x="228056" y="4058304"/>
-              <a:ext cx="614400" cy="374400"/>
-            </a:xfrm>
-            <a:prstGeom prst="parallelogram">
-              <a:avLst>
-                <a:gd name="adj" fmla="val 81897"/>
-              </a:avLst>
-            </a:prstGeom>
-            <a:solidFill>
-              <a:srgbClr val="0066FF">
-                <a:alpha val="22690"/>
-              </a:srgbClr>
-            </a:solidFill>
-            <a:ln>
-              <a:noFill/>
-            </a:ln>
-          </p:spPr>
-          <p:txBody>
-            <a:bodyPr spcFirstLastPara="1" wrap="square" lIns="91425" tIns="45700" rIns="91425" bIns="45700" anchor="ctr" anchorCtr="0">
-              <a:noAutofit/>
-            </a:bodyPr>
-            <a:lstStyle/>
-            <a:p>
-              <a:pPr marL="0" marR="0" lvl="0" indent="0" algn="ctr" rtl="0">
-                <a:spcBef>
-                  <a:spcPts val="0"/>
-                </a:spcBef>
-                <a:spcAft>
-                  <a:spcPts val="0"/>
-                </a:spcAft>
-                <a:buNone/>
-              </a:pPr>
-              <a:endParaRPr sz="1800" b="0" i="0" u="none" strike="noStrike" cap="none">
-                <a:solidFill>
-                  <a:srgbClr val="FFFFFF"/>
-                </a:solidFill>
-                <a:latin typeface="Calibri"/>
-                <a:ea typeface="Calibri"/>
-                <a:cs typeface="Calibri"/>
-                <a:sym typeface="Calibri"/>
-              </a:endParaRPr>
-            </a:p>
-          </p:txBody>
-        </p:sp>
-      </p:grpSp>
-      <p:sp>
-        <p:nvSpPr>
-          <p:cNvPr id="113" name="Google Shape;113;p8"/>
-          <p:cNvSpPr txBox="1">
-            <a:spLocks noGrp="1"/>
-          </p:cNvSpPr>
-          <p:nvPr>
-            <p:ph type="sldNum" idx="12"/>
-          </p:nvPr>
-        </p:nvSpPr>
-        <p:spPr>
-          <a:xfrm>
-            <a:off x="8556775" y="4812625"/>
-            <a:ext cx="587100" cy="330900"/>
-          </a:xfrm>
-          <a:prstGeom prst="rect">
-            <a:avLst/>
-          </a:prstGeom>
-        </p:spPr>
-        <p:txBody>
-          <a:bodyPr spcFirstLastPara="1" wrap="square" lIns="91425" tIns="91425" rIns="91425" bIns="91425" anchor="t" anchorCtr="0">
-            <a:noAutofit/>
-          </a:bodyPr>
-          <a:lstStyle>
-            <a:lvl1pPr lvl="0">
-              <a:buNone/>
-              <a:defRPr/>
-            </a:lvl1pPr>
-            <a:lvl2pPr lvl="1">
-              <a:buNone/>
-              <a:defRPr/>
-            </a:lvl2pPr>
-            <a:lvl3pPr lvl="2">
-              <a:buNone/>
-              <a:defRPr/>
-            </a:lvl3pPr>
-            <a:lvl4pPr lvl="3">
-              <a:buNone/>
-              <a:defRPr/>
-            </a:lvl4pPr>
-            <a:lvl5pPr lvl="4">
-              <a:buNone/>
-              <a:defRPr/>
-            </a:lvl5pPr>
-            <a:lvl6pPr lvl="5">
-              <a:buNone/>
-              <a:defRPr/>
-            </a:lvl6pPr>
-            <a:lvl7pPr lvl="6">
-              <a:buNone/>
-              <a:defRPr/>
-            </a:lvl7pPr>
-            <a:lvl8pPr lvl="7">
-              <a:buNone/>
-              <a:defRPr/>
-            </a:lvl8pPr>
-            <a:lvl9pPr lvl="8">
-              <a:buNone/>
-              <a:defRPr/>
-            </a:lvl9pPr>
-          </a:lstStyle>
-          <a:p>
-            <a:pPr marL="0" lvl="0" indent="0" algn="r" rtl="0">
-              <a:spcBef>
-                <a:spcPts val="0"/>
-              </a:spcBef>
-              <a:spcAft>
-                <a:spcPts val="0"/>
-              </a:spcAft>
-              <a:buNone/>
-            </a:pPr>
-            <a:fld id="{00000000-1234-1234-1234-123412341234}" type="slidenum">
-              <a:rPr lang="en"/>
-              <a:t>‹#›</a:t>
-            </a:fld>
-            <a:endParaRPr/>
-          </a:p>
-        </p:txBody>
-      </p:sp>
-    </p:spTree>
-  </p:cSld>
-  <p:clrMapOvr>
-    <a:masterClrMapping/>
-  </p:clrMapOvr>
-</p:sldLayout>
-</file>
-
-<file path=ppt/slideLayouts/slideLayout5.xml><?xml version="1.0" encoding="utf-8"?>
 <p:sldLayout xmlns:a="http://schemas.openxmlformats.org/drawingml/2006/main" xmlns:r="http://schemas.openxmlformats.org/officeDocument/2006/relationships" xmlns:p="http://schemas.openxmlformats.org/presentationml/2006/main" matchingName="Blank small" type="blank">
   <p:cSld name="BLANK">
     <p:spTree>
@@ -6065,7 +5283,7 @@
 </p:sldLayout>
 </file>
 
-<file path=ppt/slideLayouts/slideLayout6.xml><?xml version="1.0" encoding="utf-8"?>
+<file path=ppt/slideLayouts/slideLayout5.xml><?xml version="1.0" encoding="utf-8"?>
 <p:sldLayout xmlns:a="http://schemas.openxmlformats.org/drawingml/2006/main" xmlns:r="http://schemas.openxmlformats.org/officeDocument/2006/relationships" xmlns:p="http://schemas.openxmlformats.org/presentationml/2006/main" matchingName="Blank green gradient">
   <p:cSld name="BLANK_2">
     <p:bg>
@@ -6705,7 +5923,7 @@
 </p:sldLayout>
 </file>
 
-<file path=ppt/slideLayouts/slideLayout7.xml><?xml version="1.0" encoding="utf-8"?>
+<file path=ppt/slideLayouts/slideLayout6.xml><?xml version="1.0" encoding="utf-8"?>
 <p:sldLayout xmlns:a="http://schemas.openxmlformats.org/drawingml/2006/main" xmlns:r="http://schemas.openxmlformats.org/officeDocument/2006/relationships" xmlns:p="http://schemas.openxmlformats.org/presentationml/2006/main" matchingName="Blank big">
   <p:cSld name="BLANK_1">
     <p:spTree>
@@ -8045,10 +7263,9 @@
     <p:sldLayoutId id="2147483648" r:id="rId1"/>
     <p:sldLayoutId id="2147483649" r:id="rId2"/>
     <p:sldLayoutId id="2147483651" r:id="rId3"/>
-    <p:sldLayoutId id="2147483654" r:id="rId4"/>
-    <p:sldLayoutId id="2147483656" r:id="rId5"/>
-    <p:sldLayoutId id="2147483657" r:id="rId6"/>
-    <p:sldLayoutId id="2147483660" r:id="rId7"/>
+    <p:sldLayoutId id="2147483656" r:id="rId4"/>
+    <p:sldLayoutId id="2147483657" r:id="rId5"/>
+    <p:sldLayoutId id="2147483660" r:id="rId6"/>
   </p:sldLayoutIdLst>
   <p:transition>
     <p:fade thruBlk="1"/>
@@ -8824,7 +8041,7 @@
   <p:cSld>
     <p:spTree>
       <p:nvGrpSpPr>
-        <p:cNvPr id="1" name="Shape 272"/>
+        <p:cNvPr id="1" name=""/>
         <p:cNvGrpSpPr/>
         <p:nvPr/>
       </p:nvGrpSpPr>
@@ -8838,52 +8055,10 @@
       </p:grpSpPr>
       <p:sp>
         <p:nvSpPr>
-          <p:cNvPr id="276" name="Google Shape;276;p24"/>
-          <p:cNvSpPr txBox="1">
-            <a:spLocks noGrp="1"/>
-          </p:cNvSpPr>
-          <p:nvPr>
-            <p:ph type="sldNum" idx="12"/>
-          </p:nvPr>
-        </p:nvSpPr>
-        <p:spPr>
-          <a:xfrm>
-            <a:off x="8556775" y="4812625"/>
-            <a:ext cx="587100" cy="330900"/>
-          </a:xfrm>
-          <a:prstGeom prst="rect">
-            <a:avLst/>
-          </a:prstGeom>
-        </p:spPr>
-        <p:txBody>
-          <a:bodyPr spcFirstLastPara="1" wrap="square" lIns="91425" tIns="91425" rIns="91425" bIns="91425" anchor="t" anchorCtr="0">
-            <a:noAutofit/>
-          </a:bodyPr>
-          <a:lstStyle/>
-          <a:p>
-            <a:pPr marL="0" lvl="0" indent="0" algn="r" rtl="0">
-              <a:spcBef>
-                <a:spcPts val="0"/>
-              </a:spcBef>
-              <a:spcAft>
-                <a:spcPts val="0"/>
-              </a:spcAft>
-              <a:buNone/>
-            </a:pPr>
-            <a:fld id="{00000000-1234-1234-1234-123412341234}" type="slidenum">
-              <a:rPr lang="en"/>
-              <a:t>10</a:t>
-            </a:fld>
-            <a:endParaRPr/>
-          </a:p>
-        </p:txBody>
-      </p:sp>
-      <p:sp>
-        <p:nvSpPr>
-          <p:cNvPr id="3" name="Title 2">
+          <p:cNvPr id="2" name="Title 1">
             <a:extLst>
               <a:ext uri="{FF2B5EF4-FFF2-40B4-BE49-F238E27FC236}">
-                <a16:creationId xmlns:a16="http://schemas.microsoft.com/office/drawing/2014/main" id="{ABC9F9B4-20C0-438C-95DD-11229B7D65E1}"/>
+                <a16:creationId xmlns:a16="http://schemas.microsoft.com/office/drawing/2014/main" id="{B96861AD-FAF2-4E35-8641-2125E63B6544}"/>
               </a:ext>
             </a:extLst>
           </p:cNvPr>
@@ -8907,665 +8082,101 @@
                 <a:latin typeface="Times New Roman" panose="02020603050405020304" pitchFamily="18" charset="0"/>
                 <a:cs typeface="Times New Roman" panose="02020603050405020304" pitchFamily="18" charset="0"/>
               </a:rPr>
-              <a:t>K-Nearest Neighbor</a:t>
-            </a:r>
+              <a:t>Convolution</a:t>
+            </a:r>
+            <a:endParaRPr lang="en-US" dirty="0"/>
           </a:p>
         </p:txBody>
       </p:sp>
-      <mc:AlternateContent xmlns:mc="http://schemas.openxmlformats.org/markup-compatibility/2006">
-        <mc:Choice xmlns:a14="http://schemas.microsoft.com/office/drawing/2010/main" Requires="a14">
-          <p:sp>
-            <p:nvSpPr>
-              <p:cNvPr id="5" name="Text Placeholder 4">
-                <a:extLst>
-                  <a:ext uri="{FF2B5EF4-FFF2-40B4-BE49-F238E27FC236}">
-                    <a16:creationId xmlns:a16="http://schemas.microsoft.com/office/drawing/2014/main" id="{81DA1704-C51A-4F14-B5EF-893B3A12DF94}"/>
-                  </a:ext>
-                </a:extLst>
-              </p:cNvPr>
-              <p:cNvSpPr>
-                <a:spLocks noGrp="1"/>
-              </p:cNvSpPr>
-              <p:nvPr>
-                <p:ph type="body" idx="1"/>
-              </p:nvPr>
-            </p:nvSpPr>
-            <p:spPr/>
-            <p:txBody>
-              <a:bodyPr/>
-              <a:lstStyle/>
-              <a:p>
-                <a:r>
-                  <a:rPr lang="en-US" dirty="0">
-                    <a:latin typeface="Times New Roman" panose="02020603050405020304" pitchFamily="18" charset="0"/>
-                    <a:cs typeface="Times New Roman" panose="02020603050405020304" pitchFamily="18" charset="0"/>
-                  </a:rPr>
-                  <a:t>Chuẩn </a:t>
-                </a:r>
-                <a:r>
-                  <a:rPr lang="en-US" dirty="0" err="1">
-                    <a:latin typeface="Times New Roman" panose="02020603050405020304" pitchFamily="18" charset="0"/>
-                    <a:cs typeface="Times New Roman" panose="02020603050405020304" pitchFamily="18" charset="0"/>
-                  </a:rPr>
-                  <a:t>bị</a:t>
-                </a:r>
-                <a:r>
-                  <a:rPr lang="en-US" dirty="0">
-                    <a:latin typeface="Times New Roman" panose="02020603050405020304" pitchFamily="18" charset="0"/>
-                    <a:cs typeface="Times New Roman" panose="02020603050405020304" pitchFamily="18" charset="0"/>
-                  </a:rPr>
-                  <a:t> training set </a:t>
-                </a:r>
-                <a:r>
-                  <a:rPr lang="en-US" dirty="0" err="1">
-                    <a:latin typeface="Times New Roman" panose="02020603050405020304" pitchFamily="18" charset="0"/>
-                    <a:cs typeface="Times New Roman" panose="02020603050405020304" pitchFamily="18" charset="0"/>
-                  </a:rPr>
-                  <a:t>biết</a:t>
-                </a:r>
-                <a:r>
-                  <a:rPr lang="en-US" dirty="0">
-                    <a:latin typeface="Times New Roman" panose="02020603050405020304" pitchFamily="18" charset="0"/>
-                    <a:cs typeface="Times New Roman" panose="02020603050405020304" pitchFamily="18" charset="0"/>
-                  </a:rPr>
-                  <a:t> tr</a:t>
-                </a:r>
-                <a:r>
-                  <a:rPr lang="vi-VN" dirty="0">
-                    <a:latin typeface="Times New Roman" panose="02020603050405020304" pitchFamily="18" charset="0"/>
-                    <a:cs typeface="Times New Roman" panose="02020603050405020304" pitchFamily="18" charset="0"/>
-                  </a:rPr>
-                  <a:t>ư</a:t>
-                </a:r>
-                <a:r>
-                  <a:rPr lang="en-US" dirty="0" err="1">
-                    <a:latin typeface="Times New Roman" panose="02020603050405020304" pitchFamily="18" charset="0"/>
-                    <a:cs typeface="Times New Roman" panose="02020603050405020304" pitchFamily="18" charset="0"/>
-                  </a:rPr>
-                  <a:t>ớc</a:t>
-                </a:r>
-                <a:r>
-                  <a:rPr lang="en-US" dirty="0">
-                    <a:latin typeface="Times New Roman" panose="02020603050405020304" pitchFamily="18" charset="0"/>
-                    <a:cs typeface="Times New Roman" panose="02020603050405020304" pitchFamily="18" charset="0"/>
-                  </a:rPr>
-                  <a:t> label.</a:t>
-                </a:r>
-              </a:p>
-              <a:p>
-                <a:r>
-                  <a:rPr lang="en-US" dirty="0">
-                    <a:latin typeface="Times New Roman" panose="02020603050405020304" pitchFamily="18" charset="0"/>
-                    <a:cs typeface="Times New Roman" panose="02020603050405020304" pitchFamily="18" charset="0"/>
-                  </a:rPr>
-                  <a:t>Đ</a:t>
-                </a:r>
-                <a:r>
-                  <a:rPr lang="vi-VN" dirty="0">
-                    <a:latin typeface="Times New Roman" panose="02020603050405020304" pitchFamily="18" charset="0"/>
-                    <a:cs typeface="Times New Roman" panose="02020603050405020304" pitchFamily="18" charset="0"/>
-                  </a:rPr>
-                  <a:t>ưa vào một dữ liệu</a:t>
-                </a:r>
-                <a:r>
-                  <a:rPr lang="en-US" dirty="0">
-                    <a:latin typeface="Times New Roman" panose="02020603050405020304" pitchFamily="18" charset="0"/>
-                    <a:cs typeface="Times New Roman" panose="02020603050405020304" pitchFamily="18" charset="0"/>
-                  </a:rPr>
-                  <a:t> </a:t>
-                </a:r>
-                <a:r>
-                  <a:rPr lang="en-US" dirty="0" err="1">
-                    <a:latin typeface="Times New Roman" panose="02020603050405020304" pitchFamily="18" charset="0"/>
-                    <a:cs typeface="Times New Roman" panose="02020603050405020304" pitchFamily="18" charset="0"/>
-                  </a:rPr>
-                  <a:t>không</a:t>
-                </a:r>
-                <a:r>
-                  <a:rPr lang="en-US" dirty="0">
-                    <a:latin typeface="Times New Roman" panose="02020603050405020304" pitchFamily="18" charset="0"/>
-                    <a:cs typeface="Times New Roman" panose="02020603050405020304" pitchFamily="18" charset="0"/>
-                  </a:rPr>
-                  <a:t> </a:t>
-                </a:r>
-                <a:r>
-                  <a:rPr lang="en-US" dirty="0" err="1">
-                    <a:latin typeface="Times New Roman" panose="02020603050405020304" pitchFamily="18" charset="0"/>
-                    <a:cs typeface="Times New Roman" panose="02020603050405020304" pitchFamily="18" charset="0"/>
-                  </a:rPr>
-                  <a:t>biết</a:t>
-                </a:r>
-                <a:r>
-                  <a:rPr lang="en-US" dirty="0">
-                    <a:latin typeface="Times New Roman" panose="02020603050405020304" pitchFamily="18" charset="0"/>
-                    <a:cs typeface="Times New Roman" panose="02020603050405020304" pitchFamily="18" charset="0"/>
-                  </a:rPr>
-                  <a:t> label, KNN </a:t>
-                </a:r>
-                <a:r>
-                  <a:rPr lang="en-US" dirty="0" err="1">
-                    <a:latin typeface="Times New Roman" panose="02020603050405020304" pitchFamily="18" charset="0"/>
-                    <a:cs typeface="Times New Roman" panose="02020603050405020304" pitchFamily="18" charset="0"/>
-                  </a:rPr>
-                  <a:t>sẽ</a:t>
-                </a:r>
-                <a:r>
-                  <a:rPr lang="en-US" dirty="0">
-                    <a:latin typeface="Times New Roman" panose="02020603050405020304" pitchFamily="18" charset="0"/>
-                    <a:cs typeface="Times New Roman" panose="02020603050405020304" pitchFamily="18" charset="0"/>
-                  </a:rPr>
-                  <a:t> so </a:t>
-                </a:r>
-                <a:r>
-                  <a:rPr lang="en-US" dirty="0" err="1">
-                    <a:latin typeface="Times New Roman" panose="02020603050405020304" pitchFamily="18" charset="0"/>
-                    <a:cs typeface="Times New Roman" panose="02020603050405020304" pitchFamily="18" charset="0"/>
-                  </a:rPr>
-                  <a:t>sánh</a:t>
-                </a:r>
-                <a:r>
-                  <a:rPr lang="en-US" dirty="0">
-                    <a:latin typeface="Times New Roman" panose="02020603050405020304" pitchFamily="18" charset="0"/>
-                    <a:cs typeface="Times New Roman" panose="02020603050405020304" pitchFamily="18" charset="0"/>
-                  </a:rPr>
-                  <a:t> </a:t>
-                </a:r>
-                <a:r>
-                  <a:rPr lang="en-US" dirty="0" err="1">
-                    <a:latin typeface="Times New Roman" panose="02020603050405020304" pitchFamily="18" charset="0"/>
-                    <a:cs typeface="Times New Roman" panose="02020603050405020304" pitchFamily="18" charset="0"/>
-                  </a:rPr>
-                  <a:t>với</a:t>
-                </a:r>
-                <a:r>
-                  <a:rPr lang="en-US" dirty="0">
-                    <a:latin typeface="Times New Roman" panose="02020603050405020304" pitchFamily="18" charset="0"/>
-                    <a:cs typeface="Times New Roman" panose="02020603050405020304" pitchFamily="18" charset="0"/>
-                  </a:rPr>
-                  <a:t> </a:t>
-                </a:r>
-                <a:r>
-                  <a:rPr lang="en-US" dirty="0" err="1">
-                    <a:latin typeface="Times New Roman" panose="02020603050405020304" pitchFamily="18" charset="0"/>
-                    <a:cs typeface="Times New Roman" panose="02020603050405020304" pitchFamily="18" charset="0"/>
-                  </a:rPr>
-                  <a:t>dữ</a:t>
-                </a:r>
-                <a:r>
-                  <a:rPr lang="en-US" dirty="0">
-                    <a:latin typeface="Times New Roman" panose="02020603050405020304" pitchFamily="18" charset="0"/>
-                    <a:cs typeface="Times New Roman" panose="02020603050405020304" pitchFamily="18" charset="0"/>
-                  </a:rPr>
-                  <a:t> </a:t>
-                </a:r>
-                <a:r>
-                  <a:rPr lang="en-US" dirty="0" err="1">
-                    <a:latin typeface="Times New Roman" panose="02020603050405020304" pitchFamily="18" charset="0"/>
-                    <a:cs typeface="Times New Roman" panose="02020603050405020304" pitchFamily="18" charset="0"/>
-                  </a:rPr>
-                  <a:t>liệu</a:t>
-                </a:r>
-                <a:r>
-                  <a:rPr lang="en-US" dirty="0">
-                    <a:latin typeface="Times New Roman" panose="02020603050405020304" pitchFamily="18" charset="0"/>
-                    <a:cs typeface="Times New Roman" panose="02020603050405020304" pitchFamily="18" charset="0"/>
-                  </a:rPr>
-                  <a:t> </a:t>
-                </a:r>
-                <a:r>
-                  <a:rPr lang="en-US" dirty="0" err="1">
-                    <a:latin typeface="Times New Roman" panose="02020603050405020304" pitchFamily="18" charset="0"/>
-                    <a:cs typeface="Times New Roman" panose="02020603050405020304" pitchFamily="18" charset="0"/>
-                  </a:rPr>
-                  <a:t>trong</a:t>
-                </a:r>
-                <a:r>
-                  <a:rPr lang="en-US" dirty="0">
-                    <a:latin typeface="Times New Roman" panose="02020603050405020304" pitchFamily="18" charset="0"/>
-                    <a:cs typeface="Times New Roman" panose="02020603050405020304" pitchFamily="18" charset="0"/>
-                  </a:rPr>
-                  <a:t> training set </a:t>
-                </a:r>
-                <a:r>
-                  <a:rPr lang="en-US" dirty="0" err="1">
-                    <a:latin typeface="Times New Roman" panose="02020603050405020304" pitchFamily="18" charset="0"/>
-                    <a:cs typeface="Times New Roman" panose="02020603050405020304" pitchFamily="18" charset="0"/>
-                  </a:rPr>
-                  <a:t>và</a:t>
-                </a:r>
-                <a:r>
-                  <a:rPr lang="en-US" dirty="0">
-                    <a:latin typeface="Times New Roman" panose="02020603050405020304" pitchFamily="18" charset="0"/>
-                    <a:cs typeface="Times New Roman" panose="02020603050405020304" pitchFamily="18" charset="0"/>
-                  </a:rPr>
-                  <a:t> </a:t>
-                </a:r>
-                <a:r>
-                  <a:rPr lang="en-US" dirty="0" err="1">
-                    <a:latin typeface="Times New Roman" panose="02020603050405020304" pitchFamily="18" charset="0"/>
-                    <a:cs typeface="Times New Roman" panose="02020603050405020304" pitchFamily="18" charset="0"/>
-                  </a:rPr>
-                  <a:t>chọn</a:t>
-                </a:r>
-                <a:r>
-                  <a:rPr lang="en-US" dirty="0">
-                    <a:latin typeface="Times New Roman" panose="02020603050405020304" pitchFamily="18" charset="0"/>
-                    <a:cs typeface="Times New Roman" panose="02020603050405020304" pitchFamily="18" charset="0"/>
-                  </a:rPr>
-                  <a:t> ra k </a:t>
-                </a:r>
-                <a:r>
-                  <a:rPr lang="en-US" dirty="0" err="1">
-                    <a:latin typeface="Times New Roman" panose="02020603050405020304" pitchFamily="18" charset="0"/>
-                    <a:cs typeface="Times New Roman" panose="02020603050405020304" pitchFamily="18" charset="0"/>
-                  </a:rPr>
-                  <a:t>dữ</a:t>
-                </a:r>
-                <a:r>
-                  <a:rPr lang="en-US" dirty="0">
-                    <a:latin typeface="Times New Roman" panose="02020603050405020304" pitchFamily="18" charset="0"/>
-                    <a:cs typeface="Times New Roman" panose="02020603050405020304" pitchFamily="18" charset="0"/>
-                  </a:rPr>
-                  <a:t> </a:t>
-                </a:r>
-                <a:r>
-                  <a:rPr lang="en-US" dirty="0" err="1">
-                    <a:latin typeface="Times New Roman" panose="02020603050405020304" pitchFamily="18" charset="0"/>
-                    <a:cs typeface="Times New Roman" panose="02020603050405020304" pitchFamily="18" charset="0"/>
-                  </a:rPr>
-                  <a:t>liệu</a:t>
-                </a:r>
-                <a:r>
-                  <a:rPr lang="en-US" dirty="0">
-                    <a:latin typeface="Times New Roman" panose="02020603050405020304" pitchFamily="18" charset="0"/>
-                    <a:cs typeface="Times New Roman" panose="02020603050405020304" pitchFamily="18" charset="0"/>
-                  </a:rPr>
-                  <a:t> </a:t>
-                </a:r>
-                <a:r>
-                  <a:rPr lang="en-US" dirty="0" err="1">
-                    <a:latin typeface="Times New Roman" panose="02020603050405020304" pitchFamily="18" charset="0"/>
-                    <a:cs typeface="Times New Roman" panose="02020603050405020304" pitchFamily="18" charset="0"/>
-                  </a:rPr>
-                  <a:t>gần</a:t>
-                </a:r>
-                <a:r>
-                  <a:rPr lang="en-US" dirty="0">
-                    <a:latin typeface="Times New Roman" panose="02020603050405020304" pitchFamily="18" charset="0"/>
-                    <a:cs typeface="Times New Roman" panose="02020603050405020304" pitchFamily="18" charset="0"/>
-                  </a:rPr>
-                  <a:t> </a:t>
-                </a:r>
-                <a:r>
-                  <a:rPr lang="en-US" dirty="0" err="1">
-                    <a:latin typeface="Times New Roman" panose="02020603050405020304" pitchFamily="18" charset="0"/>
-                    <a:cs typeface="Times New Roman" panose="02020603050405020304" pitchFamily="18" charset="0"/>
-                  </a:rPr>
-                  <a:t>giống</a:t>
-                </a:r>
-                <a:r>
-                  <a:rPr lang="en-US" dirty="0">
-                    <a:latin typeface="Times New Roman" panose="02020603050405020304" pitchFamily="18" charset="0"/>
-                    <a:cs typeface="Times New Roman" panose="02020603050405020304" pitchFamily="18" charset="0"/>
-                  </a:rPr>
-                  <a:t> </a:t>
-                </a:r>
-                <a:r>
-                  <a:rPr lang="en-US" dirty="0" err="1">
-                    <a:latin typeface="Times New Roman" panose="02020603050405020304" pitchFamily="18" charset="0"/>
-                    <a:cs typeface="Times New Roman" panose="02020603050405020304" pitchFamily="18" charset="0"/>
-                  </a:rPr>
-                  <a:t>nhất</a:t>
-                </a:r>
-                <a:r>
-                  <a:rPr lang="en-US" dirty="0">
-                    <a:latin typeface="Times New Roman" panose="02020603050405020304" pitchFamily="18" charset="0"/>
-                    <a:cs typeface="Times New Roman" panose="02020603050405020304" pitchFamily="18" charset="0"/>
-                  </a:rPr>
-                  <a:t>.</a:t>
-                </a:r>
-              </a:p>
-              <a:p>
-                <a:r>
-                  <a:rPr lang="en-US" dirty="0" err="1">
-                    <a:latin typeface="Times New Roman" panose="02020603050405020304" pitchFamily="18" charset="0"/>
-                    <a:cs typeface="Times New Roman" panose="02020603050405020304" pitchFamily="18" charset="0"/>
-                  </a:rPr>
-                  <a:t>Trong</a:t>
-                </a:r>
-                <a:r>
-                  <a:rPr lang="en-US" dirty="0">
-                    <a:latin typeface="Times New Roman" panose="02020603050405020304" pitchFamily="18" charset="0"/>
-                    <a:cs typeface="Times New Roman" panose="02020603050405020304" pitchFamily="18" charset="0"/>
-                  </a:rPr>
-                  <a:t> k </a:t>
-                </a:r>
-                <a:r>
-                  <a:rPr lang="en-US" dirty="0" err="1">
-                    <a:latin typeface="Times New Roman" panose="02020603050405020304" pitchFamily="18" charset="0"/>
-                    <a:cs typeface="Times New Roman" panose="02020603050405020304" pitchFamily="18" charset="0"/>
-                  </a:rPr>
-                  <a:t>dữ</a:t>
-                </a:r>
-                <a:r>
-                  <a:rPr lang="en-US" dirty="0">
-                    <a:latin typeface="Times New Roman" panose="02020603050405020304" pitchFamily="18" charset="0"/>
-                    <a:cs typeface="Times New Roman" panose="02020603050405020304" pitchFamily="18" charset="0"/>
-                  </a:rPr>
-                  <a:t> </a:t>
-                </a:r>
-                <a:r>
-                  <a:rPr lang="en-US" dirty="0" err="1">
-                    <a:latin typeface="Times New Roman" panose="02020603050405020304" pitchFamily="18" charset="0"/>
-                    <a:cs typeface="Times New Roman" panose="02020603050405020304" pitchFamily="18" charset="0"/>
-                  </a:rPr>
-                  <a:t>liệu</a:t>
-                </a:r>
-                <a:r>
-                  <a:rPr lang="en-US" dirty="0">
-                    <a:latin typeface="Times New Roman" panose="02020603050405020304" pitchFamily="18" charset="0"/>
-                    <a:cs typeface="Times New Roman" panose="02020603050405020304" pitchFamily="18" charset="0"/>
-                  </a:rPr>
-                  <a:t> </a:t>
-                </a:r>
-                <a:r>
-                  <a:rPr lang="en-US" dirty="0" err="1">
-                    <a:latin typeface="Times New Roman" panose="02020603050405020304" pitchFamily="18" charset="0"/>
-                    <a:cs typeface="Times New Roman" panose="02020603050405020304" pitchFamily="18" charset="0"/>
-                  </a:rPr>
-                  <a:t>đó</a:t>
-                </a:r>
-                <a:r>
-                  <a:rPr lang="en-US" dirty="0">
-                    <a:latin typeface="Times New Roman" panose="02020603050405020304" pitchFamily="18" charset="0"/>
-                    <a:cs typeface="Times New Roman" panose="02020603050405020304" pitchFamily="18" charset="0"/>
-                  </a:rPr>
-                  <a:t>, </a:t>
-                </a:r>
-                <a:r>
-                  <a:rPr lang="en-US" dirty="0" err="1">
-                    <a:latin typeface="Times New Roman" panose="02020603050405020304" pitchFamily="18" charset="0"/>
-                    <a:cs typeface="Times New Roman" panose="02020603050405020304" pitchFamily="18" charset="0"/>
-                  </a:rPr>
-                  <a:t>kNN</a:t>
-                </a:r>
-                <a:r>
-                  <a:rPr lang="en-US" dirty="0">
-                    <a:latin typeface="Times New Roman" panose="02020603050405020304" pitchFamily="18" charset="0"/>
-                    <a:cs typeface="Times New Roman" panose="02020603050405020304" pitchFamily="18" charset="0"/>
-                  </a:rPr>
-                  <a:t> </a:t>
-                </a:r>
-                <a:r>
-                  <a:rPr lang="en-US" dirty="0" err="1">
-                    <a:latin typeface="Times New Roman" panose="02020603050405020304" pitchFamily="18" charset="0"/>
-                    <a:cs typeface="Times New Roman" panose="02020603050405020304" pitchFamily="18" charset="0"/>
-                  </a:rPr>
-                  <a:t>sẽ</a:t>
-                </a:r>
-                <a:r>
-                  <a:rPr lang="en-US" dirty="0">
-                    <a:latin typeface="Times New Roman" panose="02020603050405020304" pitchFamily="18" charset="0"/>
-                    <a:cs typeface="Times New Roman" panose="02020603050405020304" pitchFamily="18" charset="0"/>
-                  </a:rPr>
-                  <a:t> </a:t>
-                </a:r>
-                <a:r>
-                  <a:rPr lang="en-US" dirty="0" err="1">
-                    <a:latin typeface="Times New Roman" panose="02020603050405020304" pitchFamily="18" charset="0"/>
-                    <a:cs typeface="Times New Roman" panose="02020603050405020304" pitchFamily="18" charset="0"/>
-                  </a:rPr>
-                  <a:t>xem</a:t>
-                </a:r>
-                <a:r>
-                  <a:rPr lang="en-US" dirty="0">
-                    <a:latin typeface="Times New Roman" panose="02020603050405020304" pitchFamily="18" charset="0"/>
-                    <a:cs typeface="Times New Roman" panose="02020603050405020304" pitchFamily="18" charset="0"/>
-                  </a:rPr>
-                  <a:t> </a:t>
-                </a:r>
-                <a:r>
-                  <a:rPr lang="en-US" dirty="0" err="1">
-                    <a:latin typeface="Times New Roman" panose="02020603050405020304" pitchFamily="18" charset="0"/>
-                    <a:cs typeface="Times New Roman" panose="02020603050405020304" pitchFamily="18" charset="0"/>
-                  </a:rPr>
-                  <a:t>xét</a:t>
-                </a:r>
-                <a:r>
-                  <a:rPr lang="en-US" dirty="0">
-                    <a:latin typeface="Times New Roman" panose="02020603050405020304" pitchFamily="18" charset="0"/>
-                    <a:cs typeface="Times New Roman" panose="02020603050405020304" pitchFamily="18" charset="0"/>
-                  </a:rPr>
-                  <a:t> </a:t>
-                </a:r>
-                <a:r>
-                  <a:rPr lang="en-US" dirty="0" err="1">
-                    <a:latin typeface="Times New Roman" panose="02020603050405020304" pitchFamily="18" charset="0"/>
-                    <a:cs typeface="Times New Roman" panose="02020603050405020304" pitchFamily="18" charset="0"/>
-                  </a:rPr>
-                  <a:t>xem</a:t>
-                </a:r>
-                <a:r>
-                  <a:rPr lang="en-US" dirty="0">
-                    <a:latin typeface="Times New Roman" panose="02020603050405020304" pitchFamily="18" charset="0"/>
-                    <a:cs typeface="Times New Roman" panose="02020603050405020304" pitchFamily="18" charset="0"/>
-                  </a:rPr>
-                  <a:t> </a:t>
-                </a:r>
-                <a:r>
-                  <a:rPr lang="en-US" dirty="0" err="1">
-                    <a:latin typeface="Times New Roman" panose="02020603050405020304" pitchFamily="18" charset="0"/>
-                    <a:cs typeface="Times New Roman" panose="02020603050405020304" pitchFamily="18" charset="0"/>
-                  </a:rPr>
-                  <a:t>loại</a:t>
-                </a:r>
-                <a:r>
-                  <a:rPr lang="en-US" dirty="0">
-                    <a:latin typeface="Times New Roman" panose="02020603050405020304" pitchFamily="18" charset="0"/>
-                    <a:cs typeface="Times New Roman" panose="02020603050405020304" pitchFamily="18" charset="0"/>
-                  </a:rPr>
-                  <a:t> </a:t>
-                </a:r>
-                <a:r>
-                  <a:rPr lang="en-US" dirty="0" err="1">
-                    <a:latin typeface="Times New Roman" panose="02020603050405020304" pitchFamily="18" charset="0"/>
-                    <a:cs typeface="Times New Roman" panose="02020603050405020304" pitchFamily="18" charset="0"/>
-                  </a:rPr>
-                  <a:t>nào</a:t>
-                </a:r>
-                <a:r>
-                  <a:rPr lang="en-US" dirty="0">
-                    <a:latin typeface="Times New Roman" panose="02020603050405020304" pitchFamily="18" charset="0"/>
-                    <a:cs typeface="Times New Roman" panose="02020603050405020304" pitchFamily="18" charset="0"/>
-                  </a:rPr>
-                  <a:t> </a:t>
-                </a:r>
-                <a:r>
-                  <a:rPr lang="en-US" dirty="0" err="1">
-                    <a:latin typeface="Times New Roman" panose="02020603050405020304" pitchFamily="18" charset="0"/>
-                    <a:cs typeface="Times New Roman" panose="02020603050405020304" pitchFamily="18" charset="0"/>
-                  </a:rPr>
-                  <a:t>là</a:t>
-                </a:r>
-                <a:r>
-                  <a:rPr lang="en-US" dirty="0">
-                    <a:latin typeface="Times New Roman" panose="02020603050405020304" pitchFamily="18" charset="0"/>
-                    <a:cs typeface="Times New Roman" panose="02020603050405020304" pitchFamily="18" charset="0"/>
-                  </a:rPr>
-                  <a:t> </a:t>
-                </a:r>
-                <a:r>
-                  <a:rPr lang="en-US" dirty="0" err="1">
-                    <a:latin typeface="Times New Roman" panose="02020603050405020304" pitchFamily="18" charset="0"/>
-                    <a:cs typeface="Times New Roman" panose="02020603050405020304" pitchFamily="18" charset="0"/>
-                  </a:rPr>
-                  <a:t>loại</a:t>
-                </a:r>
-                <a:r>
-                  <a:rPr lang="en-US" dirty="0">
-                    <a:latin typeface="Times New Roman" panose="02020603050405020304" pitchFamily="18" charset="0"/>
-                    <a:cs typeface="Times New Roman" panose="02020603050405020304" pitchFamily="18" charset="0"/>
-                  </a:rPr>
-                  <a:t> </a:t>
-                </a:r>
-                <a:r>
-                  <a:rPr lang="en-US" dirty="0" err="1">
-                    <a:latin typeface="Times New Roman" panose="02020603050405020304" pitchFamily="18" charset="0"/>
-                    <a:cs typeface="Times New Roman" panose="02020603050405020304" pitchFamily="18" charset="0"/>
-                  </a:rPr>
-                  <a:t>chiếm</a:t>
-                </a:r>
-                <a:r>
-                  <a:rPr lang="en-US" dirty="0">
-                    <a:latin typeface="Times New Roman" panose="02020603050405020304" pitchFamily="18" charset="0"/>
-                    <a:cs typeface="Times New Roman" panose="02020603050405020304" pitchFamily="18" charset="0"/>
-                  </a:rPr>
-                  <a:t> </a:t>
-                </a:r>
-                <a:r>
-                  <a:rPr lang="en-US" dirty="0" err="1">
-                    <a:latin typeface="Times New Roman" panose="02020603050405020304" pitchFamily="18" charset="0"/>
-                    <a:cs typeface="Times New Roman" panose="02020603050405020304" pitchFamily="18" charset="0"/>
-                  </a:rPr>
-                  <a:t>đa</a:t>
-                </a:r>
-                <a:r>
-                  <a:rPr lang="en-US" dirty="0">
-                    <a:latin typeface="Times New Roman" panose="02020603050405020304" pitchFamily="18" charset="0"/>
-                    <a:cs typeface="Times New Roman" panose="02020603050405020304" pitchFamily="18" charset="0"/>
-                  </a:rPr>
-                  <a:t> </a:t>
-                </a:r>
-                <a:r>
-                  <a:rPr lang="en-US" dirty="0" err="1">
-                    <a:latin typeface="Times New Roman" panose="02020603050405020304" pitchFamily="18" charset="0"/>
-                    <a:cs typeface="Times New Roman" panose="02020603050405020304" pitchFamily="18" charset="0"/>
-                  </a:rPr>
-                  <a:t>số</a:t>
-                </a:r>
-                <a:r>
-                  <a:rPr lang="en-US" dirty="0">
-                    <a:latin typeface="Times New Roman" panose="02020603050405020304" pitchFamily="18" charset="0"/>
-                    <a:cs typeface="Times New Roman" panose="02020603050405020304" pitchFamily="18" charset="0"/>
-                  </a:rPr>
-                  <a:t>.</a:t>
-                </a:r>
-              </a:p>
-              <a:p>
-                <a:pPr marL="76200" indent="0">
-                  <a:buNone/>
-                </a:pPr>
-                <a14:m>
-                  <m:oMath xmlns:m="http://schemas.openxmlformats.org/officeDocument/2006/math">
-                    <m:r>
-                      <a:rPr lang="en-US" b="0" i="1" smtClean="0">
-                        <a:solidFill>
-                          <a:schemeClr val="accent1"/>
-                        </a:solidFill>
-                        <a:latin typeface="Cambria Math" panose="02040503050406030204" pitchFamily="18" charset="0"/>
-                        <a:cs typeface="Times New Roman" panose="02020603050405020304" pitchFamily="18" charset="0"/>
-                      </a:rPr>
-                      <m:t>⇒</m:t>
-                    </m:r>
-                  </m:oMath>
-                </a14:m>
-                <a:r>
-                  <a:rPr lang="en-US" dirty="0">
-                    <a:latin typeface="Times New Roman" panose="02020603050405020304" pitchFamily="18" charset="0"/>
-                    <a:cs typeface="Times New Roman" panose="02020603050405020304" pitchFamily="18" charset="0"/>
-                  </a:rPr>
-                  <a:t> </a:t>
-                </a:r>
-                <a:r>
-                  <a:rPr lang="en-US" dirty="0" err="1">
-                    <a:latin typeface="Times New Roman" panose="02020603050405020304" pitchFamily="18" charset="0"/>
-                    <a:cs typeface="Times New Roman" panose="02020603050405020304" pitchFamily="18" charset="0"/>
-                  </a:rPr>
-                  <a:t>Đưa</a:t>
-                </a:r>
-                <a:r>
-                  <a:rPr lang="en-US" dirty="0">
-                    <a:latin typeface="Times New Roman" panose="02020603050405020304" pitchFamily="18" charset="0"/>
-                    <a:cs typeface="Times New Roman" panose="02020603050405020304" pitchFamily="18" charset="0"/>
-                  </a:rPr>
-                  <a:t> ra </a:t>
-                </a:r>
-                <a:r>
-                  <a:rPr lang="en-US" dirty="0" err="1">
-                    <a:latin typeface="Times New Roman" panose="02020603050405020304" pitchFamily="18" charset="0"/>
-                    <a:cs typeface="Times New Roman" panose="02020603050405020304" pitchFamily="18" charset="0"/>
-                  </a:rPr>
-                  <a:t>kết</a:t>
-                </a:r>
-                <a:r>
-                  <a:rPr lang="en-US" dirty="0">
-                    <a:latin typeface="Times New Roman" panose="02020603050405020304" pitchFamily="18" charset="0"/>
-                    <a:cs typeface="Times New Roman" panose="02020603050405020304" pitchFamily="18" charset="0"/>
-                  </a:rPr>
-                  <a:t> </a:t>
-                </a:r>
-                <a:r>
-                  <a:rPr lang="en-US" dirty="0" err="1">
-                    <a:latin typeface="Times New Roman" panose="02020603050405020304" pitchFamily="18" charset="0"/>
-                    <a:cs typeface="Times New Roman" panose="02020603050405020304" pitchFamily="18" charset="0"/>
-                  </a:rPr>
-                  <a:t>luận</a:t>
-                </a:r>
-                <a:r>
-                  <a:rPr lang="en-US" dirty="0">
-                    <a:latin typeface="Times New Roman" panose="02020603050405020304" pitchFamily="18" charset="0"/>
-                    <a:cs typeface="Times New Roman" panose="02020603050405020304" pitchFamily="18" charset="0"/>
-                  </a:rPr>
-                  <a:t>.</a:t>
-                </a:r>
-              </a:p>
-            </p:txBody>
-          </p:sp>
-        </mc:Choice>
-        <mc:Fallback>
-          <p:sp>
-            <p:nvSpPr>
-              <p:cNvPr id="5" name="Text Placeholder 4">
-                <a:extLst>
-                  <a:ext uri="{FF2B5EF4-FFF2-40B4-BE49-F238E27FC236}">
-                    <a16:creationId xmlns:a16="http://schemas.microsoft.com/office/drawing/2014/main" id="{81DA1704-C51A-4F14-B5EF-893B3A12DF94}"/>
-                  </a:ext>
-                </a:extLst>
-              </p:cNvPr>
-              <p:cNvSpPr>
-                <a:spLocks noGrp="1" noRot="1" noChangeAspect="1" noMove="1" noResize="1" noEditPoints="1" noAdjustHandles="1" noChangeArrowheads="1" noChangeShapeType="1" noTextEdit="1"/>
-              </p:cNvSpPr>
-              <p:nvPr>
-                <p:ph type="body" idx="1"/>
-              </p:nvPr>
-            </p:nvSpPr>
-            <p:spPr>
-              <a:blipFill>
-                <a:blip r:embed="rId3"/>
-                <a:stretch>
-                  <a:fillRect l="-1224" b="-13687"/>
-                </a:stretch>
-              </a:blipFill>
-            </p:spPr>
-            <p:txBody>
-              <a:bodyPr/>
-              <a:lstStyle/>
-              <a:p>
-                <a:r>
-                  <a:rPr lang="en-US">
-                    <a:noFill/>
-                  </a:rPr>
-                  <a:t> </a:t>
-                </a:r>
-              </a:p>
-            </p:txBody>
-          </p:sp>
-        </mc:Fallback>
-      </mc:AlternateContent>
+      <p:sp>
+        <p:nvSpPr>
+          <p:cNvPr id="4" name="Slide Number Placeholder 3">
+            <a:extLst>
+              <a:ext uri="{FF2B5EF4-FFF2-40B4-BE49-F238E27FC236}">
+                <a16:creationId xmlns:a16="http://schemas.microsoft.com/office/drawing/2014/main" id="{ADC734E9-435B-4B69-92F2-696DCF292E2C}"/>
+              </a:ext>
+            </a:extLst>
+          </p:cNvPr>
+          <p:cNvSpPr>
+            <a:spLocks noGrp="1"/>
+          </p:cNvSpPr>
+          <p:nvPr>
+            <p:ph type="sldNum" idx="12"/>
+          </p:nvPr>
+        </p:nvSpPr>
+        <p:spPr/>
+        <p:txBody>
+          <a:bodyPr/>
+          <a:lstStyle/>
+          <a:p>
+            <a:pPr marL="0" lvl="0" indent="0" algn="r" rtl="0">
+              <a:spcBef>
+                <a:spcPts val="0"/>
+              </a:spcBef>
+              <a:spcAft>
+                <a:spcPts val="0"/>
+              </a:spcAft>
+              <a:buNone/>
+            </a:pPr>
+            <a:fld id="{00000000-1234-1234-1234-123412341234}" type="slidenum">
+              <a:rPr lang="en" smtClean="0"/>
+              <a:t>10</a:t>
+            </a:fld>
+            <a:endParaRPr lang="en"/>
+          </a:p>
+        </p:txBody>
+      </p:sp>
+      <p:pic>
+        <p:nvPicPr>
+          <p:cNvPr id="2050" name="Picture 2" descr="https://viblo.asia/uploads/d9e71321-0db1-4c97-bffa-e7e1a2f93f5e.png">
+            <a:extLst>
+              <a:ext uri="{FF2B5EF4-FFF2-40B4-BE49-F238E27FC236}">
+                <a16:creationId xmlns:a16="http://schemas.microsoft.com/office/drawing/2014/main" id="{25E8BD63-F9D0-4A26-BF7A-A0EAB3D78F7D}"/>
+              </a:ext>
+            </a:extLst>
+          </p:cNvPr>
+          <p:cNvPicPr>
+            <a:picLocks noChangeAspect="1" noChangeArrowheads="1"/>
+          </p:cNvPicPr>
+          <p:nvPr/>
+        </p:nvPicPr>
+        <p:blipFill>
+          <a:blip r:embed="rId2">
+            <a:extLst>
+              <a:ext uri="{28A0092B-C50C-407E-A947-70E740481C1C}">
+                <a14:useLocalDpi xmlns:a14="http://schemas.microsoft.com/office/drawing/2010/main" val="0"/>
+              </a:ext>
+            </a:extLst>
+          </a:blip>
+          <a:srcRect/>
+          <a:stretch>
+            <a:fillRect/>
+          </a:stretch>
+        </p:blipFill>
+        <p:spPr bwMode="auto">
+          <a:xfrm>
+            <a:off x="1067088" y="1615953"/>
+            <a:ext cx="5262013" cy="2614698"/>
+          </a:xfrm>
+          <a:prstGeom prst="rect">
+            <a:avLst/>
+          </a:prstGeom>
+          <a:noFill/>
+          <a:extLst>
+            <a:ext uri="{909E8E84-426E-40DD-AFC4-6F175D3DCCD1}">
+              <a14:hiddenFill xmlns:a14="http://schemas.microsoft.com/office/drawing/2010/main">
+                <a:solidFill>
+                  <a:srgbClr val="FFFFFF"/>
+                </a:solidFill>
+              </a14:hiddenFill>
+            </a:ext>
+          </a:extLst>
+        </p:spPr>
+      </p:pic>
     </p:spTree>
     <p:extLst>
       <p:ext uri="{BB962C8B-B14F-4D97-AF65-F5344CB8AC3E}">
-        <p14:creationId xmlns:p14="http://schemas.microsoft.com/office/powerpoint/2010/main" val="3797276550"/>
+        <p14:creationId xmlns:p14="http://schemas.microsoft.com/office/powerpoint/2010/main" val="2738358524"/>
       </p:ext>
     </p:extLst>
   </p:cSld>
@@ -9576,6 +8187,796 @@
 </file>
 
 <file path=ppt/slides/slide11.xml><?xml version="1.0" encoding="utf-8"?>
+<p:sld xmlns:a="http://schemas.openxmlformats.org/drawingml/2006/main" xmlns:r="http://schemas.openxmlformats.org/officeDocument/2006/relationships" xmlns:p="http://schemas.openxmlformats.org/presentationml/2006/main">
+  <p:cSld>
+    <p:spTree>
+      <p:nvGrpSpPr>
+        <p:cNvPr id="1" name=""/>
+        <p:cNvGrpSpPr/>
+        <p:nvPr/>
+      </p:nvGrpSpPr>
+      <p:grpSpPr>
+        <a:xfrm>
+          <a:off x="0" y="0"/>
+          <a:ext cx="0" cy="0"/>
+          <a:chOff x="0" y="0"/>
+          <a:chExt cx="0" cy="0"/>
+        </a:xfrm>
+      </p:grpSpPr>
+      <p:sp>
+        <p:nvSpPr>
+          <p:cNvPr id="2" name="Title 1">
+            <a:extLst>
+              <a:ext uri="{FF2B5EF4-FFF2-40B4-BE49-F238E27FC236}">
+                <a16:creationId xmlns:a16="http://schemas.microsoft.com/office/drawing/2014/main" id="{2C24C122-1148-43B3-B5E0-98140352F181}"/>
+              </a:ext>
+            </a:extLst>
+          </p:cNvPr>
+          <p:cNvSpPr>
+            <a:spLocks noGrp="1"/>
+          </p:cNvSpPr>
+          <p:nvPr>
+            <p:ph type="title"/>
+          </p:nvPr>
+        </p:nvSpPr>
+        <p:spPr/>
+        <p:txBody>
+          <a:bodyPr/>
+          <a:lstStyle/>
+          <a:p>
+            <a:r>
+              <a:rPr lang="en-US" dirty="0">
+                <a:solidFill>
+                  <a:srgbClr val="0070C0"/>
+                </a:solidFill>
+                <a:latin typeface="Times New Roman" panose="02020603050405020304" pitchFamily="18" charset="0"/>
+                <a:cs typeface="Times New Roman" panose="02020603050405020304" pitchFamily="18" charset="0"/>
+              </a:rPr>
+              <a:t>Convolution</a:t>
+            </a:r>
+            <a:endParaRPr lang="en-US" dirty="0"/>
+          </a:p>
+        </p:txBody>
+      </p:sp>
+      <p:sp>
+        <p:nvSpPr>
+          <p:cNvPr id="4" name="Slide Number Placeholder 3">
+            <a:extLst>
+              <a:ext uri="{FF2B5EF4-FFF2-40B4-BE49-F238E27FC236}">
+                <a16:creationId xmlns:a16="http://schemas.microsoft.com/office/drawing/2014/main" id="{2DA49693-19E4-45D3-97A9-9402B59D840B}"/>
+              </a:ext>
+            </a:extLst>
+          </p:cNvPr>
+          <p:cNvSpPr>
+            <a:spLocks noGrp="1"/>
+          </p:cNvSpPr>
+          <p:nvPr>
+            <p:ph type="sldNum" idx="12"/>
+          </p:nvPr>
+        </p:nvSpPr>
+        <p:spPr/>
+        <p:txBody>
+          <a:bodyPr/>
+          <a:lstStyle/>
+          <a:p>
+            <a:pPr marL="0" lvl="0" indent="0" algn="r" rtl="0">
+              <a:spcBef>
+                <a:spcPts val="0"/>
+              </a:spcBef>
+              <a:spcAft>
+                <a:spcPts val="0"/>
+              </a:spcAft>
+              <a:buNone/>
+            </a:pPr>
+            <a:fld id="{00000000-1234-1234-1234-123412341234}" type="slidenum">
+              <a:rPr lang="en" smtClean="0"/>
+              <a:t>11</a:t>
+            </a:fld>
+            <a:endParaRPr lang="en"/>
+          </a:p>
+        </p:txBody>
+      </p:sp>
+      <p:pic>
+        <p:nvPicPr>
+          <p:cNvPr id="6" name="Picture 5">
+            <a:extLst>
+              <a:ext uri="{FF2B5EF4-FFF2-40B4-BE49-F238E27FC236}">
+                <a16:creationId xmlns:a16="http://schemas.microsoft.com/office/drawing/2014/main" id="{ACF2AB7D-DDC6-4040-AA01-1C4E7838547B}"/>
+              </a:ext>
+            </a:extLst>
+          </p:cNvPr>
+          <p:cNvPicPr>
+            <a:picLocks noChangeAspect="1"/>
+          </p:cNvPicPr>
+          <p:nvPr/>
+        </p:nvPicPr>
+        <p:blipFill>
+          <a:blip r:embed="rId2"/>
+          <a:stretch>
+            <a:fillRect/>
+          </a:stretch>
+        </p:blipFill>
+        <p:spPr>
+          <a:xfrm>
+            <a:off x="1067089" y="1582061"/>
+            <a:ext cx="4743990" cy="2763374"/>
+          </a:xfrm>
+          <a:prstGeom prst="rect">
+            <a:avLst/>
+          </a:prstGeom>
+        </p:spPr>
+      </p:pic>
+    </p:spTree>
+    <p:extLst>
+      <p:ext uri="{BB962C8B-B14F-4D97-AF65-F5344CB8AC3E}">
+        <p14:creationId xmlns:p14="http://schemas.microsoft.com/office/powerpoint/2010/main" val="2679699260"/>
+      </p:ext>
+    </p:extLst>
+  </p:cSld>
+  <p:clrMapOvr>
+    <a:masterClrMapping/>
+  </p:clrMapOvr>
+</p:sld>
+</file>
+
+<file path=ppt/slides/slide12.xml><?xml version="1.0" encoding="utf-8"?>
+<p:sld xmlns:a="http://schemas.openxmlformats.org/drawingml/2006/main" xmlns:r="http://schemas.openxmlformats.org/officeDocument/2006/relationships" xmlns:p="http://schemas.openxmlformats.org/presentationml/2006/main">
+  <p:cSld>
+    <p:spTree>
+      <p:nvGrpSpPr>
+        <p:cNvPr id="1" name=""/>
+        <p:cNvGrpSpPr/>
+        <p:nvPr/>
+      </p:nvGrpSpPr>
+      <p:grpSpPr>
+        <a:xfrm>
+          <a:off x="0" y="0"/>
+          <a:ext cx="0" cy="0"/>
+          <a:chOff x="0" y="0"/>
+          <a:chExt cx="0" cy="0"/>
+        </a:xfrm>
+      </p:grpSpPr>
+      <p:sp>
+        <p:nvSpPr>
+          <p:cNvPr id="2" name="Title 1">
+            <a:extLst>
+              <a:ext uri="{FF2B5EF4-FFF2-40B4-BE49-F238E27FC236}">
+                <a16:creationId xmlns:a16="http://schemas.microsoft.com/office/drawing/2014/main" id="{08E98B69-8B34-4A96-8629-279E1DF4B585}"/>
+              </a:ext>
+            </a:extLst>
+          </p:cNvPr>
+          <p:cNvSpPr>
+            <a:spLocks noGrp="1"/>
+          </p:cNvSpPr>
+          <p:nvPr>
+            <p:ph type="title"/>
+          </p:nvPr>
+        </p:nvSpPr>
+        <p:spPr/>
+        <p:txBody>
+          <a:bodyPr/>
+          <a:lstStyle/>
+          <a:p>
+            <a:r>
+              <a:rPr lang="en-US" dirty="0">
+                <a:solidFill>
+                  <a:srgbClr val="0070C0"/>
+                </a:solidFill>
+                <a:latin typeface="Times New Roman" panose="02020603050405020304" pitchFamily="18" charset="0"/>
+                <a:cs typeface="Times New Roman" panose="02020603050405020304" pitchFamily="18" charset="0"/>
+              </a:rPr>
+              <a:t>Pooling</a:t>
+            </a:r>
+            <a:endParaRPr lang="en-US" dirty="0"/>
+          </a:p>
+        </p:txBody>
+      </p:sp>
+      <p:sp>
+        <p:nvSpPr>
+          <p:cNvPr id="4" name="Slide Number Placeholder 3">
+            <a:extLst>
+              <a:ext uri="{FF2B5EF4-FFF2-40B4-BE49-F238E27FC236}">
+                <a16:creationId xmlns:a16="http://schemas.microsoft.com/office/drawing/2014/main" id="{B74C12E5-971A-4B89-9034-77B1D785A709}"/>
+              </a:ext>
+            </a:extLst>
+          </p:cNvPr>
+          <p:cNvSpPr>
+            <a:spLocks noGrp="1"/>
+          </p:cNvSpPr>
+          <p:nvPr>
+            <p:ph type="sldNum" idx="12"/>
+          </p:nvPr>
+        </p:nvSpPr>
+        <p:spPr/>
+        <p:txBody>
+          <a:bodyPr/>
+          <a:lstStyle/>
+          <a:p>
+            <a:pPr marL="0" lvl="0" indent="0" algn="r" rtl="0">
+              <a:spcBef>
+                <a:spcPts val="0"/>
+              </a:spcBef>
+              <a:spcAft>
+                <a:spcPts val="0"/>
+              </a:spcAft>
+              <a:buNone/>
+            </a:pPr>
+            <a:fld id="{00000000-1234-1234-1234-123412341234}" type="slidenum">
+              <a:rPr lang="en" smtClean="0"/>
+              <a:t>12</a:t>
+            </a:fld>
+            <a:endParaRPr lang="en"/>
+          </a:p>
+        </p:txBody>
+      </p:sp>
+      <p:pic>
+        <p:nvPicPr>
+          <p:cNvPr id="4098" name="Picture 2" descr="https://viblo.asia/uploads/c611fdb5-87dc-4cb5-85fa-ba312b9a9462.png">
+            <a:extLst>
+              <a:ext uri="{FF2B5EF4-FFF2-40B4-BE49-F238E27FC236}">
+                <a16:creationId xmlns:a16="http://schemas.microsoft.com/office/drawing/2014/main" id="{7C5BB4C5-B137-4FEC-B171-35226B28B414}"/>
+              </a:ext>
+            </a:extLst>
+          </p:cNvPr>
+          <p:cNvPicPr>
+            <a:picLocks noChangeAspect="1" noChangeArrowheads="1"/>
+          </p:cNvPicPr>
+          <p:nvPr/>
+        </p:nvPicPr>
+        <p:blipFill>
+          <a:blip r:embed="rId3">
+            <a:extLst>
+              <a:ext uri="{28A0092B-C50C-407E-A947-70E740481C1C}">
+                <a14:useLocalDpi xmlns:a14="http://schemas.microsoft.com/office/drawing/2010/main" val="0"/>
+              </a:ext>
+            </a:extLst>
+          </a:blip>
+          <a:srcRect/>
+          <a:stretch>
+            <a:fillRect/>
+          </a:stretch>
+        </p:blipFill>
+        <p:spPr bwMode="auto">
+          <a:xfrm>
+            <a:off x="1067089" y="1548850"/>
+            <a:ext cx="5607954" cy="2537029"/>
+          </a:xfrm>
+          <a:prstGeom prst="rect">
+            <a:avLst/>
+          </a:prstGeom>
+          <a:noFill/>
+          <a:extLst>
+            <a:ext uri="{909E8E84-426E-40DD-AFC4-6F175D3DCCD1}">
+              <a14:hiddenFill xmlns:a14="http://schemas.microsoft.com/office/drawing/2010/main">
+                <a:solidFill>
+                  <a:srgbClr val="FFFFFF"/>
+                </a:solidFill>
+              </a14:hiddenFill>
+            </a:ext>
+          </a:extLst>
+        </p:spPr>
+      </p:pic>
+    </p:spTree>
+    <p:extLst>
+      <p:ext uri="{BB962C8B-B14F-4D97-AF65-F5344CB8AC3E}">
+        <p14:creationId xmlns:p14="http://schemas.microsoft.com/office/powerpoint/2010/main" val="3703694392"/>
+      </p:ext>
+    </p:extLst>
+  </p:cSld>
+  <p:clrMapOvr>
+    <a:masterClrMapping/>
+  </p:clrMapOvr>
+</p:sld>
+</file>
+
+<file path=ppt/slides/slide13.xml><?xml version="1.0" encoding="utf-8"?>
+<p:sld xmlns:a="http://schemas.openxmlformats.org/drawingml/2006/main" xmlns:r="http://schemas.openxmlformats.org/officeDocument/2006/relationships" xmlns:p="http://schemas.openxmlformats.org/presentationml/2006/main">
+  <p:cSld>
+    <p:spTree>
+      <p:nvGrpSpPr>
+        <p:cNvPr id="1" name=""/>
+        <p:cNvGrpSpPr/>
+        <p:nvPr/>
+      </p:nvGrpSpPr>
+      <p:grpSpPr>
+        <a:xfrm>
+          <a:off x="0" y="0"/>
+          <a:ext cx="0" cy="0"/>
+          <a:chOff x="0" y="0"/>
+          <a:chExt cx="0" cy="0"/>
+        </a:xfrm>
+      </p:grpSpPr>
+      <p:sp>
+        <p:nvSpPr>
+          <p:cNvPr id="2" name="Title 1">
+            <a:extLst>
+              <a:ext uri="{FF2B5EF4-FFF2-40B4-BE49-F238E27FC236}">
+                <a16:creationId xmlns:a16="http://schemas.microsoft.com/office/drawing/2014/main" id="{1F6670CC-E9CA-452C-A968-F70B3013702C}"/>
+              </a:ext>
+            </a:extLst>
+          </p:cNvPr>
+          <p:cNvSpPr>
+            <a:spLocks noGrp="1"/>
+          </p:cNvSpPr>
+          <p:nvPr>
+            <p:ph type="title"/>
+          </p:nvPr>
+        </p:nvSpPr>
+        <p:spPr/>
+        <p:txBody>
+          <a:bodyPr/>
+          <a:lstStyle/>
+          <a:p>
+            <a:r>
+              <a:rPr lang="en-US" dirty="0">
+                <a:solidFill>
+                  <a:srgbClr val="0070C0"/>
+                </a:solidFill>
+                <a:latin typeface="Times New Roman" panose="02020603050405020304" pitchFamily="18" charset="0"/>
+                <a:cs typeface="Times New Roman" panose="02020603050405020304" pitchFamily="18" charset="0"/>
+              </a:rPr>
+              <a:t>Fully Connected</a:t>
+            </a:r>
+            <a:endParaRPr lang="en-US" dirty="0"/>
+          </a:p>
+        </p:txBody>
+      </p:sp>
+      <p:sp>
+        <p:nvSpPr>
+          <p:cNvPr id="3" name="Text Placeholder 2">
+            <a:extLst>
+              <a:ext uri="{FF2B5EF4-FFF2-40B4-BE49-F238E27FC236}">
+                <a16:creationId xmlns:a16="http://schemas.microsoft.com/office/drawing/2014/main" id="{A1D09B3A-3E14-454C-9757-BA27E36ABA63}"/>
+              </a:ext>
+            </a:extLst>
+          </p:cNvPr>
+          <p:cNvSpPr>
+            <a:spLocks noGrp="1"/>
+          </p:cNvSpPr>
+          <p:nvPr>
+            <p:ph type="body" idx="1"/>
+          </p:nvPr>
+        </p:nvSpPr>
+        <p:spPr/>
+        <p:txBody>
+          <a:bodyPr/>
+          <a:lstStyle/>
+          <a:p>
+            <a:r>
+              <a:rPr lang="en-US" dirty="0">
+                <a:latin typeface="Times New Roman" panose="02020603050405020304" pitchFamily="18" charset="0"/>
+                <a:ea typeface="Tahoma" panose="020B0604030504040204" pitchFamily="34" charset="0"/>
+                <a:cs typeface="Times New Roman" panose="02020603050405020304" pitchFamily="18" charset="0"/>
+              </a:rPr>
+              <a:t>Th</a:t>
+            </a:r>
+            <a:r>
+              <a:rPr lang="vi-VN" dirty="0">
+                <a:latin typeface="Times New Roman" panose="02020603050405020304" pitchFamily="18" charset="0"/>
+                <a:ea typeface="Tahoma" panose="020B0604030504040204" pitchFamily="34" charset="0"/>
+                <a:cs typeface="Times New Roman" panose="02020603050405020304" pitchFamily="18" charset="0"/>
+              </a:rPr>
+              <a:t>ư</a:t>
+            </a:r>
+            <a:r>
+              <a:rPr lang="en-US" dirty="0" err="1">
+                <a:latin typeface="Times New Roman" panose="02020603050405020304" pitchFamily="18" charset="0"/>
+                <a:ea typeface="Tahoma" panose="020B0604030504040204" pitchFamily="34" charset="0"/>
+                <a:cs typeface="Times New Roman" panose="02020603050405020304" pitchFamily="18" charset="0"/>
+              </a:rPr>
+              <a:t>ờng</a:t>
+            </a:r>
+            <a:r>
+              <a:rPr lang="en-US" dirty="0">
+                <a:latin typeface="Times New Roman" panose="02020603050405020304" pitchFamily="18" charset="0"/>
+                <a:ea typeface="Tahoma" panose="020B0604030504040204" pitchFamily="34" charset="0"/>
+                <a:cs typeface="Times New Roman" panose="02020603050405020304" pitchFamily="18" charset="0"/>
+              </a:rPr>
+              <a:t> </a:t>
+            </a:r>
+            <a:r>
+              <a:rPr lang="en-US" dirty="0" err="1">
+                <a:latin typeface="Times New Roman" panose="02020603050405020304" pitchFamily="18" charset="0"/>
+                <a:ea typeface="Tahoma" panose="020B0604030504040204" pitchFamily="34" charset="0"/>
+                <a:cs typeface="Times New Roman" panose="02020603050405020304" pitchFamily="18" charset="0"/>
+              </a:rPr>
+              <a:t>sẽ</a:t>
+            </a:r>
+            <a:r>
+              <a:rPr lang="en-US" dirty="0">
+                <a:latin typeface="Times New Roman" panose="02020603050405020304" pitchFamily="18" charset="0"/>
+                <a:ea typeface="Tahoma" panose="020B0604030504040204" pitchFamily="34" charset="0"/>
+                <a:cs typeface="Times New Roman" panose="02020603050405020304" pitchFamily="18" charset="0"/>
+              </a:rPr>
+              <a:t> </a:t>
+            </a:r>
+            <a:r>
+              <a:rPr lang="en-US" dirty="0" err="1">
+                <a:latin typeface="Times New Roman" panose="02020603050405020304" pitchFamily="18" charset="0"/>
+                <a:ea typeface="Tahoma" panose="020B0604030504040204" pitchFamily="34" charset="0"/>
+                <a:cs typeface="Times New Roman" panose="02020603050405020304" pitchFamily="18" charset="0"/>
+              </a:rPr>
+              <a:t>có</a:t>
+            </a:r>
+            <a:r>
+              <a:rPr lang="en-US" dirty="0">
+                <a:latin typeface="Times New Roman" panose="02020603050405020304" pitchFamily="18" charset="0"/>
+                <a:ea typeface="Tahoma" panose="020B0604030504040204" pitchFamily="34" charset="0"/>
+                <a:cs typeface="Times New Roman" panose="02020603050405020304" pitchFamily="18" charset="0"/>
+              </a:rPr>
+              <a:t> 2 </a:t>
+            </a:r>
+            <a:r>
+              <a:rPr lang="en-US" dirty="0" err="1">
+                <a:latin typeface="Times New Roman" panose="02020603050405020304" pitchFamily="18" charset="0"/>
+                <a:ea typeface="Tahoma" panose="020B0604030504040204" pitchFamily="34" charset="0"/>
+                <a:cs typeface="Times New Roman" panose="02020603050405020304" pitchFamily="18" charset="0"/>
+              </a:rPr>
+              <a:t>lớp</a:t>
+            </a:r>
+            <a:r>
+              <a:rPr lang="en-US" dirty="0">
+                <a:latin typeface="Times New Roman" panose="02020603050405020304" pitchFamily="18" charset="0"/>
+                <a:ea typeface="Tahoma" panose="020B0604030504040204" pitchFamily="34" charset="0"/>
+                <a:cs typeface="Times New Roman" panose="02020603050405020304" pitchFamily="18" charset="0"/>
+              </a:rPr>
+              <a:t> Fully Connected.</a:t>
+            </a:r>
+          </a:p>
+          <a:p>
+            <a:r>
+              <a:rPr lang="en-US" dirty="0">
+                <a:latin typeface="Times New Roman" panose="02020603050405020304" pitchFamily="18" charset="0"/>
+                <a:ea typeface="Tahoma" panose="020B0604030504040204" pitchFamily="34" charset="0"/>
+                <a:cs typeface="Times New Roman" panose="02020603050405020304" pitchFamily="18" charset="0"/>
+              </a:rPr>
+              <a:t>1 </a:t>
+            </a:r>
+            <a:r>
+              <a:rPr lang="en-US" dirty="0" err="1">
+                <a:latin typeface="Times New Roman" panose="02020603050405020304" pitchFamily="18" charset="0"/>
+                <a:ea typeface="Tahoma" panose="020B0604030504040204" pitchFamily="34" charset="0"/>
+                <a:cs typeface="Times New Roman" panose="02020603050405020304" pitchFamily="18" charset="0"/>
+              </a:rPr>
+              <a:t>lớp</a:t>
+            </a:r>
+            <a:r>
+              <a:rPr lang="en-US" dirty="0">
+                <a:latin typeface="Times New Roman" panose="02020603050405020304" pitchFamily="18" charset="0"/>
+                <a:ea typeface="Tahoma" panose="020B0604030504040204" pitchFamily="34" charset="0"/>
+                <a:cs typeface="Times New Roman" panose="02020603050405020304" pitchFamily="18" charset="0"/>
+              </a:rPr>
+              <a:t> </a:t>
+            </a:r>
+            <a:r>
+              <a:rPr lang="en-US" dirty="0" err="1">
+                <a:latin typeface="Times New Roman" panose="02020603050405020304" pitchFamily="18" charset="0"/>
+                <a:ea typeface="Tahoma" panose="020B0604030504040204" pitchFamily="34" charset="0"/>
+                <a:cs typeface="Times New Roman" panose="02020603050405020304" pitchFamily="18" charset="0"/>
+              </a:rPr>
+              <a:t>để</a:t>
+            </a:r>
+            <a:r>
+              <a:rPr lang="en-US" dirty="0">
+                <a:latin typeface="Times New Roman" panose="02020603050405020304" pitchFamily="18" charset="0"/>
+                <a:ea typeface="Tahoma" panose="020B0604030504040204" pitchFamily="34" charset="0"/>
+                <a:cs typeface="Times New Roman" panose="02020603050405020304" pitchFamily="18" charset="0"/>
+              </a:rPr>
+              <a:t> </a:t>
+            </a:r>
+            <a:r>
+              <a:rPr lang="en-US" dirty="0" err="1">
+                <a:latin typeface="Times New Roman" panose="02020603050405020304" pitchFamily="18" charset="0"/>
+                <a:ea typeface="Tahoma" panose="020B0604030504040204" pitchFamily="34" charset="0"/>
+                <a:cs typeface="Times New Roman" panose="02020603050405020304" pitchFamily="18" charset="0"/>
+              </a:rPr>
+              <a:t>tập</a:t>
+            </a:r>
+            <a:r>
+              <a:rPr lang="en-US" dirty="0">
+                <a:latin typeface="Times New Roman" panose="02020603050405020304" pitchFamily="18" charset="0"/>
+                <a:ea typeface="Tahoma" panose="020B0604030504040204" pitchFamily="34" charset="0"/>
+                <a:cs typeface="Times New Roman" panose="02020603050405020304" pitchFamily="18" charset="0"/>
+              </a:rPr>
+              <a:t> </a:t>
+            </a:r>
+            <a:r>
+              <a:rPr lang="en-US" dirty="0" err="1">
+                <a:latin typeface="Times New Roman" panose="02020603050405020304" pitchFamily="18" charset="0"/>
+                <a:ea typeface="Tahoma" panose="020B0604030504040204" pitchFamily="34" charset="0"/>
+                <a:cs typeface="Times New Roman" panose="02020603050405020304" pitchFamily="18" charset="0"/>
+              </a:rPr>
+              <a:t>hợp</a:t>
+            </a:r>
+            <a:r>
+              <a:rPr lang="en-US" dirty="0">
+                <a:latin typeface="Times New Roman" panose="02020603050405020304" pitchFamily="18" charset="0"/>
+                <a:ea typeface="Tahoma" panose="020B0604030504040204" pitchFamily="34" charset="0"/>
+                <a:cs typeface="Times New Roman" panose="02020603050405020304" pitchFamily="18" charset="0"/>
+              </a:rPr>
+              <a:t> </a:t>
+            </a:r>
+            <a:r>
+              <a:rPr lang="en-US" dirty="0" err="1">
+                <a:latin typeface="Times New Roman" panose="02020603050405020304" pitchFamily="18" charset="0"/>
+                <a:ea typeface="Tahoma" panose="020B0604030504040204" pitchFamily="34" charset="0"/>
+                <a:cs typeface="Times New Roman" panose="02020603050405020304" pitchFamily="18" charset="0"/>
+              </a:rPr>
+              <a:t>các</a:t>
+            </a:r>
+            <a:r>
+              <a:rPr lang="en-US" dirty="0">
+                <a:latin typeface="Times New Roman" panose="02020603050405020304" pitchFamily="18" charset="0"/>
+                <a:ea typeface="Tahoma" panose="020B0604030504040204" pitchFamily="34" charset="0"/>
+                <a:cs typeface="Times New Roman" panose="02020603050405020304" pitchFamily="18" charset="0"/>
+              </a:rPr>
+              <a:t> feature layer, </a:t>
+            </a:r>
+            <a:r>
+              <a:rPr lang="en-US" dirty="0" err="1">
+                <a:latin typeface="Times New Roman" panose="02020603050405020304" pitchFamily="18" charset="0"/>
+                <a:ea typeface="Tahoma" panose="020B0604030504040204" pitchFamily="34" charset="0"/>
+                <a:cs typeface="Times New Roman" panose="02020603050405020304" pitchFamily="18" charset="0"/>
+              </a:rPr>
+              <a:t>chuyển</a:t>
+            </a:r>
+            <a:r>
+              <a:rPr lang="en-US" dirty="0">
+                <a:latin typeface="Times New Roman" panose="02020603050405020304" pitchFamily="18" charset="0"/>
+                <a:ea typeface="Tahoma" panose="020B0604030504040204" pitchFamily="34" charset="0"/>
+                <a:cs typeface="Times New Roman" panose="02020603050405020304" pitchFamily="18" charset="0"/>
+              </a:rPr>
+              <a:t> </a:t>
+            </a:r>
+            <a:r>
+              <a:rPr lang="en-US" dirty="0" err="1">
+                <a:latin typeface="Times New Roman" panose="02020603050405020304" pitchFamily="18" charset="0"/>
+                <a:ea typeface="Tahoma" panose="020B0604030504040204" pitchFamily="34" charset="0"/>
+                <a:cs typeface="Times New Roman" panose="02020603050405020304" pitchFamily="18" charset="0"/>
+              </a:rPr>
+              <a:t>dữ</a:t>
+            </a:r>
+            <a:r>
+              <a:rPr lang="en-US" dirty="0">
+                <a:latin typeface="Times New Roman" panose="02020603050405020304" pitchFamily="18" charset="0"/>
+                <a:ea typeface="Tahoma" panose="020B0604030504040204" pitchFamily="34" charset="0"/>
+                <a:cs typeface="Times New Roman" panose="02020603050405020304" pitchFamily="18" charset="0"/>
+              </a:rPr>
+              <a:t> </a:t>
+            </a:r>
+            <a:r>
+              <a:rPr lang="en-US" dirty="0" err="1">
+                <a:latin typeface="Times New Roman" panose="02020603050405020304" pitchFamily="18" charset="0"/>
+                <a:ea typeface="Tahoma" panose="020B0604030504040204" pitchFamily="34" charset="0"/>
+                <a:cs typeface="Times New Roman" panose="02020603050405020304" pitchFamily="18" charset="0"/>
+              </a:rPr>
+              <a:t>liệu</a:t>
+            </a:r>
+            <a:r>
+              <a:rPr lang="en-US" dirty="0">
+                <a:latin typeface="Times New Roman" panose="02020603050405020304" pitchFamily="18" charset="0"/>
+                <a:ea typeface="Tahoma" panose="020B0604030504040204" pitchFamily="34" charset="0"/>
+                <a:cs typeface="Times New Roman" panose="02020603050405020304" pitchFamily="18" charset="0"/>
+              </a:rPr>
+              <a:t> </a:t>
+            </a:r>
+            <a:r>
+              <a:rPr lang="en-US" dirty="0" err="1">
+                <a:latin typeface="Times New Roman" panose="02020603050405020304" pitchFamily="18" charset="0"/>
+                <a:ea typeface="Tahoma" panose="020B0604030504040204" pitchFamily="34" charset="0"/>
+                <a:cs typeface="Times New Roman" panose="02020603050405020304" pitchFamily="18" charset="0"/>
+              </a:rPr>
+              <a:t>từ</a:t>
+            </a:r>
+            <a:r>
+              <a:rPr lang="en-US" dirty="0">
+                <a:latin typeface="Times New Roman" panose="02020603050405020304" pitchFamily="18" charset="0"/>
+                <a:ea typeface="Tahoma" panose="020B0604030504040204" pitchFamily="34" charset="0"/>
+                <a:cs typeface="Times New Roman" panose="02020603050405020304" pitchFamily="18" charset="0"/>
+              </a:rPr>
+              <a:t> 3D/2D </a:t>
+            </a:r>
+            <a:r>
+              <a:rPr lang="en-US" dirty="0" err="1">
+                <a:latin typeface="Times New Roman" panose="02020603050405020304" pitchFamily="18" charset="0"/>
+                <a:ea typeface="Tahoma" panose="020B0604030504040204" pitchFamily="34" charset="0"/>
+                <a:cs typeface="Times New Roman" panose="02020603050405020304" pitchFamily="18" charset="0"/>
+              </a:rPr>
+              <a:t>thành</a:t>
+            </a:r>
+            <a:r>
+              <a:rPr lang="en-US" dirty="0">
+                <a:latin typeface="Times New Roman" panose="02020603050405020304" pitchFamily="18" charset="0"/>
+                <a:ea typeface="Tahoma" panose="020B0604030504040204" pitchFamily="34" charset="0"/>
+                <a:cs typeface="Times New Roman" panose="02020603050405020304" pitchFamily="18" charset="0"/>
+              </a:rPr>
+              <a:t> 1D (vector).</a:t>
+            </a:r>
+          </a:p>
+          <a:p>
+            <a:r>
+              <a:rPr lang="en-US" dirty="0">
+                <a:latin typeface="Times New Roman" panose="02020603050405020304" pitchFamily="18" charset="0"/>
+                <a:ea typeface="Tahoma" panose="020B0604030504040204" pitchFamily="34" charset="0"/>
+                <a:cs typeface="Times New Roman" panose="02020603050405020304" pitchFamily="18" charset="0"/>
+              </a:rPr>
+              <a:t>1 layer </a:t>
+            </a:r>
+            <a:r>
+              <a:rPr lang="en-US" dirty="0" err="1">
+                <a:latin typeface="Times New Roman" panose="02020603050405020304" pitchFamily="18" charset="0"/>
+                <a:ea typeface="Tahoma" panose="020B0604030504040204" pitchFamily="34" charset="0"/>
+                <a:cs typeface="Times New Roman" panose="02020603050405020304" pitchFamily="18" charset="0"/>
+              </a:rPr>
+              <a:t>cuối</a:t>
+            </a:r>
+            <a:r>
+              <a:rPr lang="en-US" dirty="0">
+                <a:latin typeface="Times New Roman" panose="02020603050405020304" pitchFamily="18" charset="0"/>
+                <a:ea typeface="Tahoma" panose="020B0604030504040204" pitchFamily="34" charset="0"/>
+                <a:cs typeface="Times New Roman" panose="02020603050405020304" pitchFamily="18" charset="0"/>
+              </a:rPr>
+              <a:t> </a:t>
+            </a:r>
+            <a:r>
+              <a:rPr lang="en-US" dirty="0" err="1">
+                <a:latin typeface="Times New Roman" panose="02020603050405020304" pitchFamily="18" charset="0"/>
+                <a:ea typeface="Tahoma" panose="020B0604030504040204" pitchFamily="34" charset="0"/>
+                <a:cs typeface="Times New Roman" panose="02020603050405020304" pitchFamily="18" charset="0"/>
+              </a:rPr>
+              <a:t>cùng</a:t>
+            </a:r>
+            <a:r>
+              <a:rPr lang="en-US" dirty="0">
+                <a:latin typeface="Times New Roman" panose="02020603050405020304" pitchFamily="18" charset="0"/>
+                <a:ea typeface="Tahoma" panose="020B0604030504040204" pitchFamily="34" charset="0"/>
+                <a:cs typeface="Times New Roman" panose="02020603050405020304" pitchFamily="18" charset="0"/>
+              </a:rPr>
+              <a:t> </a:t>
+            </a:r>
+            <a:r>
+              <a:rPr lang="en-US" dirty="0" err="1">
+                <a:latin typeface="Times New Roman" panose="02020603050405020304" pitchFamily="18" charset="0"/>
+                <a:ea typeface="Tahoma" panose="020B0604030504040204" pitchFamily="34" charset="0"/>
+                <a:cs typeface="Times New Roman" panose="02020603050405020304" pitchFamily="18" charset="0"/>
+              </a:rPr>
+              <a:t>sẽ</a:t>
+            </a:r>
+            <a:r>
+              <a:rPr lang="en-US" dirty="0">
+                <a:latin typeface="Times New Roman" panose="02020603050405020304" pitchFamily="18" charset="0"/>
+                <a:ea typeface="Tahoma" panose="020B0604030504040204" pitchFamily="34" charset="0"/>
+                <a:cs typeface="Times New Roman" panose="02020603050405020304" pitchFamily="18" charset="0"/>
+              </a:rPr>
+              <a:t> </a:t>
+            </a:r>
+            <a:r>
+              <a:rPr lang="en-US" dirty="0" err="1">
+                <a:latin typeface="Times New Roman" panose="02020603050405020304" pitchFamily="18" charset="0"/>
+                <a:ea typeface="Tahoma" panose="020B0604030504040204" pitchFamily="34" charset="0"/>
+                <a:cs typeface="Times New Roman" panose="02020603050405020304" pitchFamily="18" charset="0"/>
+              </a:rPr>
+              <a:t>phân</a:t>
+            </a:r>
+            <a:r>
+              <a:rPr lang="en-US" dirty="0">
+                <a:latin typeface="Times New Roman" panose="02020603050405020304" pitchFamily="18" charset="0"/>
+                <a:ea typeface="Tahoma" panose="020B0604030504040204" pitchFamily="34" charset="0"/>
+                <a:cs typeface="Times New Roman" panose="02020603050405020304" pitchFamily="18" charset="0"/>
+              </a:rPr>
+              <a:t> </a:t>
+            </a:r>
+            <a:r>
+              <a:rPr lang="en-US" dirty="0" err="1">
+                <a:latin typeface="Times New Roman" panose="02020603050405020304" pitchFamily="18" charset="0"/>
+                <a:ea typeface="Tahoma" panose="020B0604030504040204" pitchFamily="34" charset="0"/>
+                <a:cs typeface="Times New Roman" panose="02020603050405020304" pitchFamily="18" charset="0"/>
+              </a:rPr>
+              <a:t>loại</a:t>
+            </a:r>
+            <a:r>
+              <a:rPr lang="en-US" dirty="0">
+                <a:latin typeface="Times New Roman" panose="02020603050405020304" pitchFamily="18" charset="0"/>
+                <a:ea typeface="Tahoma" panose="020B0604030504040204" pitchFamily="34" charset="0"/>
+                <a:cs typeface="Times New Roman" panose="02020603050405020304" pitchFamily="18" charset="0"/>
+              </a:rPr>
+              <a:t> </a:t>
+            </a:r>
+            <a:r>
+              <a:rPr lang="en-US" dirty="0" err="1">
+                <a:latin typeface="Times New Roman" panose="02020603050405020304" pitchFamily="18" charset="0"/>
+                <a:ea typeface="Tahoma" panose="020B0604030504040204" pitchFamily="34" charset="0"/>
+                <a:cs typeface="Times New Roman" panose="02020603050405020304" pitchFamily="18" charset="0"/>
+              </a:rPr>
+              <a:t>đối</a:t>
+            </a:r>
+            <a:r>
+              <a:rPr lang="en-US" dirty="0">
+                <a:latin typeface="Times New Roman" panose="02020603050405020304" pitchFamily="18" charset="0"/>
+                <a:ea typeface="Tahoma" panose="020B0604030504040204" pitchFamily="34" charset="0"/>
+                <a:cs typeface="Times New Roman" panose="02020603050405020304" pitchFamily="18" charset="0"/>
+              </a:rPr>
+              <a:t> t</a:t>
+            </a:r>
+            <a:r>
+              <a:rPr lang="vi-VN" dirty="0">
+                <a:latin typeface="Times New Roman" panose="02020603050405020304" pitchFamily="18" charset="0"/>
+                <a:ea typeface="Tahoma" panose="020B0604030504040204" pitchFamily="34" charset="0"/>
+                <a:cs typeface="Times New Roman" panose="02020603050405020304" pitchFamily="18" charset="0"/>
+              </a:rPr>
+              <a:t>ư</a:t>
+            </a:r>
+            <a:r>
+              <a:rPr lang="en-US" dirty="0" err="1">
+                <a:latin typeface="Times New Roman" panose="02020603050405020304" pitchFamily="18" charset="0"/>
+                <a:ea typeface="Tahoma" panose="020B0604030504040204" pitchFamily="34" charset="0"/>
+                <a:cs typeface="Times New Roman" panose="02020603050405020304" pitchFamily="18" charset="0"/>
+              </a:rPr>
+              <a:t>ợng</a:t>
+            </a:r>
+            <a:r>
+              <a:rPr lang="en-US" dirty="0">
+                <a:latin typeface="Times New Roman" panose="02020603050405020304" pitchFamily="18" charset="0"/>
+                <a:ea typeface="Tahoma" panose="020B0604030504040204" pitchFamily="34" charset="0"/>
+                <a:cs typeface="Times New Roman" panose="02020603050405020304" pitchFamily="18" charset="0"/>
+              </a:rPr>
+              <a:t>.</a:t>
+            </a:r>
+          </a:p>
+        </p:txBody>
+      </p:sp>
+      <p:sp>
+        <p:nvSpPr>
+          <p:cNvPr id="4" name="Slide Number Placeholder 3">
+            <a:extLst>
+              <a:ext uri="{FF2B5EF4-FFF2-40B4-BE49-F238E27FC236}">
+                <a16:creationId xmlns:a16="http://schemas.microsoft.com/office/drawing/2014/main" id="{64511B9F-A98E-4AFA-9524-ED27CB4905C4}"/>
+              </a:ext>
+            </a:extLst>
+          </p:cNvPr>
+          <p:cNvSpPr>
+            <a:spLocks noGrp="1"/>
+          </p:cNvSpPr>
+          <p:nvPr>
+            <p:ph type="sldNum" idx="12"/>
+          </p:nvPr>
+        </p:nvSpPr>
+        <p:spPr/>
+        <p:txBody>
+          <a:bodyPr/>
+          <a:lstStyle/>
+          <a:p>
+            <a:pPr marL="0" lvl="0" indent="0" algn="r" rtl="0">
+              <a:spcBef>
+                <a:spcPts val="0"/>
+              </a:spcBef>
+              <a:spcAft>
+                <a:spcPts val="0"/>
+              </a:spcAft>
+              <a:buNone/>
+            </a:pPr>
+            <a:fld id="{00000000-1234-1234-1234-123412341234}" type="slidenum">
+              <a:rPr lang="en" smtClean="0"/>
+              <a:t>13</a:t>
+            </a:fld>
+            <a:endParaRPr lang="en"/>
+          </a:p>
+        </p:txBody>
+      </p:sp>
+    </p:spTree>
+    <p:extLst>
+      <p:ext uri="{BB962C8B-B14F-4D97-AF65-F5344CB8AC3E}">
+        <p14:creationId xmlns:p14="http://schemas.microsoft.com/office/powerpoint/2010/main" val="1433954383"/>
+      </p:ext>
+    </p:extLst>
+  </p:cSld>
+  <p:clrMapOvr>
+    <a:masterClrMapping/>
+  </p:clrMapOvr>
+</p:sld>
+</file>
+
+<file path=ppt/slides/slide14.xml><?xml version="1.0" encoding="utf-8"?>
 <p:sld xmlns:a="http://schemas.openxmlformats.org/drawingml/2006/main" xmlns:r="http://schemas.openxmlformats.org/officeDocument/2006/relationships" xmlns:p="http://schemas.openxmlformats.org/presentationml/2006/main">
   <p:cSld>
     <p:spTree>
@@ -9720,7 +9121,7 @@
             </a:pPr>
             <a:fld id="{00000000-1234-1234-1234-123412341234}" type="slidenum">
               <a:rPr lang="en"/>
-              <a:t>11</a:t>
+              <a:t>14</a:t>
             </a:fld>
             <a:endParaRPr/>
           </a:p>
@@ -9739,7 +9140,7 @@
 </p:sld>
 </file>
 
-<file path=ppt/slides/slide12.xml><?xml version="1.0" encoding="utf-8"?>
+<file path=ppt/slides/slide15.xml><?xml version="1.0" encoding="utf-8"?>
 <p:sld xmlns:a="http://schemas.openxmlformats.org/drawingml/2006/main" xmlns:r="http://schemas.openxmlformats.org/officeDocument/2006/relationships" xmlns:p="http://schemas.openxmlformats.org/presentationml/2006/main">
   <p:cSld>
     <p:spTree>
@@ -9758,10 +9159,10 @@
       </p:grpSpPr>
       <p:sp>
         <p:nvSpPr>
-          <p:cNvPr id="7" name="Flowchart: Data 6">
+          <p:cNvPr id="4" name="Rectangle 3">
             <a:extLst>
               <a:ext uri="{FF2B5EF4-FFF2-40B4-BE49-F238E27FC236}">
-                <a16:creationId xmlns:a16="http://schemas.microsoft.com/office/drawing/2014/main" id="{9E658984-F1EC-4FE6-8DE0-9EC91B5F0F1D}"/>
+                <a16:creationId xmlns:a16="http://schemas.microsoft.com/office/drawing/2014/main" id="{80683EE7-42A7-4BC0-A6E8-2BC3225B28B8}"/>
               </a:ext>
             </a:extLst>
           </p:cNvPr>
@@ -9770,25 +9171,27 @@
         </p:nvSpPr>
         <p:spPr>
           <a:xfrm>
-            <a:off x="2749819" y="503578"/>
-            <a:ext cx="1736035" cy="430697"/>
+            <a:off x="2562782" y="1054920"/>
+            <a:ext cx="1328244" cy="504497"/>
           </a:xfrm>
-          <a:prstGeom prst="flowChartInputOutput">
+          <a:prstGeom prst="rect">
             <a:avLst/>
           </a:prstGeom>
         </p:spPr>
         <p:style>
           <a:lnRef idx="2">
-            <a:schemeClr val="accent1"/>
+            <a:schemeClr val="accent1">
+              <a:shade val="50000"/>
+            </a:schemeClr>
           </a:lnRef>
           <a:fillRef idx="1">
-            <a:schemeClr val="lt1"/>
+            <a:schemeClr val="accent1"/>
           </a:fillRef>
           <a:effectRef idx="0">
             <a:schemeClr val="accent1"/>
           </a:effectRef>
           <a:fontRef idx="minor">
-            <a:schemeClr val="dk1"/>
+            <a:schemeClr val="lt1"/>
           </a:fontRef>
         </p:style>
         <p:txBody>
@@ -9797,21 +9200,18 @@
           <a:p>
             <a:pPr algn="ctr"/>
             <a:r>
-              <a:rPr lang="en-US" sz="1300" dirty="0">
-                <a:latin typeface="Times New Roman" panose="02020603050405020304" pitchFamily="18" charset="0"/>
-                <a:cs typeface="Times New Roman" panose="02020603050405020304" pitchFamily="18" charset="0"/>
-              </a:rPr>
-              <a:t>Read Image</a:t>
+              <a:rPr lang="en-US" dirty="0"/>
+              <a:t>Input</a:t>
             </a:r>
           </a:p>
         </p:txBody>
       </p:sp>
       <p:sp>
         <p:nvSpPr>
-          <p:cNvPr id="8" name="Flowchart: Process 7">
+          <p:cNvPr id="5" name="Rectangle 4">
             <a:extLst>
               <a:ext uri="{FF2B5EF4-FFF2-40B4-BE49-F238E27FC236}">
-                <a16:creationId xmlns:a16="http://schemas.microsoft.com/office/drawing/2014/main" id="{2ED833AA-1407-4881-A448-47BB94E1E3FD}"/>
+                <a16:creationId xmlns:a16="http://schemas.microsoft.com/office/drawing/2014/main" id="{DD6626A6-F30D-4D3C-92FF-5CFA99C7578B}"/>
               </a:ext>
             </a:extLst>
           </p:cNvPr>
@@ -9820,25 +9220,27 @@
         </p:nvSpPr>
         <p:spPr>
           <a:xfrm>
-            <a:off x="2749808" y="1915450"/>
-            <a:ext cx="1736035" cy="430697"/>
+            <a:off x="2562784" y="1916819"/>
+            <a:ext cx="1328245" cy="504497"/>
           </a:xfrm>
-          <a:prstGeom prst="flowChartProcess">
+          <a:prstGeom prst="rect">
             <a:avLst/>
           </a:prstGeom>
         </p:spPr>
         <p:style>
           <a:lnRef idx="2">
-            <a:schemeClr val="accent1"/>
+            <a:schemeClr val="accent1">
+              <a:shade val="50000"/>
+            </a:schemeClr>
           </a:lnRef>
           <a:fillRef idx="1">
-            <a:schemeClr val="lt1"/>
+            <a:schemeClr val="accent1"/>
           </a:fillRef>
           <a:effectRef idx="0">
             <a:schemeClr val="accent1"/>
           </a:effectRef>
           <a:fontRef idx="minor">
-            <a:schemeClr val="dk1"/>
+            <a:schemeClr val="lt1"/>
           </a:fontRef>
         </p:style>
         <p:txBody>
@@ -9847,10 +9249,7 @@
           <a:p>
             <a:pPr algn="ctr"/>
             <a:r>
-              <a:rPr lang="en-US" sz="1300" dirty="0">
-                <a:latin typeface="Times New Roman" panose="02020603050405020304" pitchFamily="18" charset="0"/>
-                <a:cs typeface="Times New Roman" panose="02020603050405020304" pitchFamily="18" charset="0"/>
-              </a:rPr>
+              <a:rPr lang="en-US" dirty="0"/>
               <a:t>Preprocessing</a:t>
             </a:r>
           </a:p>
@@ -9858,10 +9257,10 @@
       </p:sp>
       <p:sp>
         <p:nvSpPr>
-          <p:cNvPr id="9" name="Flowchart: Process 8">
+          <p:cNvPr id="9" name="Rectangle 8">
             <a:extLst>
               <a:ext uri="{FF2B5EF4-FFF2-40B4-BE49-F238E27FC236}">
-                <a16:creationId xmlns:a16="http://schemas.microsoft.com/office/drawing/2014/main" id="{BB7E9B0E-B392-4D14-967F-28F87FE0E065}"/>
+                <a16:creationId xmlns:a16="http://schemas.microsoft.com/office/drawing/2014/main" id="{D5A3A8C8-9629-47E6-B0C5-A92158302253}"/>
               </a:ext>
             </a:extLst>
           </p:cNvPr>
@@ -9870,25 +9269,27 @@
         </p:nvSpPr>
         <p:spPr>
           <a:xfrm>
-            <a:off x="2749813" y="2621391"/>
-            <a:ext cx="1736035" cy="430697"/>
+            <a:off x="2562781" y="2781527"/>
+            <a:ext cx="1328245" cy="504497"/>
           </a:xfrm>
-          <a:prstGeom prst="flowChartProcess">
+          <a:prstGeom prst="rect">
             <a:avLst/>
           </a:prstGeom>
         </p:spPr>
         <p:style>
           <a:lnRef idx="2">
-            <a:schemeClr val="accent1"/>
+            <a:schemeClr val="accent1">
+              <a:shade val="50000"/>
+            </a:schemeClr>
           </a:lnRef>
           <a:fillRef idx="1">
-            <a:schemeClr val="lt1"/>
+            <a:schemeClr val="accent1"/>
           </a:fillRef>
           <a:effectRef idx="0">
             <a:schemeClr val="accent1"/>
           </a:effectRef>
           <a:fontRef idx="minor">
-            <a:schemeClr val="dk1"/>
+            <a:schemeClr val="lt1"/>
           </a:fontRef>
         </p:style>
         <p:txBody>
@@ -9897,21 +9298,18 @@
           <a:p>
             <a:pPr algn="ctr"/>
             <a:r>
-              <a:rPr lang="en-US" sz="1300" dirty="0">
-                <a:latin typeface="Times New Roman" panose="02020603050405020304" pitchFamily="18" charset="0"/>
-                <a:cs typeface="Times New Roman" panose="02020603050405020304" pitchFamily="18" charset="0"/>
-              </a:rPr>
-              <a:t>Segmentation of Character</a:t>
+              <a:rPr lang="en-US" dirty="0"/>
+              <a:t>CNN</a:t>
             </a:r>
           </a:p>
         </p:txBody>
       </p:sp>
       <p:sp>
         <p:nvSpPr>
-          <p:cNvPr id="10" name="Flowchart: Process 9">
+          <p:cNvPr id="10" name="Rectangle 9">
             <a:extLst>
               <a:ext uri="{FF2B5EF4-FFF2-40B4-BE49-F238E27FC236}">
-                <a16:creationId xmlns:a16="http://schemas.microsoft.com/office/drawing/2014/main" id="{1DF2112D-914C-4271-9E35-528553634EFD}"/>
+                <a16:creationId xmlns:a16="http://schemas.microsoft.com/office/drawing/2014/main" id="{CB95F0A3-86D6-46B5-ADFC-EA3757CAEDEA}"/>
               </a:ext>
             </a:extLst>
           </p:cNvPr>
@@ -9920,25 +9318,27 @@
         </p:nvSpPr>
         <p:spPr>
           <a:xfrm>
-            <a:off x="2749813" y="3327333"/>
-            <a:ext cx="1736035" cy="430697"/>
+            <a:off x="2562780" y="3643840"/>
+            <a:ext cx="1328245" cy="504497"/>
           </a:xfrm>
-          <a:prstGeom prst="flowChartProcess">
+          <a:prstGeom prst="rect">
             <a:avLst/>
           </a:prstGeom>
         </p:spPr>
         <p:style>
           <a:lnRef idx="2">
-            <a:schemeClr val="accent1"/>
+            <a:schemeClr val="accent1">
+              <a:shade val="50000"/>
+            </a:schemeClr>
           </a:lnRef>
           <a:fillRef idx="1">
-            <a:schemeClr val="lt1"/>
+            <a:schemeClr val="accent1"/>
           </a:fillRef>
           <a:effectRef idx="0">
             <a:schemeClr val="accent1"/>
           </a:effectRef>
           <a:fontRef idx="minor">
-            <a:schemeClr val="dk1"/>
+            <a:schemeClr val="lt1"/>
           </a:fontRef>
         </p:style>
         <p:txBody>
@@ -9947,179 +9347,31 @@
           <a:p>
             <a:pPr algn="ctr"/>
             <a:r>
-              <a:rPr lang="en-US" sz="1300" dirty="0">
-                <a:latin typeface="Times New Roman" panose="02020603050405020304" pitchFamily="18" charset="0"/>
-                <a:cs typeface="Times New Roman" panose="02020603050405020304" pitchFamily="18" charset="0"/>
-              </a:rPr>
-              <a:t>Character Recognition</a:t>
-            </a:r>
-          </a:p>
-        </p:txBody>
-      </p:sp>
-      <p:sp>
-        <p:nvSpPr>
-          <p:cNvPr id="11" name="Flowchart: Process 10">
-            <a:extLst>
-              <a:ext uri="{FF2B5EF4-FFF2-40B4-BE49-F238E27FC236}">
-                <a16:creationId xmlns:a16="http://schemas.microsoft.com/office/drawing/2014/main" id="{663C0D68-EA00-44B5-BDFB-FDFA79C07E25}"/>
-              </a:ext>
-            </a:extLst>
-          </p:cNvPr>
-          <p:cNvSpPr/>
-          <p:nvPr/>
-        </p:nvSpPr>
-        <p:spPr>
-          <a:xfrm>
-            <a:off x="2749813" y="4033275"/>
-            <a:ext cx="1736035" cy="430697"/>
-          </a:xfrm>
-          <a:prstGeom prst="flowChartProcess">
-            <a:avLst/>
-          </a:prstGeom>
-        </p:spPr>
-        <p:style>
-          <a:lnRef idx="2">
-            <a:schemeClr val="accent1"/>
-          </a:lnRef>
-          <a:fillRef idx="1">
-            <a:schemeClr val="lt1"/>
-          </a:fillRef>
-          <a:effectRef idx="0">
-            <a:schemeClr val="accent1"/>
-          </a:effectRef>
-          <a:fontRef idx="minor">
-            <a:schemeClr val="dk1"/>
-          </a:fontRef>
-        </p:style>
-        <p:txBody>
-          <a:bodyPr rtlCol="0" anchor="ctr"/>
-          <a:lstStyle/>
-          <a:p>
-            <a:pPr algn="ctr"/>
-            <a:r>
-              <a:rPr lang="en-US" sz="1300" dirty="0">
-                <a:latin typeface="Times New Roman" panose="02020603050405020304" pitchFamily="18" charset="0"/>
-                <a:cs typeface="Times New Roman" panose="02020603050405020304" pitchFamily="18" charset="0"/>
-              </a:rPr>
+              <a:rPr lang="en-US" dirty="0"/>
               <a:t>Output</a:t>
-            </a:r>
-          </a:p>
-        </p:txBody>
-      </p:sp>
-      <p:sp>
-        <p:nvSpPr>
-          <p:cNvPr id="13" name="Flowchart: Terminator 12">
-            <a:extLst>
-              <a:ext uri="{FF2B5EF4-FFF2-40B4-BE49-F238E27FC236}">
-                <a16:creationId xmlns:a16="http://schemas.microsoft.com/office/drawing/2014/main" id="{08A4A6B5-C7E5-4E41-BE82-765AA32FADF2}"/>
-              </a:ext>
-            </a:extLst>
-          </p:cNvPr>
-          <p:cNvSpPr/>
-          <p:nvPr/>
-        </p:nvSpPr>
-        <p:spPr>
-          <a:xfrm>
-            <a:off x="682484" y="503579"/>
-            <a:ext cx="1736035" cy="430697"/>
-          </a:xfrm>
-          <a:prstGeom prst="flowChartTerminator">
-            <a:avLst/>
-          </a:prstGeom>
-        </p:spPr>
-        <p:style>
-          <a:lnRef idx="2">
-            <a:schemeClr val="accent1"/>
-          </a:lnRef>
-          <a:fillRef idx="1">
-            <a:schemeClr val="lt1"/>
-          </a:fillRef>
-          <a:effectRef idx="0">
-            <a:schemeClr val="accent1"/>
-          </a:effectRef>
-          <a:fontRef idx="minor">
-            <a:schemeClr val="dk1"/>
-          </a:fontRef>
-        </p:style>
-        <p:txBody>
-          <a:bodyPr rtlCol="0" anchor="ctr"/>
-          <a:lstStyle/>
-          <a:p>
-            <a:pPr algn="ctr"/>
-            <a:r>
-              <a:rPr lang="en-US" dirty="0"/>
-              <a:t>Start</a:t>
-            </a:r>
-          </a:p>
-        </p:txBody>
-      </p:sp>
-      <p:sp>
-        <p:nvSpPr>
-          <p:cNvPr id="14" name="Flowchart: Terminator 13">
-            <a:extLst>
-              <a:ext uri="{FF2B5EF4-FFF2-40B4-BE49-F238E27FC236}">
-                <a16:creationId xmlns:a16="http://schemas.microsoft.com/office/drawing/2014/main" id="{314F6D30-9AD8-48F1-BEFC-18EFF5C3AC7D}"/>
-              </a:ext>
-            </a:extLst>
-          </p:cNvPr>
-          <p:cNvSpPr/>
-          <p:nvPr/>
-        </p:nvSpPr>
-        <p:spPr>
-          <a:xfrm>
-            <a:off x="5062328" y="4033275"/>
-            <a:ext cx="1736035" cy="430697"/>
-          </a:xfrm>
-          <a:prstGeom prst="flowChartTerminator">
-            <a:avLst/>
-          </a:prstGeom>
-        </p:spPr>
-        <p:style>
-          <a:lnRef idx="2">
-            <a:schemeClr val="accent1"/>
-          </a:lnRef>
-          <a:fillRef idx="1">
-            <a:schemeClr val="lt1"/>
-          </a:fillRef>
-          <a:effectRef idx="0">
-            <a:schemeClr val="accent1"/>
-          </a:effectRef>
-          <a:fontRef idx="minor">
-            <a:schemeClr val="dk1"/>
-          </a:fontRef>
-        </p:style>
-        <p:txBody>
-          <a:bodyPr rtlCol="0" anchor="ctr"/>
-          <a:lstStyle/>
-          <a:p>
-            <a:pPr algn="ctr"/>
-            <a:r>
-              <a:rPr lang="en-US" dirty="0"/>
-              <a:t>End</a:t>
             </a:r>
           </a:p>
         </p:txBody>
       </p:sp>
       <p:cxnSp>
         <p:nvCxnSpPr>
-          <p:cNvPr id="16" name="Straight Arrow Connector 15">
+          <p:cNvPr id="11" name="Straight Arrow Connector 10">
             <a:extLst>
               <a:ext uri="{FF2B5EF4-FFF2-40B4-BE49-F238E27FC236}">
-                <a16:creationId xmlns:a16="http://schemas.microsoft.com/office/drawing/2014/main" id="{B774866B-5E9D-4538-B5CD-77595F1C9EB0}"/>
+                <a16:creationId xmlns:a16="http://schemas.microsoft.com/office/drawing/2014/main" id="{1CE29F3C-2E66-449B-B9C8-1B6BE5A5E071}"/>
               </a:ext>
             </a:extLst>
           </p:cNvPr>
           <p:cNvCxnSpPr>
             <a:cxnSpLocks/>
-            <a:stCxn id="13" idx="3"/>
-            <a:endCxn id="7" idx="2"/>
+            <a:endCxn id="9" idx="0"/>
           </p:cNvCxnSpPr>
           <p:nvPr/>
         </p:nvCxnSpPr>
         <p:spPr>
-          <a:xfrm flipV="1">
-            <a:off x="2418519" y="718927"/>
-            <a:ext cx="504904" cy="1"/>
+          <a:xfrm>
+            <a:off x="3226902" y="2421316"/>
+            <a:ext cx="2" cy="360211"/>
           </a:xfrm>
           <a:prstGeom prst="straightConnector1">
             <a:avLst/>
@@ -10145,23 +9397,296 @@
       </p:cxnSp>
       <p:cxnSp>
         <p:nvCxnSpPr>
-          <p:cNvPr id="19" name="Straight Arrow Connector 18">
+          <p:cNvPr id="12" name="Straight Arrow Connector 11">
             <a:extLst>
               <a:ext uri="{FF2B5EF4-FFF2-40B4-BE49-F238E27FC236}">
-                <a16:creationId xmlns:a16="http://schemas.microsoft.com/office/drawing/2014/main" id="{4E70C929-B929-4669-B415-2E6CB3BBE385}"/>
+                <a16:creationId xmlns:a16="http://schemas.microsoft.com/office/drawing/2014/main" id="{787E66C4-4AAC-47D7-8872-AB8633EEC238}"/>
               </a:ext>
             </a:extLst>
           </p:cNvPr>
           <p:cNvCxnSpPr>
             <a:cxnSpLocks/>
-            <a:endCxn id="15" idx="0"/>
+            <a:endCxn id="10" idx="0"/>
           </p:cNvCxnSpPr>
           <p:nvPr/>
         </p:nvCxnSpPr>
         <p:spPr>
           <a:xfrm>
-            <a:off x="3611204" y="934274"/>
-            <a:ext cx="6622" cy="275245"/>
+            <a:off x="3226902" y="3286024"/>
+            <a:ext cx="1" cy="357816"/>
+          </a:xfrm>
+          <a:prstGeom prst="straightConnector1">
+            <a:avLst/>
+          </a:prstGeom>
+          <a:ln>
+            <a:tailEnd type="triangle"/>
+          </a:ln>
+        </p:spPr>
+        <p:style>
+          <a:lnRef idx="3">
+            <a:schemeClr val="accent1"/>
+          </a:lnRef>
+          <a:fillRef idx="0">
+            <a:schemeClr val="accent1"/>
+          </a:fillRef>
+          <a:effectRef idx="2">
+            <a:schemeClr val="accent1"/>
+          </a:effectRef>
+          <a:fontRef idx="minor">
+            <a:schemeClr val="tx1"/>
+          </a:fontRef>
+        </p:style>
+      </p:cxnSp>
+      <p:sp>
+        <p:nvSpPr>
+          <p:cNvPr id="14" name="Flowchart: Terminator 13">
+            <a:extLst>
+              <a:ext uri="{FF2B5EF4-FFF2-40B4-BE49-F238E27FC236}">
+                <a16:creationId xmlns:a16="http://schemas.microsoft.com/office/drawing/2014/main" id="{CF305BDC-AF7E-4C92-8286-5C126B066355}"/>
+              </a:ext>
+            </a:extLst>
+          </p:cNvPr>
+          <p:cNvSpPr/>
+          <p:nvPr/>
+        </p:nvSpPr>
+        <p:spPr>
+          <a:xfrm>
+            <a:off x="2562781" y="195699"/>
+            <a:ext cx="1328245" cy="504497"/>
+          </a:xfrm>
+          <a:prstGeom prst="flowChartTerminator">
+            <a:avLst/>
+          </a:prstGeom>
+        </p:spPr>
+        <p:style>
+          <a:lnRef idx="2">
+            <a:schemeClr val="accent1">
+              <a:shade val="50000"/>
+            </a:schemeClr>
+          </a:lnRef>
+          <a:fillRef idx="1">
+            <a:schemeClr val="accent1"/>
+          </a:fillRef>
+          <a:effectRef idx="0">
+            <a:schemeClr val="accent1"/>
+          </a:effectRef>
+          <a:fontRef idx="minor">
+            <a:schemeClr val="lt1"/>
+          </a:fontRef>
+        </p:style>
+        <p:txBody>
+          <a:bodyPr rtlCol="0" anchor="ctr"/>
+          <a:lstStyle/>
+          <a:p>
+            <a:pPr algn="ctr"/>
+            <a:r>
+              <a:rPr lang="en-US" dirty="0"/>
+              <a:t>Start</a:t>
+            </a:r>
+          </a:p>
+        </p:txBody>
+      </p:sp>
+      <p:cxnSp>
+        <p:nvCxnSpPr>
+          <p:cNvPr id="15" name="Straight Arrow Connector 14">
+            <a:extLst>
+              <a:ext uri="{FF2B5EF4-FFF2-40B4-BE49-F238E27FC236}">
+                <a16:creationId xmlns:a16="http://schemas.microsoft.com/office/drawing/2014/main" id="{08E2EC0A-67B6-4057-8BAB-032D461597F0}"/>
+              </a:ext>
+            </a:extLst>
+          </p:cNvPr>
+          <p:cNvCxnSpPr>
+            <a:cxnSpLocks/>
+            <a:endCxn id="4" idx="0"/>
+          </p:cNvCxnSpPr>
+          <p:nvPr/>
+        </p:nvCxnSpPr>
+        <p:spPr>
+          <a:xfrm flipH="1">
+            <a:off x="3226904" y="700196"/>
+            <a:ext cx="2" cy="354724"/>
+          </a:xfrm>
+          <a:prstGeom prst="straightConnector1">
+            <a:avLst/>
+          </a:prstGeom>
+          <a:ln>
+            <a:tailEnd type="triangle"/>
+          </a:ln>
+        </p:spPr>
+        <p:style>
+          <a:lnRef idx="3">
+            <a:schemeClr val="accent1"/>
+          </a:lnRef>
+          <a:fillRef idx="0">
+            <a:schemeClr val="accent1"/>
+          </a:fillRef>
+          <a:effectRef idx="2">
+            <a:schemeClr val="accent1"/>
+          </a:effectRef>
+          <a:fontRef idx="minor">
+            <a:schemeClr val="tx1"/>
+          </a:fontRef>
+        </p:style>
+      </p:cxnSp>
+      <p:sp>
+        <p:nvSpPr>
+          <p:cNvPr id="16" name="Flowchart: Terminator 15">
+            <a:extLst>
+              <a:ext uri="{FF2B5EF4-FFF2-40B4-BE49-F238E27FC236}">
+                <a16:creationId xmlns:a16="http://schemas.microsoft.com/office/drawing/2014/main" id="{E648F62D-C95D-4926-BEF3-C01AA5071920}"/>
+              </a:ext>
+            </a:extLst>
+          </p:cNvPr>
+          <p:cNvSpPr/>
+          <p:nvPr/>
+        </p:nvSpPr>
+        <p:spPr>
+          <a:xfrm>
+            <a:off x="2562779" y="4502647"/>
+            <a:ext cx="1328245" cy="504497"/>
+          </a:xfrm>
+          <a:prstGeom prst="flowChartTerminator">
+            <a:avLst/>
+          </a:prstGeom>
+        </p:spPr>
+        <p:style>
+          <a:lnRef idx="2">
+            <a:schemeClr val="accent1">
+              <a:shade val="50000"/>
+            </a:schemeClr>
+          </a:lnRef>
+          <a:fillRef idx="1">
+            <a:schemeClr val="accent1"/>
+          </a:fillRef>
+          <a:effectRef idx="0">
+            <a:schemeClr val="accent1"/>
+          </a:effectRef>
+          <a:fontRef idx="minor">
+            <a:schemeClr val="lt1"/>
+          </a:fontRef>
+        </p:style>
+        <p:txBody>
+          <a:bodyPr rtlCol="0" anchor="ctr"/>
+          <a:lstStyle/>
+          <a:p>
+            <a:pPr algn="ctr"/>
+            <a:r>
+              <a:rPr lang="en-US" dirty="0"/>
+              <a:t>Stop</a:t>
+            </a:r>
+          </a:p>
+        </p:txBody>
+      </p:sp>
+      <p:cxnSp>
+        <p:nvCxnSpPr>
+          <p:cNvPr id="24" name="Straight Arrow Connector 23">
+            <a:extLst>
+              <a:ext uri="{FF2B5EF4-FFF2-40B4-BE49-F238E27FC236}">
+                <a16:creationId xmlns:a16="http://schemas.microsoft.com/office/drawing/2014/main" id="{8B4CCCCF-EF37-43F2-98CF-E0190AB9DC0E}"/>
+              </a:ext>
+            </a:extLst>
+          </p:cNvPr>
+          <p:cNvCxnSpPr>
+            <a:stCxn id="10" idx="2"/>
+            <a:endCxn id="16" idx="0"/>
+          </p:cNvCxnSpPr>
+          <p:nvPr/>
+        </p:nvCxnSpPr>
+        <p:spPr>
+          <a:xfrm flipH="1">
+            <a:off x="3226902" y="4148337"/>
+            <a:ext cx="1" cy="354310"/>
+          </a:xfrm>
+          <a:prstGeom prst="straightConnector1">
+            <a:avLst/>
+          </a:prstGeom>
+          <a:ln>
+            <a:tailEnd type="triangle"/>
+          </a:ln>
+        </p:spPr>
+        <p:style>
+          <a:lnRef idx="3">
+            <a:schemeClr val="accent1"/>
+          </a:lnRef>
+          <a:fillRef idx="0">
+            <a:schemeClr val="accent1"/>
+          </a:fillRef>
+          <a:effectRef idx="2">
+            <a:schemeClr val="accent1"/>
+          </a:effectRef>
+          <a:fontRef idx="minor">
+            <a:schemeClr val="tx1"/>
+          </a:fontRef>
+        </p:style>
+      </p:cxnSp>
+      <p:sp>
+        <p:nvSpPr>
+          <p:cNvPr id="25" name="Flowchart: Decision 24">
+            <a:extLst>
+              <a:ext uri="{FF2B5EF4-FFF2-40B4-BE49-F238E27FC236}">
+                <a16:creationId xmlns:a16="http://schemas.microsoft.com/office/drawing/2014/main" id="{AD895245-9EDC-4003-B02C-82797A422C63}"/>
+              </a:ext>
+            </a:extLst>
+          </p:cNvPr>
+          <p:cNvSpPr/>
+          <p:nvPr/>
+        </p:nvSpPr>
+        <p:spPr>
+          <a:xfrm>
+            <a:off x="4555146" y="978719"/>
+            <a:ext cx="1484239" cy="656897"/>
+          </a:xfrm>
+          <a:prstGeom prst="flowChartDecision">
+            <a:avLst/>
+          </a:prstGeom>
+        </p:spPr>
+        <p:style>
+          <a:lnRef idx="2">
+            <a:schemeClr val="accent1">
+              <a:shade val="50000"/>
+            </a:schemeClr>
+          </a:lnRef>
+          <a:fillRef idx="1">
+            <a:schemeClr val="accent1"/>
+          </a:fillRef>
+          <a:effectRef idx="0">
+            <a:schemeClr val="accent1"/>
+          </a:effectRef>
+          <a:fontRef idx="minor">
+            <a:schemeClr val="lt1"/>
+          </a:fontRef>
+        </p:style>
+        <p:txBody>
+          <a:bodyPr rtlCol="0" anchor="ctr"/>
+          <a:lstStyle/>
+          <a:p>
+            <a:pPr algn="ctr"/>
+            <a:r>
+              <a:rPr lang="en-US" dirty="0"/>
+              <a:t>Valid?</a:t>
+            </a:r>
+          </a:p>
+        </p:txBody>
+      </p:sp>
+      <p:cxnSp>
+        <p:nvCxnSpPr>
+          <p:cNvPr id="27" name="Straight Arrow Connector 26">
+            <a:extLst>
+              <a:ext uri="{FF2B5EF4-FFF2-40B4-BE49-F238E27FC236}">
+                <a16:creationId xmlns:a16="http://schemas.microsoft.com/office/drawing/2014/main" id="{59EA3624-906D-4F19-A9CD-24C1B77D66D9}"/>
+              </a:ext>
+            </a:extLst>
+          </p:cNvPr>
+          <p:cNvCxnSpPr>
+            <a:stCxn id="4" idx="3"/>
+            <a:endCxn id="25" idx="1"/>
+          </p:cNvCxnSpPr>
+          <p:nvPr/>
+        </p:nvCxnSpPr>
+        <p:spPr>
+          <a:xfrm flipV="1">
+            <a:off x="3891026" y="1307168"/>
+            <a:ext cx="664120" cy="1"/>
           </a:xfrm>
           <a:prstGeom prst="straightConnector1">
             <a:avLst/>
@@ -10187,24 +9712,26 @@
       </p:cxnSp>
       <p:cxnSp>
         <p:nvCxnSpPr>
-          <p:cNvPr id="20" name="Straight Arrow Connector 19">
+          <p:cNvPr id="32" name="Connector: Elbow 31">
             <a:extLst>
               <a:ext uri="{FF2B5EF4-FFF2-40B4-BE49-F238E27FC236}">
-                <a16:creationId xmlns:a16="http://schemas.microsoft.com/office/drawing/2014/main" id="{E7DB397E-BD3D-45C5-A39B-8373336D1356}"/>
+                <a16:creationId xmlns:a16="http://schemas.microsoft.com/office/drawing/2014/main" id="{C49F8775-B7E0-4FC2-904F-81F0A360ACD1}"/>
               </a:ext>
             </a:extLst>
           </p:cNvPr>
           <p:cNvCxnSpPr>
             <a:cxnSpLocks/>
+            <a:stCxn id="25" idx="2"/>
+            <a:endCxn id="5" idx="3"/>
           </p:cNvCxnSpPr>
           <p:nvPr/>
         </p:nvCxnSpPr>
         <p:spPr>
-          <a:xfrm>
-            <a:off x="3617830" y="2346146"/>
-            <a:ext cx="0" cy="275245"/>
+          <a:xfrm rot="5400000">
+            <a:off x="4327422" y="1199224"/>
+            <a:ext cx="533452" cy="1406237"/>
           </a:xfrm>
-          <a:prstGeom prst="straightConnector1">
+          <a:prstGeom prst="bentConnector2">
             <a:avLst/>
           </a:prstGeom>
           <a:ln>
@@ -10228,279 +9755,23 @@
       </p:cxnSp>
       <p:cxnSp>
         <p:nvCxnSpPr>
-          <p:cNvPr id="21" name="Straight Arrow Connector 20">
+          <p:cNvPr id="35" name="Connector: Elbow 34">
             <a:extLst>
               <a:ext uri="{FF2B5EF4-FFF2-40B4-BE49-F238E27FC236}">
-                <a16:creationId xmlns:a16="http://schemas.microsoft.com/office/drawing/2014/main" id="{98A30781-F33F-4BA5-83E9-65CD26E473B7}"/>
+                <a16:creationId xmlns:a16="http://schemas.microsoft.com/office/drawing/2014/main" id="{677FD94A-3452-40FC-BC3D-9147D7B0E961}"/>
               </a:ext>
             </a:extLst>
           </p:cNvPr>
           <p:cNvCxnSpPr>
             <a:cxnSpLocks/>
+            <a:endCxn id="16" idx="3"/>
           </p:cNvCxnSpPr>
           <p:nvPr/>
         </p:nvCxnSpPr>
         <p:spPr>
-          <a:xfrm>
-            <a:off x="3617830" y="3052088"/>
-            <a:ext cx="0" cy="275245"/>
-          </a:xfrm>
-          <a:prstGeom prst="straightConnector1">
-            <a:avLst/>
-          </a:prstGeom>
-          <a:ln>
-            <a:tailEnd type="triangle"/>
-          </a:ln>
-        </p:spPr>
-        <p:style>
-          <a:lnRef idx="3">
-            <a:schemeClr val="accent1"/>
-          </a:lnRef>
-          <a:fillRef idx="0">
-            <a:schemeClr val="accent1"/>
-          </a:fillRef>
-          <a:effectRef idx="2">
-            <a:schemeClr val="accent1"/>
-          </a:effectRef>
-          <a:fontRef idx="minor">
-            <a:schemeClr val="tx1"/>
-          </a:fontRef>
-        </p:style>
-      </p:cxnSp>
-      <p:cxnSp>
-        <p:nvCxnSpPr>
-          <p:cNvPr id="22" name="Straight Arrow Connector 21">
-            <a:extLst>
-              <a:ext uri="{FF2B5EF4-FFF2-40B4-BE49-F238E27FC236}">
-                <a16:creationId xmlns:a16="http://schemas.microsoft.com/office/drawing/2014/main" id="{E34C3D7D-2AC5-41EB-81CF-2482CC8545DE}"/>
-              </a:ext>
-            </a:extLst>
-          </p:cNvPr>
-          <p:cNvCxnSpPr>
-            <a:cxnSpLocks/>
-            <a:endCxn id="11" idx="0"/>
-          </p:cNvCxnSpPr>
-          <p:nvPr/>
-        </p:nvCxnSpPr>
-        <p:spPr>
-          <a:xfrm>
-            <a:off x="3617830" y="3758030"/>
-            <a:ext cx="1" cy="275245"/>
-          </a:xfrm>
-          <a:prstGeom prst="straightConnector1">
-            <a:avLst/>
-          </a:prstGeom>
-          <a:ln>
-            <a:tailEnd type="triangle"/>
-          </a:ln>
-        </p:spPr>
-        <p:style>
-          <a:lnRef idx="3">
-            <a:schemeClr val="accent1"/>
-          </a:lnRef>
-          <a:fillRef idx="0">
-            <a:schemeClr val="accent1"/>
-          </a:fillRef>
-          <a:effectRef idx="2">
-            <a:schemeClr val="accent1"/>
-          </a:effectRef>
-          <a:fontRef idx="minor">
-            <a:schemeClr val="tx1"/>
-          </a:fontRef>
-        </p:style>
-      </p:cxnSp>
-      <p:cxnSp>
-        <p:nvCxnSpPr>
-          <p:cNvPr id="23" name="Straight Arrow Connector 22">
-            <a:extLst>
-              <a:ext uri="{FF2B5EF4-FFF2-40B4-BE49-F238E27FC236}">
-                <a16:creationId xmlns:a16="http://schemas.microsoft.com/office/drawing/2014/main" id="{C77239F7-F3B3-4E07-BC48-21765664B866}"/>
-              </a:ext>
-            </a:extLst>
-          </p:cNvPr>
-          <p:cNvCxnSpPr>
-            <a:cxnSpLocks/>
-            <a:stCxn id="11" idx="3"/>
-            <a:endCxn id="14" idx="1"/>
-          </p:cNvCxnSpPr>
-          <p:nvPr/>
-        </p:nvCxnSpPr>
-        <p:spPr>
-          <a:xfrm>
-            <a:off x="4485848" y="4248624"/>
-            <a:ext cx="576480" cy="0"/>
-          </a:xfrm>
-          <a:prstGeom prst="straightConnector1">
-            <a:avLst/>
-          </a:prstGeom>
-          <a:ln>
-            <a:tailEnd type="triangle"/>
-          </a:ln>
-        </p:spPr>
-        <p:style>
-          <a:lnRef idx="3">
-            <a:schemeClr val="accent1"/>
-          </a:lnRef>
-          <a:fillRef idx="0">
-            <a:schemeClr val="accent1"/>
-          </a:fillRef>
-          <a:effectRef idx="2">
-            <a:schemeClr val="accent1"/>
-          </a:effectRef>
-          <a:fontRef idx="minor">
-            <a:schemeClr val="tx1"/>
-          </a:fontRef>
-        </p:style>
-      </p:cxnSp>
-      <p:sp>
-        <p:nvSpPr>
-          <p:cNvPr id="15" name="Flowchart: Decision 14">
-            <a:extLst>
-              <a:ext uri="{FF2B5EF4-FFF2-40B4-BE49-F238E27FC236}">
-                <a16:creationId xmlns:a16="http://schemas.microsoft.com/office/drawing/2014/main" id="{2C4F74EA-8725-4369-B2C0-BD3B4A5E9B94}"/>
-              </a:ext>
-            </a:extLst>
-          </p:cNvPr>
-          <p:cNvSpPr/>
-          <p:nvPr/>
-        </p:nvSpPr>
-        <p:spPr>
-          <a:xfrm>
-            <a:off x="2749809" y="1209519"/>
-            <a:ext cx="1736034" cy="430687"/>
-          </a:xfrm>
-          <a:prstGeom prst="flowChartDecision">
-            <a:avLst/>
-          </a:prstGeom>
-        </p:spPr>
-        <p:style>
-          <a:lnRef idx="2">
-            <a:schemeClr val="accent1"/>
-          </a:lnRef>
-          <a:fillRef idx="1">
-            <a:schemeClr val="lt1"/>
-          </a:fillRef>
-          <a:effectRef idx="0">
-            <a:schemeClr val="accent1"/>
-          </a:effectRef>
-          <a:fontRef idx="minor">
-            <a:schemeClr val="dk1"/>
-          </a:fontRef>
-        </p:style>
-        <p:txBody>
-          <a:bodyPr rtlCol="0" anchor="ctr"/>
-          <a:lstStyle/>
-          <a:p>
-            <a:pPr algn="ctr"/>
-            <a:r>
-              <a:rPr lang="en-US" dirty="0"/>
-              <a:t>Valid?</a:t>
-            </a:r>
-          </a:p>
-        </p:txBody>
-      </p:sp>
-      <p:cxnSp>
-        <p:nvCxnSpPr>
-          <p:cNvPr id="25" name="Straight Arrow Connector 24">
-            <a:extLst>
-              <a:ext uri="{FF2B5EF4-FFF2-40B4-BE49-F238E27FC236}">
-                <a16:creationId xmlns:a16="http://schemas.microsoft.com/office/drawing/2014/main" id="{0C5A1C2F-9238-43CC-A94B-17C925B3B7B6}"/>
-              </a:ext>
-            </a:extLst>
-          </p:cNvPr>
-          <p:cNvCxnSpPr>
-            <a:cxnSpLocks/>
-          </p:cNvCxnSpPr>
-          <p:nvPr/>
-        </p:nvCxnSpPr>
-        <p:spPr>
-          <a:xfrm>
-            <a:off x="3604551" y="1640206"/>
-            <a:ext cx="0" cy="275245"/>
-          </a:xfrm>
-          <a:prstGeom prst="straightConnector1">
-            <a:avLst/>
-          </a:prstGeom>
-          <a:ln>
-            <a:tailEnd type="triangle"/>
-          </a:ln>
-        </p:spPr>
-        <p:style>
-          <a:lnRef idx="3">
-            <a:schemeClr val="accent1"/>
-          </a:lnRef>
-          <a:fillRef idx="0">
-            <a:schemeClr val="accent1"/>
-          </a:fillRef>
-          <a:effectRef idx="2">
-            <a:schemeClr val="accent1"/>
-          </a:effectRef>
-          <a:fontRef idx="minor">
-            <a:schemeClr val="tx1"/>
-          </a:fontRef>
-        </p:style>
-      </p:cxnSp>
-      <p:sp>
-        <p:nvSpPr>
-          <p:cNvPr id="18" name="TextBox 17">
-            <a:extLst>
-              <a:ext uri="{FF2B5EF4-FFF2-40B4-BE49-F238E27FC236}">
-                <a16:creationId xmlns:a16="http://schemas.microsoft.com/office/drawing/2014/main" id="{DBE24357-AE6B-4F27-B050-4946F89F4803}"/>
-              </a:ext>
-            </a:extLst>
-          </p:cNvPr>
-          <p:cNvSpPr txBox="1"/>
-          <p:nvPr/>
-        </p:nvSpPr>
-        <p:spPr>
-          <a:xfrm>
-            <a:off x="3602447" y="1614492"/>
-            <a:ext cx="442750" cy="292388"/>
-          </a:xfrm>
-          <a:prstGeom prst="rect">
-            <a:avLst/>
-          </a:prstGeom>
-          <a:noFill/>
-        </p:spPr>
-        <p:txBody>
-          <a:bodyPr wrap="none" rtlCol="0">
-            <a:spAutoFit/>
-          </a:bodyPr>
-          <a:lstStyle/>
-          <a:p>
-            <a:r>
-              <a:rPr lang="en-US" sz="1300" dirty="0">
-                <a:solidFill>
-                  <a:schemeClr val="bg1"/>
-                </a:solidFill>
-                <a:latin typeface="Times New Roman" panose="02020603050405020304" pitchFamily="18" charset="0"/>
-                <a:cs typeface="Times New Roman" panose="02020603050405020304" pitchFamily="18" charset="0"/>
-              </a:rPr>
-              <a:t>Yes</a:t>
-            </a:r>
-          </a:p>
-        </p:txBody>
-      </p:sp>
-      <p:cxnSp>
-        <p:nvCxnSpPr>
-          <p:cNvPr id="32" name="Connector: Elbow 31">
-            <a:extLst>
-              <a:ext uri="{FF2B5EF4-FFF2-40B4-BE49-F238E27FC236}">
-                <a16:creationId xmlns:a16="http://schemas.microsoft.com/office/drawing/2014/main" id="{71A594B2-E297-498B-B775-7162CEA5642F}"/>
-              </a:ext>
-            </a:extLst>
-          </p:cNvPr>
-          <p:cNvCxnSpPr>
-            <a:cxnSpLocks/>
-            <a:stCxn id="15" idx="3"/>
-            <a:endCxn id="14" idx="0"/>
-          </p:cNvCxnSpPr>
-          <p:nvPr/>
-        </p:nvCxnSpPr>
-        <p:spPr>
-          <a:xfrm>
-            <a:off x="4485843" y="1424863"/>
-            <a:ext cx="1444503" cy="2608412"/>
+          <a:xfrm rot="5400000">
+            <a:off x="3241342" y="1956851"/>
+            <a:ext cx="3447727" cy="2148362"/>
           </a:xfrm>
           <a:prstGeom prst="bentConnector2">
             <a:avLst/>
@@ -10526,39 +9797,74 @@
       </p:cxnSp>
       <p:sp>
         <p:nvSpPr>
-          <p:cNvPr id="35" name="TextBox 34">
+          <p:cNvPr id="37" name="Rectangle 36">
             <a:extLst>
               <a:ext uri="{FF2B5EF4-FFF2-40B4-BE49-F238E27FC236}">
-                <a16:creationId xmlns:a16="http://schemas.microsoft.com/office/drawing/2014/main" id="{16277CEC-3925-4C6F-A79E-9EFAE24736BE}"/>
+                <a16:creationId xmlns:a16="http://schemas.microsoft.com/office/drawing/2014/main" id="{981A0026-7EB4-419F-AACF-999F96D263C1}"/>
               </a:ext>
             </a:extLst>
           </p:cNvPr>
-          <p:cNvSpPr txBox="1"/>
+          <p:cNvSpPr/>
           <p:nvPr/>
         </p:nvSpPr>
         <p:spPr>
           <a:xfrm>
-            <a:off x="4579964" y="1132474"/>
-            <a:ext cx="388248" cy="292388"/>
+            <a:off x="4734292" y="1711815"/>
+            <a:ext cx="494046" cy="307777"/>
           </a:xfrm>
           <a:prstGeom prst="rect">
             <a:avLst/>
           </a:prstGeom>
-          <a:noFill/>
         </p:spPr>
         <p:txBody>
-          <a:bodyPr wrap="none" rtlCol="0">
+          <a:bodyPr wrap="none">
             <a:spAutoFit/>
           </a:bodyPr>
           <a:lstStyle/>
           <a:p>
             <a:r>
-              <a:rPr lang="en-US" sz="1300" dirty="0">
+              <a:rPr lang="en-US" dirty="0">
                 <a:solidFill>
                   <a:schemeClr val="bg1"/>
                 </a:solidFill>
-                <a:latin typeface="Times New Roman" panose="02020603050405020304" pitchFamily="18" charset="0"/>
-                <a:cs typeface="Times New Roman" panose="02020603050405020304" pitchFamily="18" charset="0"/>
+              </a:rPr>
+              <a:t>Yes</a:t>
+            </a:r>
+          </a:p>
+        </p:txBody>
+      </p:sp>
+      <p:sp>
+        <p:nvSpPr>
+          <p:cNvPr id="38" name="Rectangle 37">
+            <a:extLst>
+              <a:ext uri="{FF2B5EF4-FFF2-40B4-BE49-F238E27FC236}">
+                <a16:creationId xmlns:a16="http://schemas.microsoft.com/office/drawing/2014/main" id="{C57CFAAE-BCEF-4C18-8F91-788CC983DA19}"/>
+              </a:ext>
+            </a:extLst>
+          </p:cNvPr>
+          <p:cNvSpPr/>
+          <p:nvPr/>
+        </p:nvSpPr>
+        <p:spPr>
+          <a:xfrm>
+            <a:off x="6039385" y="1710678"/>
+            <a:ext cx="413896" cy="307777"/>
+          </a:xfrm>
+          <a:prstGeom prst="rect">
+            <a:avLst/>
+          </a:prstGeom>
+        </p:spPr>
+        <p:txBody>
+          <a:bodyPr wrap="none">
+            <a:spAutoFit/>
+          </a:bodyPr>
+          <a:lstStyle/>
+          <a:p>
+            <a:r>
+              <a:rPr lang="en-US" dirty="0">
+                <a:solidFill>
+                  <a:schemeClr val="bg1"/>
+                </a:solidFill>
               </a:rPr>
               <a:t>No</a:t>
             </a:r>
@@ -10568,7 +9874,7 @@
     </p:spTree>
     <p:extLst>
       <p:ext uri="{BB962C8B-B14F-4D97-AF65-F5344CB8AC3E}">
-        <p14:creationId xmlns:p14="http://schemas.microsoft.com/office/powerpoint/2010/main" val="2206645567"/>
+        <p14:creationId xmlns:p14="http://schemas.microsoft.com/office/powerpoint/2010/main" val="3917178420"/>
       </p:ext>
     </p:extLst>
   </p:cSld>
@@ -10578,7 +9884,7 @@
 </p:sld>
 </file>
 
-<file path=ppt/slides/slide13.xml><?xml version="1.0" encoding="utf-8"?>
+<file path=ppt/slides/slide16.xml><?xml version="1.0" encoding="utf-8"?>
 <p:sld xmlns:a="http://schemas.openxmlformats.org/drawingml/2006/main" xmlns:r="http://schemas.openxmlformats.org/officeDocument/2006/relationships" xmlns:p="http://schemas.openxmlformats.org/presentationml/2006/main">
   <p:cSld>
     <p:spTree>
@@ -10723,7 +10029,7 @@
             </a:pPr>
             <a:fld id="{00000000-1234-1234-1234-123412341234}" type="slidenum">
               <a:rPr lang="en"/>
-              <a:t>13</a:t>
+              <a:t>16</a:t>
             </a:fld>
             <a:endParaRPr/>
           </a:p>
@@ -10742,12 +10048,12 @@
 </p:sld>
 </file>
 
-<file path=ppt/slides/slide14.xml><?xml version="1.0" encoding="utf-8"?>
+<file path=ppt/slides/slide17.xml><?xml version="1.0" encoding="utf-8"?>
 <p:sld xmlns:a="http://schemas.openxmlformats.org/drawingml/2006/main" xmlns:r="http://schemas.openxmlformats.org/officeDocument/2006/relationships" xmlns:p="http://schemas.openxmlformats.org/presentationml/2006/main">
   <p:cSld>
     <p:spTree>
       <p:nvGrpSpPr>
-        <p:cNvPr id="1" name="Shape 333"/>
+        <p:cNvPr id="1" name=""/>
         <p:cNvGrpSpPr/>
         <p:nvPr/>
       </p:nvGrpSpPr>
@@ -10761,52 +10067,10 @@
       </p:grpSpPr>
       <p:sp>
         <p:nvSpPr>
-          <p:cNvPr id="347" name="Google Shape;347;p31"/>
-          <p:cNvSpPr txBox="1">
-            <a:spLocks noGrp="1"/>
-          </p:cNvSpPr>
-          <p:nvPr>
-            <p:ph type="sldNum" idx="12"/>
-          </p:nvPr>
-        </p:nvSpPr>
-        <p:spPr>
-          <a:xfrm>
-            <a:off x="8556775" y="4812625"/>
-            <a:ext cx="587100" cy="330900"/>
-          </a:xfrm>
-          <a:prstGeom prst="rect">
-            <a:avLst/>
-          </a:prstGeom>
-        </p:spPr>
-        <p:txBody>
-          <a:bodyPr spcFirstLastPara="1" wrap="square" lIns="91425" tIns="91425" rIns="91425" bIns="91425" anchor="t" anchorCtr="0">
-            <a:noAutofit/>
-          </a:bodyPr>
-          <a:lstStyle/>
-          <a:p>
-            <a:pPr marL="0" lvl="0" indent="0" algn="r" rtl="0">
-              <a:spcBef>
-                <a:spcPts val="0"/>
-              </a:spcBef>
-              <a:spcAft>
-                <a:spcPts val="0"/>
-              </a:spcAft>
-              <a:buNone/>
-            </a:pPr>
-            <a:fld id="{00000000-1234-1234-1234-123412341234}" type="slidenum">
-              <a:rPr lang="en"/>
-              <a:t>14</a:t>
-            </a:fld>
-            <a:endParaRPr/>
-          </a:p>
-        </p:txBody>
-      </p:sp>
-      <p:sp>
-        <p:nvSpPr>
-          <p:cNvPr id="2" name="Flowchart: Process 1">
+          <p:cNvPr id="35" name="Rectangle 34">
             <a:extLst>
               <a:ext uri="{FF2B5EF4-FFF2-40B4-BE49-F238E27FC236}">
-                <a16:creationId xmlns:a16="http://schemas.microsoft.com/office/drawing/2014/main" id="{52A65E38-204C-4B97-A4F0-4EBE5B01BA94}"/>
+                <a16:creationId xmlns:a16="http://schemas.microsoft.com/office/drawing/2014/main" id="{20EF328D-04B1-41D4-8B3F-40E49519FB12}"/>
               </a:ext>
             </a:extLst>
           </p:cNvPr>
@@ -10815,25 +10079,27 @@
         </p:nvSpPr>
         <p:spPr>
           <a:xfrm>
-            <a:off x="1331842" y="1457737"/>
-            <a:ext cx="1464366" cy="477079"/>
+            <a:off x="675865" y="942561"/>
+            <a:ext cx="1080051" cy="749405"/>
           </a:xfrm>
-          <a:prstGeom prst="flowChartProcess">
+          <a:prstGeom prst="rect">
             <a:avLst/>
           </a:prstGeom>
         </p:spPr>
         <p:style>
           <a:lnRef idx="2">
-            <a:schemeClr val="accent1"/>
+            <a:schemeClr val="accent1">
+              <a:shade val="50000"/>
+            </a:schemeClr>
           </a:lnRef>
           <a:fillRef idx="1">
-            <a:schemeClr val="lt1"/>
+            <a:schemeClr val="accent1"/>
           </a:fillRef>
           <a:effectRef idx="0">
             <a:schemeClr val="accent1"/>
           </a:effectRef>
           <a:fontRef idx="minor">
-            <a:schemeClr val="dk1"/>
+            <a:schemeClr val="lt1"/>
           </a:fontRef>
         </p:style>
         <p:txBody>
@@ -10843,17 +10109,17 @@
             <a:pPr algn="ctr"/>
             <a:r>
               <a:rPr lang="en-US" dirty="0"/>
-              <a:t>Input Image</a:t>
+              <a:t>Training Data</a:t>
             </a:r>
           </a:p>
         </p:txBody>
       </p:sp>
       <p:sp>
         <p:nvSpPr>
-          <p:cNvPr id="17" name="Flowchart: Process 16">
+          <p:cNvPr id="38" name="Rectangle 37">
             <a:extLst>
               <a:ext uri="{FF2B5EF4-FFF2-40B4-BE49-F238E27FC236}">
-                <a16:creationId xmlns:a16="http://schemas.microsoft.com/office/drawing/2014/main" id="{05F4ED86-BCA6-4A0A-8FDF-B140C9B0F636}"/>
+                <a16:creationId xmlns:a16="http://schemas.microsoft.com/office/drawing/2014/main" id="{F93406A6-EEA7-4CF3-B026-E81B74188D89}"/>
               </a:ext>
             </a:extLst>
           </p:cNvPr>
@@ -10862,25 +10128,27 @@
         </p:nvSpPr>
         <p:spPr>
           <a:xfrm>
-            <a:off x="3458816" y="1457737"/>
-            <a:ext cx="1464366" cy="477079"/>
+            <a:off x="2367852" y="942561"/>
+            <a:ext cx="1080052" cy="749405"/>
           </a:xfrm>
-          <a:prstGeom prst="flowChartProcess">
+          <a:prstGeom prst="rect">
             <a:avLst/>
           </a:prstGeom>
         </p:spPr>
         <p:style>
           <a:lnRef idx="2">
-            <a:schemeClr val="accent1"/>
+            <a:schemeClr val="accent1">
+              <a:shade val="50000"/>
+            </a:schemeClr>
           </a:lnRef>
           <a:fillRef idx="1">
-            <a:schemeClr val="lt1"/>
+            <a:schemeClr val="accent1"/>
           </a:fillRef>
           <a:effectRef idx="0">
             <a:schemeClr val="accent1"/>
           </a:effectRef>
           <a:fontRef idx="minor">
-            <a:schemeClr val="dk1"/>
+            <a:schemeClr val="lt1"/>
           </a:fontRef>
         </p:style>
         <p:txBody>
@@ -10890,17 +10158,60 @@
             <a:pPr algn="ctr"/>
             <a:r>
               <a:rPr lang="en-US" dirty="0"/>
-              <a:t>Preprocessing</a:t>
+              <a:t>Pre Processing</a:t>
             </a:r>
           </a:p>
         </p:txBody>
       </p:sp>
+      <p:cxnSp>
+        <p:nvCxnSpPr>
+          <p:cNvPr id="40" name="Straight Arrow Connector 39">
+            <a:extLst>
+              <a:ext uri="{FF2B5EF4-FFF2-40B4-BE49-F238E27FC236}">
+                <a16:creationId xmlns:a16="http://schemas.microsoft.com/office/drawing/2014/main" id="{656EAE02-4871-41DC-96AD-31DE50725992}"/>
+              </a:ext>
+            </a:extLst>
+          </p:cNvPr>
+          <p:cNvCxnSpPr>
+            <a:cxnSpLocks/>
+            <a:stCxn id="35" idx="3"/>
+            <a:endCxn id="38" idx="1"/>
+          </p:cNvCxnSpPr>
+          <p:nvPr/>
+        </p:nvCxnSpPr>
+        <p:spPr>
+          <a:xfrm>
+            <a:off x="1755916" y="1317264"/>
+            <a:ext cx="611936" cy="0"/>
+          </a:xfrm>
+          <a:prstGeom prst="straightConnector1">
+            <a:avLst/>
+          </a:prstGeom>
+          <a:ln>
+            <a:tailEnd type="triangle"/>
+          </a:ln>
+        </p:spPr>
+        <p:style>
+          <a:lnRef idx="3">
+            <a:schemeClr val="accent1"/>
+          </a:lnRef>
+          <a:fillRef idx="0">
+            <a:schemeClr val="accent1"/>
+          </a:fillRef>
+          <a:effectRef idx="2">
+            <a:schemeClr val="accent1"/>
+          </a:effectRef>
+          <a:fontRef idx="minor">
+            <a:schemeClr val="tx1"/>
+          </a:fontRef>
+        </p:style>
+      </p:cxnSp>
       <p:sp>
         <p:nvSpPr>
-          <p:cNvPr id="18" name="Flowchart: Process 17">
+          <p:cNvPr id="45" name="Rectangle 44">
             <a:extLst>
               <a:ext uri="{FF2B5EF4-FFF2-40B4-BE49-F238E27FC236}">
-                <a16:creationId xmlns:a16="http://schemas.microsoft.com/office/drawing/2014/main" id="{4B623063-3A73-44A5-AB57-D40D6102F72C}"/>
+                <a16:creationId xmlns:a16="http://schemas.microsoft.com/office/drawing/2014/main" id="{63885660-28F9-4AC3-B3C8-1923B4B37582}"/>
               </a:ext>
             </a:extLst>
           </p:cNvPr>
@@ -10909,25 +10220,27 @@
         </p:nvSpPr>
         <p:spPr>
           <a:xfrm>
-            <a:off x="5585790" y="1457737"/>
-            <a:ext cx="1464366" cy="477079"/>
+            <a:off x="4059840" y="942562"/>
+            <a:ext cx="1080052" cy="749404"/>
           </a:xfrm>
-          <a:prstGeom prst="flowChartProcess">
+          <a:prstGeom prst="rect">
             <a:avLst/>
           </a:prstGeom>
         </p:spPr>
         <p:style>
           <a:lnRef idx="2">
-            <a:schemeClr val="accent1"/>
+            <a:schemeClr val="accent1">
+              <a:shade val="50000"/>
+            </a:schemeClr>
           </a:lnRef>
           <a:fillRef idx="1">
-            <a:schemeClr val="lt1"/>
+            <a:schemeClr val="accent1"/>
           </a:fillRef>
           <a:effectRef idx="0">
             <a:schemeClr val="accent1"/>
           </a:effectRef>
           <a:fontRef idx="minor">
-            <a:schemeClr val="dk1"/>
+            <a:schemeClr val="lt1"/>
           </a:fontRef>
         </p:style>
         <p:txBody>
@@ -10937,17 +10250,59 @@
             <a:pPr algn="ctr"/>
             <a:r>
               <a:rPr lang="en-US" dirty="0"/>
-              <a:t>Segmentation</a:t>
+              <a:t>Feature Extraction</a:t>
             </a:r>
           </a:p>
         </p:txBody>
       </p:sp>
+      <p:cxnSp>
+        <p:nvCxnSpPr>
+          <p:cNvPr id="56" name="Straight Arrow Connector 55">
+            <a:extLst>
+              <a:ext uri="{FF2B5EF4-FFF2-40B4-BE49-F238E27FC236}">
+                <a16:creationId xmlns:a16="http://schemas.microsoft.com/office/drawing/2014/main" id="{B39F75C9-622F-4EF3-A371-EDBD7263FEBC}"/>
+              </a:ext>
+            </a:extLst>
+          </p:cNvPr>
+          <p:cNvCxnSpPr>
+            <a:stCxn id="38" idx="3"/>
+            <a:endCxn id="45" idx="1"/>
+          </p:cNvCxnSpPr>
+          <p:nvPr/>
+        </p:nvCxnSpPr>
+        <p:spPr>
+          <a:xfrm>
+            <a:off x="3447904" y="1317264"/>
+            <a:ext cx="611936" cy="0"/>
+          </a:xfrm>
+          <a:prstGeom prst="straightConnector1">
+            <a:avLst/>
+          </a:prstGeom>
+          <a:ln>
+            <a:tailEnd type="triangle"/>
+          </a:ln>
+        </p:spPr>
+        <p:style>
+          <a:lnRef idx="3">
+            <a:schemeClr val="accent1"/>
+          </a:lnRef>
+          <a:fillRef idx="0">
+            <a:schemeClr val="accent1"/>
+          </a:fillRef>
+          <a:effectRef idx="2">
+            <a:schemeClr val="accent1"/>
+          </a:effectRef>
+          <a:fontRef idx="minor">
+            <a:schemeClr val="tx1"/>
+          </a:fontRef>
+        </p:style>
+      </p:cxnSp>
       <p:sp>
         <p:nvSpPr>
-          <p:cNvPr id="19" name="Flowchart: Process 18">
+          <p:cNvPr id="59" name="Rectangle 58">
             <a:extLst>
               <a:ext uri="{FF2B5EF4-FFF2-40B4-BE49-F238E27FC236}">
-                <a16:creationId xmlns:a16="http://schemas.microsoft.com/office/drawing/2014/main" id="{6FE45416-9B75-4C5A-826C-C945C532B9EB}"/>
+                <a16:creationId xmlns:a16="http://schemas.microsoft.com/office/drawing/2014/main" id="{94AFA401-1074-42EF-BD2B-6D7E19B75ADC}"/>
               </a:ext>
             </a:extLst>
           </p:cNvPr>
@@ -10956,25 +10311,27 @@
         </p:nvSpPr>
         <p:spPr>
           <a:xfrm>
-            <a:off x="1331842" y="2637181"/>
-            <a:ext cx="1464366" cy="477079"/>
+            <a:off x="5751828" y="942221"/>
+            <a:ext cx="1080053" cy="749403"/>
           </a:xfrm>
-          <a:prstGeom prst="flowChartProcess">
+          <a:prstGeom prst="rect">
             <a:avLst/>
           </a:prstGeom>
         </p:spPr>
         <p:style>
           <a:lnRef idx="2">
-            <a:schemeClr val="accent1"/>
+            <a:schemeClr val="accent1">
+              <a:shade val="50000"/>
+            </a:schemeClr>
           </a:lnRef>
           <a:fillRef idx="1">
-            <a:schemeClr val="lt1"/>
+            <a:schemeClr val="accent1"/>
           </a:fillRef>
           <a:effectRef idx="0">
             <a:schemeClr val="accent1"/>
           </a:effectRef>
           <a:fontRef idx="minor">
-            <a:schemeClr val="dk1"/>
+            <a:schemeClr val="lt1"/>
           </a:fontRef>
         </p:style>
         <p:txBody>
@@ -10984,17 +10341,17 @@
             <a:pPr algn="ctr"/>
             <a:r>
               <a:rPr lang="en-US" dirty="0"/>
-              <a:t>Feature Extraction</a:t>
+              <a:t>CNN</a:t>
             </a:r>
           </a:p>
         </p:txBody>
       </p:sp>
       <p:sp>
         <p:nvSpPr>
-          <p:cNvPr id="20" name="Flowchart: Process 19">
+          <p:cNvPr id="60" name="Rectangle 59">
             <a:extLst>
               <a:ext uri="{FF2B5EF4-FFF2-40B4-BE49-F238E27FC236}">
-                <a16:creationId xmlns:a16="http://schemas.microsoft.com/office/drawing/2014/main" id="{F73C1BB8-6C07-4D3B-B645-29CD0D81EF5C}"/>
+                <a16:creationId xmlns:a16="http://schemas.microsoft.com/office/drawing/2014/main" id="{BE9F22CE-D42D-441E-851E-B80D27BB428D}"/>
               </a:ext>
             </a:extLst>
           </p:cNvPr>
@@ -11003,25 +10360,27 @@
         </p:nvSpPr>
         <p:spPr>
           <a:xfrm>
-            <a:off x="3458816" y="2637180"/>
-            <a:ext cx="1464366" cy="477079"/>
+            <a:off x="7443816" y="942220"/>
+            <a:ext cx="1080053" cy="749403"/>
           </a:xfrm>
-          <a:prstGeom prst="flowChartProcess">
+          <a:prstGeom prst="rect">
             <a:avLst/>
           </a:prstGeom>
         </p:spPr>
         <p:style>
           <a:lnRef idx="2">
-            <a:schemeClr val="accent1"/>
+            <a:schemeClr val="accent1">
+              <a:shade val="50000"/>
+            </a:schemeClr>
           </a:lnRef>
           <a:fillRef idx="1">
-            <a:schemeClr val="lt1"/>
+            <a:schemeClr val="accent1"/>
           </a:fillRef>
           <a:effectRef idx="0">
             <a:schemeClr val="accent1"/>
           </a:effectRef>
           <a:fontRef idx="minor">
-            <a:schemeClr val="dk1"/>
+            <a:schemeClr val="lt1"/>
           </a:fontRef>
         </p:style>
         <p:txBody>
@@ -11030,32 +10389,362 @@
           <a:p>
             <a:pPr algn="ctr"/>
             <a:r>
-              <a:rPr lang="en-US" dirty="0" err="1"/>
-              <a:t>Recognitation</a:t>
-            </a:r>
-            <a:endParaRPr lang="en-US" dirty="0"/>
+              <a:rPr lang="en-US" dirty="0"/>
+              <a:t>Predict Model</a:t>
+            </a:r>
+          </a:p>
+        </p:txBody>
+      </p:sp>
+      <p:sp>
+        <p:nvSpPr>
+          <p:cNvPr id="61" name="Rectangle 60">
+            <a:extLst>
+              <a:ext uri="{FF2B5EF4-FFF2-40B4-BE49-F238E27FC236}">
+                <a16:creationId xmlns:a16="http://schemas.microsoft.com/office/drawing/2014/main" id="{C0B6737A-BDC1-4C5C-84AE-F00B7394623C}"/>
+              </a:ext>
+            </a:extLst>
+          </p:cNvPr>
+          <p:cNvSpPr/>
+          <p:nvPr/>
+        </p:nvSpPr>
+        <p:spPr>
+          <a:xfrm>
+            <a:off x="675865" y="3451533"/>
+            <a:ext cx="1080051" cy="749405"/>
+          </a:xfrm>
+          <a:prstGeom prst="rect">
+            <a:avLst/>
+          </a:prstGeom>
+        </p:spPr>
+        <p:style>
+          <a:lnRef idx="2">
+            <a:schemeClr val="accent1">
+              <a:shade val="50000"/>
+            </a:schemeClr>
+          </a:lnRef>
+          <a:fillRef idx="1">
+            <a:schemeClr val="accent1"/>
+          </a:fillRef>
+          <a:effectRef idx="0">
+            <a:schemeClr val="accent1"/>
+          </a:effectRef>
+          <a:fontRef idx="minor">
+            <a:schemeClr val="lt1"/>
+          </a:fontRef>
+        </p:style>
+        <p:txBody>
+          <a:bodyPr rtlCol="0" anchor="ctr"/>
+          <a:lstStyle/>
+          <a:p>
+            <a:pPr algn="ctr"/>
+            <a:r>
+              <a:rPr lang="en-US" dirty="0"/>
+              <a:t>Input Image</a:t>
+            </a:r>
+          </a:p>
+        </p:txBody>
+      </p:sp>
+      <p:sp>
+        <p:nvSpPr>
+          <p:cNvPr id="62" name="Rectangle 61">
+            <a:extLst>
+              <a:ext uri="{FF2B5EF4-FFF2-40B4-BE49-F238E27FC236}">
+                <a16:creationId xmlns:a16="http://schemas.microsoft.com/office/drawing/2014/main" id="{366C1E77-269C-46B2-81B3-D9092B0873D4}"/>
+              </a:ext>
+            </a:extLst>
+          </p:cNvPr>
+          <p:cNvSpPr/>
+          <p:nvPr/>
+        </p:nvSpPr>
+        <p:spPr>
+          <a:xfrm>
+            <a:off x="2367852" y="3451533"/>
+            <a:ext cx="1080052" cy="749405"/>
+          </a:xfrm>
+          <a:prstGeom prst="rect">
+            <a:avLst/>
+          </a:prstGeom>
+        </p:spPr>
+        <p:style>
+          <a:lnRef idx="2">
+            <a:schemeClr val="accent1">
+              <a:shade val="50000"/>
+            </a:schemeClr>
+          </a:lnRef>
+          <a:fillRef idx="1">
+            <a:schemeClr val="accent1"/>
+          </a:fillRef>
+          <a:effectRef idx="0">
+            <a:schemeClr val="accent1"/>
+          </a:effectRef>
+          <a:fontRef idx="minor">
+            <a:schemeClr val="lt1"/>
+          </a:fontRef>
+        </p:style>
+        <p:txBody>
+          <a:bodyPr rtlCol="0" anchor="ctr"/>
+          <a:lstStyle/>
+          <a:p>
+            <a:pPr algn="ctr"/>
+            <a:r>
+              <a:rPr lang="en-US" dirty="0"/>
+              <a:t>Pre Processing</a:t>
+            </a:r>
           </a:p>
         </p:txBody>
       </p:sp>
       <p:cxnSp>
         <p:nvCxnSpPr>
-          <p:cNvPr id="4" name="Straight Arrow Connector 3">
+          <p:cNvPr id="63" name="Straight Arrow Connector 62">
             <a:extLst>
               <a:ext uri="{FF2B5EF4-FFF2-40B4-BE49-F238E27FC236}">
-                <a16:creationId xmlns:a16="http://schemas.microsoft.com/office/drawing/2014/main" id="{0D0D943D-95EE-4D9D-826A-8043003C4E1F}"/>
+                <a16:creationId xmlns:a16="http://schemas.microsoft.com/office/drawing/2014/main" id="{92013B1F-6EEE-4FAD-AD97-388BE2D1FCB4}"/>
               </a:ext>
             </a:extLst>
           </p:cNvPr>
           <p:cNvCxnSpPr>
-            <a:stCxn id="2" idx="3"/>
-            <a:endCxn id="17" idx="1"/>
+            <a:cxnSpLocks/>
+            <a:stCxn id="61" idx="3"/>
+            <a:endCxn id="62" idx="1"/>
           </p:cNvCxnSpPr>
           <p:nvPr/>
         </p:nvCxnSpPr>
         <p:spPr>
           <a:xfrm>
-            <a:off x="2796208" y="1696277"/>
-            <a:ext cx="662608" cy="0"/>
+            <a:off x="1755916" y="3826236"/>
+            <a:ext cx="611936" cy="0"/>
+          </a:xfrm>
+          <a:prstGeom prst="straightConnector1">
+            <a:avLst/>
+          </a:prstGeom>
+          <a:ln>
+            <a:tailEnd type="triangle"/>
+          </a:ln>
+        </p:spPr>
+        <p:style>
+          <a:lnRef idx="3">
+            <a:schemeClr val="accent1"/>
+          </a:lnRef>
+          <a:fillRef idx="0">
+            <a:schemeClr val="accent1"/>
+          </a:fillRef>
+          <a:effectRef idx="2">
+            <a:schemeClr val="accent1"/>
+          </a:effectRef>
+          <a:fontRef idx="minor">
+            <a:schemeClr val="tx1"/>
+          </a:fontRef>
+        </p:style>
+      </p:cxnSp>
+      <p:sp>
+        <p:nvSpPr>
+          <p:cNvPr id="64" name="Rectangle 63">
+            <a:extLst>
+              <a:ext uri="{FF2B5EF4-FFF2-40B4-BE49-F238E27FC236}">
+                <a16:creationId xmlns:a16="http://schemas.microsoft.com/office/drawing/2014/main" id="{620ED108-2C83-4BD2-9386-CC97BEF719E7}"/>
+              </a:ext>
+            </a:extLst>
+          </p:cNvPr>
+          <p:cNvSpPr/>
+          <p:nvPr/>
+        </p:nvSpPr>
+        <p:spPr>
+          <a:xfrm>
+            <a:off x="4059840" y="3451534"/>
+            <a:ext cx="1080052" cy="749404"/>
+          </a:xfrm>
+          <a:prstGeom prst="rect">
+            <a:avLst/>
+          </a:prstGeom>
+        </p:spPr>
+        <p:style>
+          <a:lnRef idx="2">
+            <a:schemeClr val="accent1">
+              <a:shade val="50000"/>
+            </a:schemeClr>
+          </a:lnRef>
+          <a:fillRef idx="1">
+            <a:schemeClr val="accent1"/>
+          </a:fillRef>
+          <a:effectRef idx="0">
+            <a:schemeClr val="accent1"/>
+          </a:effectRef>
+          <a:fontRef idx="minor">
+            <a:schemeClr val="lt1"/>
+          </a:fontRef>
+        </p:style>
+        <p:txBody>
+          <a:bodyPr rtlCol="0" anchor="ctr"/>
+          <a:lstStyle/>
+          <a:p>
+            <a:pPr algn="ctr"/>
+            <a:r>
+              <a:rPr lang="en-US" dirty="0"/>
+              <a:t>Feature Extraction</a:t>
+            </a:r>
+          </a:p>
+        </p:txBody>
+      </p:sp>
+      <p:cxnSp>
+        <p:nvCxnSpPr>
+          <p:cNvPr id="65" name="Straight Arrow Connector 64">
+            <a:extLst>
+              <a:ext uri="{FF2B5EF4-FFF2-40B4-BE49-F238E27FC236}">
+                <a16:creationId xmlns:a16="http://schemas.microsoft.com/office/drawing/2014/main" id="{1BA3E805-C929-4FF6-AADF-AFEB999498D0}"/>
+              </a:ext>
+            </a:extLst>
+          </p:cNvPr>
+          <p:cNvCxnSpPr>
+            <a:stCxn id="62" idx="3"/>
+            <a:endCxn id="64" idx="1"/>
+          </p:cNvCxnSpPr>
+          <p:nvPr/>
+        </p:nvCxnSpPr>
+        <p:spPr>
+          <a:xfrm>
+            <a:off x="3447904" y="3826236"/>
+            <a:ext cx="611936" cy="0"/>
+          </a:xfrm>
+          <a:prstGeom prst="straightConnector1">
+            <a:avLst/>
+          </a:prstGeom>
+          <a:ln>
+            <a:tailEnd type="triangle"/>
+          </a:ln>
+        </p:spPr>
+        <p:style>
+          <a:lnRef idx="3">
+            <a:schemeClr val="accent1"/>
+          </a:lnRef>
+          <a:fillRef idx="0">
+            <a:schemeClr val="accent1"/>
+          </a:fillRef>
+          <a:effectRef idx="2">
+            <a:schemeClr val="accent1"/>
+          </a:effectRef>
+          <a:fontRef idx="minor">
+            <a:schemeClr val="tx1"/>
+          </a:fontRef>
+        </p:style>
+      </p:cxnSp>
+      <p:sp>
+        <p:nvSpPr>
+          <p:cNvPr id="66" name="Rectangle 65">
+            <a:extLst>
+              <a:ext uri="{FF2B5EF4-FFF2-40B4-BE49-F238E27FC236}">
+                <a16:creationId xmlns:a16="http://schemas.microsoft.com/office/drawing/2014/main" id="{355AB34F-9A97-49CC-A095-13A5DD5EE004}"/>
+              </a:ext>
+            </a:extLst>
+          </p:cNvPr>
+          <p:cNvSpPr/>
+          <p:nvPr/>
+        </p:nvSpPr>
+        <p:spPr>
+          <a:xfrm>
+            <a:off x="5751828" y="3451193"/>
+            <a:ext cx="1080053" cy="749403"/>
+          </a:xfrm>
+          <a:prstGeom prst="rect">
+            <a:avLst/>
+          </a:prstGeom>
+        </p:spPr>
+        <p:style>
+          <a:lnRef idx="2">
+            <a:schemeClr val="accent1">
+              <a:shade val="50000"/>
+            </a:schemeClr>
+          </a:lnRef>
+          <a:fillRef idx="1">
+            <a:schemeClr val="accent1"/>
+          </a:fillRef>
+          <a:effectRef idx="0">
+            <a:schemeClr val="accent1"/>
+          </a:effectRef>
+          <a:fontRef idx="minor">
+            <a:schemeClr val="lt1"/>
+          </a:fontRef>
+        </p:style>
+        <p:txBody>
+          <a:bodyPr rtlCol="0" anchor="ctr"/>
+          <a:lstStyle/>
+          <a:p>
+            <a:pPr algn="ctr"/>
+            <a:r>
+              <a:rPr lang="en-US" dirty="0"/>
+              <a:t>CNN</a:t>
+            </a:r>
+          </a:p>
+        </p:txBody>
+      </p:sp>
+      <p:sp>
+        <p:nvSpPr>
+          <p:cNvPr id="67" name="Rectangle 66">
+            <a:extLst>
+              <a:ext uri="{FF2B5EF4-FFF2-40B4-BE49-F238E27FC236}">
+                <a16:creationId xmlns:a16="http://schemas.microsoft.com/office/drawing/2014/main" id="{163CA820-E48B-43DD-9F21-7A83947D25EE}"/>
+              </a:ext>
+            </a:extLst>
+          </p:cNvPr>
+          <p:cNvSpPr/>
+          <p:nvPr/>
+        </p:nvSpPr>
+        <p:spPr>
+          <a:xfrm>
+            <a:off x="7443816" y="3451192"/>
+            <a:ext cx="1080053" cy="749403"/>
+          </a:xfrm>
+          <a:prstGeom prst="rect">
+            <a:avLst/>
+          </a:prstGeom>
+        </p:spPr>
+        <p:style>
+          <a:lnRef idx="2">
+            <a:schemeClr val="accent1">
+              <a:shade val="50000"/>
+            </a:schemeClr>
+          </a:lnRef>
+          <a:fillRef idx="1">
+            <a:schemeClr val="accent1"/>
+          </a:fillRef>
+          <a:effectRef idx="0">
+            <a:schemeClr val="accent1"/>
+          </a:effectRef>
+          <a:fontRef idx="minor">
+            <a:schemeClr val="lt1"/>
+          </a:fontRef>
+        </p:style>
+        <p:txBody>
+          <a:bodyPr rtlCol="0" anchor="ctr"/>
+          <a:lstStyle/>
+          <a:p>
+            <a:pPr algn="ctr"/>
+            <a:r>
+              <a:rPr lang="en-US" dirty="0"/>
+              <a:t>Classifier</a:t>
+            </a:r>
+          </a:p>
+        </p:txBody>
+      </p:sp>
+      <p:cxnSp>
+        <p:nvCxnSpPr>
+          <p:cNvPr id="72" name="Straight Arrow Connector 71">
+            <a:extLst>
+              <a:ext uri="{FF2B5EF4-FFF2-40B4-BE49-F238E27FC236}">
+                <a16:creationId xmlns:a16="http://schemas.microsoft.com/office/drawing/2014/main" id="{728187BB-C92A-4EF3-AEB0-DFE876B77CC8}"/>
+              </a:ext>
+            </a:extLst>
+          </p:cNvPr>
+          <p:cNvCxnSpPr>
+            <a:cxnSpLocks/>
+            <a:stCxn id="45" idx="3"/>
+            <a:endCxn id="59" idx="1"/>
+          </p:cNvCxnSpPr>
+          <p:nvPr/>
+        </p:nvCxnSpPr>
+        <p:spPr>
+          <a:xfrm flipV="1">
+            <a:off x="5139892" y="1316923"/>
+            <a:ext cx="611936" cy="341"/>
           </a:xfrm>
           <a:prstGeom prst="straightConnector1">
             <a:avLst/>
@@ -11081,20 +10770,22 @@
       </p:cxnSp>
       <p:cxnSp>
         <p:nvCxnSpPr>
-          <p:cNvPr id="23" name="Straight Arrow Connector 22">
+          <p:cNvPr id="75" name="Straight Arrow Connector 74">
             <a:extLst>
               <a:ext uri="{FF2B5EF4-FFF2-40B4-BE49-F238E27FC236}">
-                <a16:creationId xmlns:a16="http://schemas.microsoft.com/office/drawing/2014/main" id="{C8986066-8D3F-4E0D-B6D1-0A6F9B9CA3C8}"/>
+                <a16:creationId xmlns:a16="http://schemas.microsoft.com/office/drawing/2014/main" id="{C3C25317-7A72-4F57-9B6D-5ED7049DEF9A}"/>
               </a:ext>
             </a:extLst>
           </p:cNvPr>
-          <p:cNvCxnSpPr/>
+          <p:cNvCxnSpPr>
+            <a:cxnSpLocks/>
+          </p:cNvCxnSpPr>
           <p:nvPr/>
         </p:nvCxnSpPr>
         <p:spPr>
-          <a:xfrm>
-            <a:off x="4923182" y="1696276"/>
-            <a:ext cx="662608" cy="0"/>
+          <a:xfrm flipV="1">
+            <a:off x="6831880" y="1316921"/>
+            <a:ext cx="611936" cy="341"/>
           </a:xfrm>
           <a:prstGeom prst="straightConnector1">
             <a:avLst/>
@@ -11120,26 +10811,22 @@
       </p:cxnSp>
       <p:cxnSp>
         <p:nvCxnSpPr>
-          <p:cNvPr id="8" name="Connector: Elbow 7">
+          <p:cNvPr id="76" name="Straight Arrow Connector 75">
             <a:extLst>
               <a:ext uri="{FF2B5EF4-FFF2-40B4-BE49-F238E27FC236}">
-                <a16:creationId xmlns:a16="http://schemas.microsoft.com/office/drawing/2014/main" id="{6A522D8E-E8B1-4AD4-A2FE-DB4506A107EE}"/>
+                <a16:creationId xmlns:a16="http://schemas.microsoft.com/office/drawing/2014/main" id="{6ECF3648-52DC-4C5B-9A72-82FB37CE2F40}"/>
               </a:ext>
             </a:extLst>
           </p:cNvPr>
-          <p:cNvCxnSpPr>
-            <a:cxnSpLocks/>
-            <a:stCxn id="18" idx="2"/>
-            <a:endCxn id="19" idx="0"/>
-          </p:cNvCxnSpPr>
+          <p:cNvCxnSpPr/>
           <p:nvPr/>
         </p:nvCxnSpPr>
         <p:spPr>
-          <a:xfrm rot="5400000">
-            <a:off x="3839817" y="159024"/>
-            <a:ext cx="702365" cy="4253948"/>
+          <a:xfrm>
+            <a:off x="5139892" y="3825893"/>
+            <a:ext cx="611936" cy="0"/>
           </a:xfrm>
-          <a:prstGeom prst="bentConnector3">
+          <a:prstGeom prst="straightConnector1">
             <a:avLst/>
           </a:prstGeom>
           <a:ln>
@@ -11163,20 +10850,67 @@
       </p:cxnSp>
       <p:cxnSp>
         <p:nvCxnSpPr>
-          <p:cNvPr id="31" name="Straight Arrow Connector 30">
+          <p:cNvPr id="77" name="Straight Arrow Connector 76">
             <a:extLst>
               <a:ext uri="{FF2B5EF4-FFF2-40B4-BE49-F238E27FC236}">
-                <a16:creationId xmlns:a16="http://schemas.microsoft.com/office/drawing/2014/main" id="{E0C86C01-689B-42FE-BF9F-1A16DC5E889C}"/>
+                <a16:creationId xmlns:a16="http://schemas.microsoft.com/office/drawing/2014/main" id="{6C9B17D0-E87D-414E-A066-429EB2406E5F}"/>
               </a:ext>
             </a:extLst>
           </p:cNvPr>
-          <p:cNvCxnSpPr/>
+          <p:cNvCxnSpPr>
+            <a:cxnSpLocks/>
+            <a:stCxn id="66" idx="3"/>
+            <a:endCxn id="67" idx="1"/>
+          </p:cNvCxnSpPr>
+          <p:nvPr/>
+        </p:nvCxnSpPr>
+        <p:spPr>
+          <a:xfrm flipV="1">
+            <a:off x="6831881" y="3825894"/>
+            <a:ext cx="611935" cy="1"/>
+          </a:xfrm>
+          <a:prstGeom prst="straightConnector1">
+            <a:avLst/>
+          </a:prstGeom>
+          <a:ln>
+            <a:tailEnd type="triangle"/>
+          </a:ln>
+        </p:spPr>
+        <p:style>
+          <a:lnRef idx="3">
+            <a:schemeClr val="accent1"/>
+          </a:lnRef>
+          <a:fillRef idx="0">
+            <a:schemeClr val="accent1"/>
+          </a:fillRef>
+          <a:effectRef idx="2">
+            <a:schemeClr val="accent1"/>
+          </a:effectRef>
+          <a:fontRef idx="minor">
+            <a:schemeClr val="tx1"/>
+          </a:fontRef>
+        </p:style>
+      </p:cxnSp>
+      <p:cxnSp>
+        <p:nvCxnSpPr>
+          <p:cNvPr id="80" name="Straight Arrow Connector 79">
+            <a:extLst>
+              <a:ext uri="{FF2B5EF4-FFF2-40B4-BE49-F238E27FC236}">
+                <a16:creationId xmlns:a16="http://schemas.microsoft.com/office/drawing/2014/main" id="{EC7E49C4-2E77-482F-86F9-918A5F43954C}"/>
+              </a:ext>
+            </a:extLst>
+          </p:cNvPr>
+          <p:cNvCxnSpPr>
+            <a:cxnSpLocks/>
+            <a:stCxn id="60" idx="2"/>
+            <a:endCxn id="67" idx="0"/>
+          </p:cNvCxnSpPr>
           <p:nvPr/>
         </p:nvCxnSpPr>
         <p:spPr>
           <a:xfrm>
-            <a:off x="2796208" y="2855840"/>
-            <a:ext cx="662608" cy="0"/>
+            <a:off x="7983843" y="1691623"/>
+            <a:ext cx="0" cy="1759569"/>
           </a:xfrm>
           <a:prstGeom prst="straightConnector1">
             <a:avLst/>
@@ -11203,7 +10937,7 @@
     </p:spTree>
     <p:extLst>
       <p:ext uri="{BB962C8B-B14F-4D97-AF65-F5344CB8AC3E}">
-        <p14:creationId xmlns:p14="http://schemas.microsoft.com/office/powerpoint/2010/main" val="4104658799"/>
+        <p14:creationId xmlns:p14="http://schemas.microsoft.com/office/powerpoint/2010/main" val="1213631668"/>
       </p:ext>
     </p:extLst>
   </p:cSld>
@@ -11213,7 +10947,7 @@
 </p:sld>
 </file>
 
-<file path=ppt/slides/slide15.xml><?xml version="1.0" encoding="utf-8"?>
+<file path=ppt/slides/slide18.xml><?xml version="1.0" encoding="utf-8"?>
 <p:sld xmlns:a="http://schemas.openxmlformats.org/drawingml/2006/main" xmlns:r="http://schemas.openxmlformats.org/officeDocument/2006/relationships" xmlns:p="http://schemas.openxmlformats.org/presentationml/2006/main">
   <p:cSld>
     <p:spTree>
@@ -11387,7 +11121,7 @@
             </a:pPr>
             <a:fld id="{00000000-1234-1234-1234-123412341234}" type="slidenum">
               <a:rPr lang="en"/>
-              <a:t>15</a:t>
+              <a:t>18</a:t>
             </a:fld>
             <a:endParaRPr/>
           </a:p>
@@ -13623,17 +13357,17 @@
                 <a:latin typeface="Times New Roman" panose="02020603050405020304" pitchFamily="18" charset="0"/>
                 <a:cs typeface="Times New Roman" panose="02020603050405020304" pitchFamily="18" charset="0"/>
               </a:rPr>
-              <a:t>Output: Based</a:t>
+              <a:t>Output: R</a:t>
             </a:r>
           </a:p>
         </p:txBody>
       </p:sp>
       <p:pic>
         <p:nvPicPr>
-          <p:cNvPr id="4" name="Picture 3">
+          <p:cNvPr id="6" name="Picture 5">
             <a:extLst>
               <a:ext uri="{FF2B5EF4-FFF2-40B4-BE49-F238E27FC236}">
-                <a16:creationId xmlns:a16="http://schemas.microsoft.com/office/drawing/2014/main" id="{FF020B7A-6429-44E0-974D-32B145A037AD}"/>
+                <a16:creationId xmlns:a16="http://schemas.microsoft.com/office/drawing/2014/main" id="{76D09C9F-C75C-4BF4-8ADF-3935360ECC98}"/>
               </a:ext>
             </a:extLst>
           </p:cNvPr>
@@ -13650,8 +13384,8 @@
         </p:blipFill>
         <p:spPr>
           <a:xfrm>
-            <a:off x="1626386" y="2542589"/>
-            <a:ext cx="2343987" cy="980418"/>
+            <a:off x="1621483" y="2571750"/>
+            <a:ext cx="822172" cy="900474"/>
           </a:xfrm>
           <a:prstGeom prst="rect">
             <a:avLst/>
@@ -13708,15 +13442,7 @@
           </a:bodyPr>
           <a:lstStyle/>
           <a:p>
-            <a:pPr marL="0" lvl="0" indent="0" algn="ctr" rtl="0">
-              <a:spcBef>
-                <a:spcPts val="0"/>
-              </a:spcBef>
-              <a:spcAft>
-                <a:spcPts val="0"/>
-              </a:spcAft>
-              <a:buNone/>
-            </a:pPr>
+            <a:pPr lvl="0"/>
             <a:r>
               <a:rPr lang="en-US" dirty="0">
                 <a:latin typeface="Times New Roman" panose="02020603050405020304" pitchFamily="18" charset="0"/>
@@ -13725,32 +13451,15 @@
               <a:t>3. </a:t>
             </a:r>
             <a:r>
-              <a:rPr lang="en-US" dirty="0" err="1">
+              <a:rPr lang="en-US" dirty="0">
+                <a:solidFill>
+                  <a:schemeClr val="bg1"/>
+                </a:solidFill>
                 <a:latin typeface="Times New Roman" panose="02020603050405020304" pitchFamily="18" charset="0"/>
                 <a:cs typeface="Times New Roman" panose="02020603050405020304" pitchFamily="18" charset="0"/>
               </a:rPr>
-              <a:t>Lý</a:t>
-            </a:r>
-            <a:r>
-              <a:rPr lang="en-US" dirty="0">
-                <a:latin typeface="Times New Roman" panose="02020603050405020304" pitchFamily="18" charset="0"/>
-                <a:cs typeface="Times New Roman" panose="02020603050405020304" pitchFamily="18" charset="0"/>
-              </a:rPr>
-              <a:t> </a:t>
-            </a:r>
-            <a:r>
-              <a:rPr lang="en-US" dirty="0" err="1">
-                <a:latin typeface="Times New Roman" panose="02020603050405020304" pitchFamily="18" charset="0"/>
-                <a:cs typeface="Times New Roman" panose="02020603050405020304" pitchFamily="18" charset="0"/>
-              </a:rPr>
-              <a:t>thuyết</a:t>
-            </a:r>
-            <a:br>
-              <a:rPr lang="en-US" dirty="0">
-                <a:latin typeface="Times New Roman" panose="02020603050405020304" pitchFamily="18" charset="0"/>
-                <a:cs typeface="Times New Roman" panose="02020603050405020304" pitchFamily="18" charset="0"/>
-              </a:rPr>
-            </a:br>
+              <a:t>Convolutional Neural Network</a:t>
+            </a:r>
             <a:endParaRPr dirty="0">
               <a:latin typeface="Times New Roman" panose="02020603050405020304" pitchFamily="18" charset="0"/>
               <a:cs typeface="Times New Roman" panose="02020603050405020304" pitchFamily="18" charset="0"/>
@@ -13856,7 +13565,7 @@
   <p:cSld>
     <p:spTree>
       <p:nvGrpSpPr>
-        <p:cNvPr id="1" name=""/>
+        <p:cNvPr id="1" name="Shape 272"/>
         <p:cNvGrpSpPr/>
         <p:nvPr/>
       </p:nvGrpSpPr>
@@ -13870,10 +13579,52 @@
       </p:grpSpPr>
       <p:sp>
         <p:nvSpPr>
-          <p:cNvPr id="2" name="Title 1">
+          <p:cNvPr id="276" name="Google Shape;276;p24"/>
+          <p:cNvSpPr txBox="1">
+            <a:spLocks noGrp="1"/>
+          </p:cNvSpPr>
+          <p:nvPr>
+            <p:ph type="sldNum" idx="12"/>
+          </p:nvPr>
+        </p:nvSpPr>
+        <p:spPr>
+          <a:xfrm>
+            <a:off x="8556775" y="4812625"/>
+            <a:ext cx="587100" cy="330900"/>
+          </a:xfrm>
+          <a:prstGeom prst="rect">
+            <a:avLst/>
+          </a:prstGeom>
+        </p:spPr>
+        <p:txBody>
+          <a:bodyPr spcFirstLastPara="1" wrap="square" lIns="91425" tIns="91425" rIns="91425" bIns="91425" anchor="t" anchorCtr="0">
+            <a:noAutofit/>
+          </a:bodyPr>
+          <a:lstStyle/>
+          <a:p>
+            <a:pPr marL="0" lvl="0" indent="0" algn="r" rtl="0">
+              <a:spcBef>
+                <a:spcPts val="0"/>
+              </a:spcBef>
+              <a:spcAft>
+                <a:spcPts val="0"/>
+              </a:spcAft>
+              <a:buNone/>
+            </a:pPr>
+            <a:fld id="{00000000-1234-1234-1234-123412341234}" type="slidenum">
+              <a:rPr lang="en"/>
+              <a:t>9</a:t>
+            </a:fld>
+            <a:endParaRPr/>
+          </a:p>
+        </p:txBody>
+      </p:sp>
+      <p:sp>
+        <p:nvSpPr>
+          <p:cNvPr id="3" name="Title 2">
             <a:extLst>
               <a:ext uri="{FF2B5EF4-FFF2-40B4-BE49-F238E27FC236}">
-                <a16:creationId xmlns:a16="http://schemas.microsoft.com/office/drawing/2014/main" id="{A56224F7-5E91-468B-940D-128F27D08A0E}"/>
+                <a16:creationId xmlns:a16="http://schemas.microsoft.com/office/drawing/2014/main" id="{ABC9F9B4-20C0-438C-95DD-11229B7D65E1}"/>
               </a:ext>
             </a:extLst>
           </p:cNvPr>
@@ -13890,16 +13641,6 @@
           <a:lstStyle/>
           <a:p>
             <a:r>
-              <a:rPr lang="en-US" dirty="0" err="1">
-                <a:solidFill>
-                  <a:srgbClr val="0070C0"/>
-                </a:solidFill>
-                <a:latin typeface="Times New Roman" panose="02020603050405020304" pitchFamily="18" charset="0"/>
-                <a:cs typeface="Times New Roman" panose="02020603050405020304" pitchFamily="18" charset="0"/>
-              </a:rPr>
-              <a:t>Xử</a:t>
-            </a:r>
-            <a:r>
               <a:rPr lang="en-US" dirty="0">
                 <a:solidFill>
                   <a:srgbClr val="0070C0"/>
@@ -13907,48 +13648,17 @@
                 <a:latin typeface="Times New Roman" panose="02020603050405020304" pitchFamily="18" charset="0"/>
                 <a:cs typeface="Times New Roman" panose="02020603050405020304" pitchFamily="18" charset="0"/>
               </a:rPr>
-              <a:t> </a:t>
-            </a:r>
-            <a:r>
-              <a:rPr lang="en-US" dirty="0" err="1">
-                <a:solidFill>
-                  <a:srgbClr val="0070C0"/>
-                </a:solidFill>
-                <a:latin typeface="Times New Roman" panose="02020603050405020304" pitchFamily="18" charset="0"/>
-                <a:cs typeface="Times New Roman" panose="02020603050405020304" pitchFamily="18" charset="0"/>
-              </a:rPr>
-              <a:t>lý</a:t>
-            </a:r>
-            <a:r>
-              <a:rPr lang="en-US" dirty="0">
-                <a:solidFill>
-                  <a:srgbClr val="0070C0"/>
-                </a:solidFill>
-                <a:latin typeface="Times New Roman" panose="02020603050405020304" pitchFamily="18" charset="0"/>
-                <a:cs typeface="Times New Roman" panose="02020603050405020304" pitchFamily="18" charset="0"/>
-              </a:rPr>
-              <a:t> </a:t>
-            </a:r>
-            <a:r>
-              <a:rPr lang="en-US" dirty="0" err="1">
-                <a:solidFill>
-                  <a:srgbClr val="0070C0"/>
-                </a:solidFill>
-                <a:latin typeface="Times New Roman" panose="02020603050405020304" pitchFamily="18" charset="0"/>
-                <a:cs typeface="Times New Roman" panose="02020603050405020304" pitchFamily="18" charset="0"/>
-              </a:rPr>
-              <a:t>ảnh</a:t>
-            </a:r>
-            <a:endParaRPr lang="en-US" dirty="0"/>
+              <a:t>Convolutional Neural Network</a:t>
+            </a:r>
           </a:p>
         </p:txBody>
       </p:sp>
       <p:sp>
         <p:nvSpPr>
-          <p:cNvPr id="3" name="Text Placeholder 2">
+          <p:cNvPr id="5" name="Text Placeholder 4">
             <a:extLst>
               <a:ext uri="{FF2B5EF4-FFF2-40B4-BE49-F238E27FC236}">
-                <a16:creationId xmlns:a16="http://schemas.microsoft.com/office/drawing/2014/main" id="{9F3EFD24-CA06-41E5-9A4A-2471D03D7A30}"/>
+                <a16:creationId xmlns:a16="http://schemas.microsoft.com/office/drawing/2014/main" id="{81DA1704-C51A-4F14-B5EF-893B3A12DF94}"/>
               </a:ext>
             </a:extLst>
           </p:cNvPr>
@@ -13964,281 +13674,6 @@
           <a:bodyPr/>
           <a:lstStyle/>
           <a:p>
-            <a:r>
-              <a:rPr lang="en-US" dirty="0" err="1">
-                <a:latin typeface="Times New Roman" panose="02020603050405020304" pitchFamily="18" charset="0"/>
-                <a:cs typeface="Times New Roman" panose="02020603050405020304" pitchFamily="18" charset="0"/>
-              </a:rPr>
-              <a:t>Xử</a:t>
-            </a:r>
-            <a:r>
-              <a:rPr lang="en-US" dirty="0">
-                <a:latin typeface="Times New Roman" panose="02020603050405020304" pitchFamily="18" charset="0"/>
-                <a:cs typeface="Times New Roman" panose="02020603050405020304" pitchFamily="18" charset="0"/>
-              </a:rPr>
-              <a:t> </a:t>
-            </a:r>
-            <a:r>
-              <a:rPr lang="en-US" dirty="0" err="1">
-                <a:latin typeface="Times New Roman" panose="02020603050405020304" pitchFamily="18" charset="0"/>
-                <a:cs typeface="Times New Roman" panose="02020603050405020304" pitchFamily="18" charset="0"/>
-              </a:rPr>
-              <a:t>lý</a:t>
-            </a:r>
-            <a:r>
-              <a:rPr lang="en-US" dirty="0">
-                <a:latin typeface="Times New Roman" panose="02020603050405020304" pitchFamily="18" charset="0"/>
-                <a:cs typeface="Times New Roman" panose="02020603050405020304" pitchFamily="18" charset="0"/>
-              </a:rPr>
-              <a:t> </a:t>
-            </a:r>
-            <a:r>
-              <a:rPr lang="en-US" dirty="0" err="1">
-                <a:latin typeface="Times New Roman" panose="02020603050405020304" pitchFamily="18" charset="0"/>
-                <a:cs typeface="Times New Roman" panose="02020603050405020304" pitchFamily="18" charset="0"/>
-              </a:rPr>
-              <a:t>hình</a:t>
-            </a:r>
-            <a:r>
-              <a:rPr lang="en-US" dirty="0">
-                <a:latin typeface="Times New Roman" panose="02020603050405020304" pitchFamily="18" charset="0"/>
-                <a:cs typeface="Times New Roman" panose="02020603050405020304" pitchFamily="18" charset="0"/>
-              </a:rPr>
-              <a:t> </a:t>
-            </a:r>
-            <a:r>
-              <a:rPr lang="en-US" dirty="0" err="1">
-                <a:latin typeface="Times New Roman" panose="02020603050405020304" pitchFamily="18" charset="0"/>
-                <a:cs typeface="Times New Roman" panose="02020603050405020304" pitchFamily="18" charset="0"/>
-              </a:rPr>
-              <a:t>ảnh</a:t>
-            </a:r>
-            <a:r>
-              <a:rPr lang="en-US" dirty="0">
-                <a:latin typeface="Times New Roman" panose="02020603050405020304" pitchFamily="18" charset="0"/>
-                <a:cs typeface="Times New Roman" panose="02020603050405020304" pitchFamily="18" charset="0"/>
-              </a:rPr>
-              <a:t> </a:t>
-            </a:r>
-            <a:r>
-              <a:rPr lang="en-US" dirty="0" err="1">
-                <a:latin typeface="Times New Roman" panose="02020603050405020304" pitchFamily="18" charset="0"/>
-                <a:cs typeface="Times New Roman" panose="02020603050405020304" pitchFamily="18" charset="0"/>
-              </a:rPr>
-              <a:t>là</a:t>
-            </a:r>
-            <a:r>
-              <a:rPr lang="en-US" dirty="0">
-                <a:latin typeface="Times New Roman" panose="02020603050405020304" pitchFamily="18" charset="0"/>
-                <a:cs typeface="Times New Roman" panose="02020603050405020304" pitchFamily="18" charset="0"/>
-              </a:rPr>
-              <a:t> </a:t>
-            </a:r>
-            <a:r>
-              <a:rPr lang="en-US" dirty="0" err="1">
-                <a:latin typeface="Times New Roman" panose="02020603050405020304" pitchFamily="18" charset="0"/>
-                <a:cs typeface="Times New Roman" panose="02020603050405020304" pitchFamily="18" charset="0"/>
-              </a:rPr>
-              <a:t>việc</a:t>
-            </a:r>
-            <a:r>
-              <a:rPr lang="en-US" dirty="0">
-                <a:latin typeface="Times New Roman" panose="02020603050405020304" pitchFamily="18" charset="0"/>
-                <a:cs typeface="Times New Roman" panose="02020603050405020304" pitchFamily="18" charset="0"/>
-              </a:rPr>
-              <a:t> </a:t>
-            </a:r>
-            <a:r>
-              <a:rPr lang="en-US" dirty="0" err="1">
-                <a:latin typeface="Times New Roman" panose="02020603050405020304" pitchFamily="18" charset="0"/>
-                <a:cs typeface="Times New Roman" panose="02020603050405020304" pitchFamily="18" charset="0"/>
-              </a:rPr>
-              <a:t>chọn</a:t>
-            </a:r>
-            <a:r>
-              <a:rPr lang="en-US" dirty="0">
-                <a:latin typeface="Times New Roman" panose="02020603050405020304" pitchFamily="18" charset="0"/>
-                <a:cs typeface="Times New Roman" panose="02020603050405020304" pitchFamily="18" charset="0"/>
-              </a:rPr>
-              <a:t> </a:t>
-            </a:r>
-            <a:r>
-              <a:rPr lang="en-US" dirty="0" err="1">
-                <a:latin typeface="Times New Roman" panose="02020603050405020304" pitchFamily="18" charset="0"/>
-                <a:cs typeface="Times New Roman" panose="02020603050405020304" pitchFamily="18" charset="0"/>
-              </a:rPr>
-              <a:t>lọc</a:t>
-            </a:r>
-            <a:r>
-              <a:rPr lang="en-US" dirty="0">
-                <a:latin typeface="Times New Roman" panose="02020603050405020304" pitchFamily="18" charset="0"/>
-                <a:cs typeface="Times New Roman" panose="02020603050405020304" pitchFamily="18" charset="0"/>
-              </a:rPr>
-              <a:t> </a:t>
-            </a:r>
-            <a:r>
-              <a:rPr lang="en-US" dirty="0" err="1">
-                <a:latin typeface="Times New Roman" panose="02020603050405020304" pitchFamily="18" charset="0"/>
-                <a:cs typeface="Times New Roman" panose="02020603050405020304" pitchFamily="18" charset="0"/>
-              </a:rPr>
-              <a:t>những</a:t>
-            </a:r>
-            <a:r>
-              <a:rPr lang="en-US" dirty="0">
-                <a:latin typeface="Times New Roman" panose="02020603050405020304" pitchFamily="18" charset="0"/>
-                <a:cs typeface="Times New Roman" panose="02020603050405020304" pitchFamily="18" charset="0"/>
-              </a:rPr>
-              <a:t> </a:t>
-            </a:r>
-            <a:r>
-              <a:rPr lang="en-US" dirty="0" err="1">
-                <a:latin typeface="Times New Roman" panose="02020603050405020304" pitchFamily="18" charset="0"/>
-                <a:cs typeface="Times New Roman" panose="02020603050405020304" pitchFamily="18" charset="0"/>
-              </a:rPr>
-              <a:t>thông</a:t>
-            </a:r>
-            <a:r>
-              <a:rPr lang="en-US" dirty="0">
-                <a:latin typeface="Times New Roman" panose="02020603050405020304" pitchFamily="18" charset="0"/>
-                <a:cs typeface="Times New Roman" panose="02020603050405020304" pitchFamily="18" charset="0"/>
-              </a:rPr>
-              <a:t> tin </a:t>
-            </a:r>
-            <a:r>
-              <a:rPr lang="en-US" dirty="0" err="1">
-                <a:latin typeface="Times New Roman" panose="02020603050405020304" pitchFamily="18" charset="0"/>
-                <a:cs typeface="Times New Roman" panose="02020603050405020304" pitchFamily="18" charset="0"/>
-              </a:rPr>
-              <a:t>mong</a:t>
-            </a:r>
-            <a:r>
-              <a:rPr lang="en-US" dirty="0">
-                <a:latin typeface="Times New Roman" panose="02020603050405020304" pitchFamily="18" charset="0"/>
-                <a:cs typeface="Times New Roman" panose="02020603050405020304" pitchFamily="18" charset="0"/>
-              </a:rPr>
-              <a:t> </a:t>
-            </a:r>
-            <a:r>
-              <a:rPr lang="en-US" dirty="0" err="1">
-                <a:latin typeface="Times New Roman" panose="02020603050405020304" pitchFamily="18" charset="0"/>
-                <a:cs typeface="Times New Roman" panose="02020603050405020304" pitchFamily="18" charset="0"/>
-              </a:rPr>
-              <a:t>muốn</a:t>
-            </a:r>
-            <a:r>
-              <a:rPr lang="en-US" dirty="0">
-                <a:latin typeface="Times New Roman" panose="02020603050405020304" pitchFamily="18" charset="0"/>
-                <a:cs typeface="Times New Roman" panose="02020603050405020304" pitchFamily="18" charset="0"/>
-              </a:rPr>
-              <a:t> </a:t>
-            </a:r>
-            <a:r>
-              <a:rPr lang="en-US" dirty="0" err="1">
-                <a:latin typeface="Times New Roman" panose="02020603050405020304" pitchFamily="18" charset="0"/>
-                <a:cs typeface="Times New Roman" panose="02020603050405020304" pitchFamily="18" charset="0"/>
-              </a:rPr>
-              <a:t>từ</a:t>
-            </a:r>
-            <a:r>
-              <a:rPr lang="en-US" dirty="0">
-                <a:latin typeface="Times New Roman" panose="02020603050405020304" pitchFamily="18" charset="0"/>
-                <a:cs typeface="Times New Roman" panose="02020603050405020304" pitchFamily="18" charset="0"/>
-              </a:rPr>
-              <a:t> </a:t>
-            </a:r>
-            <a:r>
-              <a:rPr lang="en-US" dirty="0" err="1">
-                <a:latin typeface="Times New Roman" panose="02020603050405020304" pitchFamily="18" charset="0"/>
-                <a:cs typeface="Times New Roman" panose="02020603050405020304" pitchFamily="18" charset="0"/>
-              </a:rPr>
-              <a:t>những</a:t>
-            </a:r>
-            <a:r>
-              <a:rPr lang="en-US" dirty="0">
-                <a:latin typeface="Times New Roman" panose="02020603050405020304" pitchFamily="18" charset="0"/>
-                <a:cs typeface="Times New Roman" panose="02020603050405020304" pitchFamily="18" charset="0"/>
-              </a:rPr>
-              <a:t> </a:t>
-            </a:r>
-            <a:r>
-              <a:rPr lang="en-US" dirty="0" err="1">
-                <a:latin typeface="Times New Roman" panose="02020603050405020304" pitchFamily="18" charset="0"/>
-                <a:cs typeface="Times New Roman" panose="02020603050405020304" pitchFamily="18" charset="0"/>
-              </a:rPr>
-              <a:t>bức</a:t>
-            </a:r>
-            <a:r>
-              <a:rPr lang="en-US" dirty="0">
-                <a:latin typeface="Times New Roman" panose="02020603050405020304" pitchFamily="18" charset="0"/>
-                <a:cs typeface="Times New Roman" panose="02020603050405020304" pitchFamily="18" charset="0"/>
-              </a:rPr>
-              <a:t> </a:t>
-            </a:r>
-            <a:r>
-              <a:rPr lang="en-US" dirty="0" err="1">
-                <a:latin typeface="Times New Roman" panose="02020603050405020304" pitchFamily="18" charset="0"/>
-                <a:cs typeface="Times New Roman" panose="02020603050405020304" pitchFamily="18" charset="0"/>
-              </a:rPr>
-              <a:t>ảnh</a:t>
-            </a:r>
-            <a:r>
-              <a:rPr lang="en-US" dirty="0">
-                <a:latin typeface="Times New Roman" panose="02020603050405020304" pitchFamily="18" charset="0"/>
-                <a:cs typeface="Times New Roman" panose="02020603050405020304" pitchFamily="18" charset="0"/>
-              </a:rPr>
-              <a:t>.</a:t>
-            </a:r>
-          </a:p>
-          <a:p>
-            <a:r>
-              <a:rPr lang="en-US" dirty="0">
-                <a:latin typeface="Times New Roman" panose="02020603050405020304" pitchFamily="18" charset="0"/>
-                <a:cs typeface="Times New Roman" panose="02020603050405020304" pitchFamily="18" charset="0"/>
-              </a:rPr>
-              <a:t>P</a:t>
-            </a:r>
-            <a:r>
-              <a:rPr lang="vi-VN" dirty="0">
-                <a:latin typeface="Times New Roman" panose="02020603050405020304" pitchFamily="18" charset="0"/>
-                <a:cs typeface="Times New Roman" panose="02020603050405020304" pitchFamily="18" charset="0"/>
-              </a:rPr>
-              <a:t>hương pháp cơ bản </a:t>
-            </a:r>
-            <a:r>
-              <a:rPr lang="en-US" dirty="0" err="1">
-                <a:latin typeface="Times New Roman" panose="02020603050405020304" pitchFamily="18" charset="0"/>
-                <a:cs typeface="Times New Roman" panose="02020603050405020304" pitchFamily="18" charset="0"/>
-              </a:rPr>
-              <a:t>nhất</a:t>
-            </a:r>
-            <a:r>
-              <a:rPr lang="en-US" dirty="0">
-                <a:latin typeface="Times New Roman" panose="02020603050405020304" pitchFamily="18" charset="0"/>
-                <a:cs typeface="Times New Roman" panose="02020603050405020304" pitchFamily="18" charset="0"/>
-              </a:rPr>
-              <a:t> </a:t>
-            </a:r>
-            <a:r>
-              <a:rPr lang="en-US" dirty="0" err="1">
-                <a:latin typeface="Times New Roman" panose="02020603050405020304" pitchFamily="18" charset="0"/>
-                <a:cs typeface="Times New Roman" panose="02020603050405020304" pitchFamily="18" charset="0"/>
-              </a:rPr>
-              <a:t>là</a:t>
-            </a:r>
-            <a:r>
-              <a:rPr lang="en-US" dirty="0">
-                <a:latin typeface="Times New Roman" panose="02020603050405020304" pitchFamily="18" charset="0"/>
-                <a:cs typeface="Times New Roman" panose="02020603050405020304" pitchFamily="18" charset="0"/>
-              </a:rPr>
-              <a:t> </a:t>
-            </a:r>
-            <a:r>
-              <a:rPr lang="vi-VN" dirty="0">
-                <a:latin typeface="Times New Roman" panose="02020603050405020304" pitchFamily="18" charset="0"/>
-                <a:cs typeface="Times New Roman" panose="02020603050405020304" pitchFamily="18" charset="0"/>
-              </a:rPr>
-              <a:t>loại bỏ những phần thông tin ảnh không mong muốn.</a:t>
-            </a:r>
             <a:endParaRPr lang="en-US" dirty="0">
               <a:latin typeface="Times New Roman" panose="02020603050405020304" pitchFamily="18" charset="0"/>
               <a:cs typeface="Times New Roman" panose="02020603050405020304" pitchFamily="18" charset="0"/>
@@ -14246,48 +13681,57 @@
           </a:p>
         </p:txBody>
       </p:sp>
-      <p:sp>
-        <p:nvSpPr>
-          <p:cNvPr id="4" name="Slide Number Placeholder 3">
+      <p:pic>
+        <p:nvPicPr>
+          <p:cNvPr id="1028" name="Picture 4" descr="https://viblo.asia/uploads/f087aedf-817a-441f-801f-ddda5d695e31.png">
             <a:extLst>
               <a:ext uri="{FF2B5EF4-FFF2-40B4-BE49-F238E27FC236}">
-                <a16:creationId xmlns:a16="http://schemas.microsoft.com/office/drawing/2014/main" id="{3B34DCEE-110B-4876-892F-EF7D7AA9BAE2}"/>
+                <a16:creationId xmlns:a16="http://schemas.microsoft.com/office/drawing/2014/main" id="{D3D19EB8-FB17-4F7F-9A51-6D886A3547DA}"/>
               </a:ext>
             </a:extLst>
           </p:cNvPr>
-          <p:cNvSpPr>
-            <a:spLocks noGrp="1"/>
-          </p:cNvSpPr>
-          <p:nvPr>
-            <p:ph type="sldNum" idx="12"/>
-          </p:nvPr>
-        </p:nvSpPr>
-        <p:spPr/>
-        <p:txBody>
-          <a:bodyPr/>
-          <a:lstStyle/>
-          <a:p>
-            <a:pPr marL="0" lvl="0" indent="0" algn="r" rtl="0">
-              <a:spcBef>
-                <a:spcPts val="0"/>
-              </a:spcBef>
-              <a:spcAft>
-                <a:spcPts val="0"/>
-              </a:spcAft>
-              <a:buNone/>
-            </a:pPr>
-            <a:fld id="{00000000-1234-1234-1234-123412341234}" type="slidenum">
-              <a:rPr lang="en" smtClean="0"/>
-              <a:t>9</a:t>
-            </a:fld>
-            <a:endParaRPr lang="en"/>
-          </a:p>
-        </p:txBody>
-      </p:sp>
+          <p:cNvPicPr>
+            <a:picLocks noChangeAspect="1" noChangeArrowheads="1"/>
+          </p:cNvPicPr>
+          <p:nvPr/>
+        </p:nvPicPr>
+        <p:blipFill>
+          <a:blip r:embed="rId3">
+            <a:extLst>
+              <a:ext uri="{28A0092B-C50C-407E-A947-70E740481C1C}">
+                <a14:useLocalDpi xmlns:a14="http://schemas.microsoft.com/office/drawing/2010/main" val="0"/>
+              </a:ext>
+            </a:extLst>
+          </a:blip>
+          <a:srcRect/>
+          <a:stretch>
+            <a:fillRect/>
+          </a:stretch>
+        </p:blipFill>
+        <p:spPr bwMode="auto">
+          <a:xfrm>
+            <a:off x="1067089" y="1650548"/>
+            <a:ext cx="5972100" cy="2599288"/>
+          </a:xfrm>
+          <a:prstGeom prst="rect">
+            <a:avLst/>
+          </a:prstGeom>
+          <a:noFill/>
+          <a:extLst>
+            <a:ext uri="{909E8E84-426E-40DD-AFC4-6F175D3DCCD1}">
+              <a14:hiddenFill xmlns:a14="http://schemas.microsoft.com/office/drawing/2010/main">
+                <a:solidFill>
+                  <a:srgbClr val="FFFFFF"/>
+                </a:solidFill>
+              </a14:hiddenFill>
+            </a:ext>
+          </a:extLst>
+        </p:spPr>
+      </p:pic>
     </p:spTree>
     <p:extLst>
       <p:ext uri="{BB962C8B-B14F-4D97-AF65-F5344CB8AC3E}">
-        <p14:creationId xmlns:p14="http://schemas.microsoft.com/office/powerpoint/2010/main" val="1416049128"/>
+        <p14:creationId xmlns:p14="http://schemas.microsoft.com/office/powerpoint/2010/main" val="3797276550"/>
       </p:ext>
     </p:extLst>
   </p:cSld>

--- a/MALE.pptx
+++ b/MALE.pptx
@@ -9348,7 +9348,7 @@
             <a:pPr algn="ctr"/>
             <a:r>
               <a:rPr lang="en-US" dirty="0"/>
-              <a:t>Output</a:t>
+              <a:t>Classifier</a:t>
             </a:r>
           </a:p>
         </p:txBody>

--- a/MALE.pptx
+++ b/MALE.pptx
@@ -45,11 +45,6 @@
       <p:font typeface="Hind" panose="020B0604020202020204" charset="0"/>
       <p:regular r:id="rId26"/>
       <p:bold r:id="rId27"/>
-    </p:embeddedFont>
-    <p:embeddedFont>
-      <p:font typeface="Tahoma" panose="020B0604030504040204" pitchFamily="34" charset="0"/>
-      <p:regular r:id="rId28"/>
-      <p:bold r:id="rId29"/>
     </p:embeddedFont>
   </p:embeddedFontLst>
   <p:defaultTextStyle>
@@ -9542,7 +9537,7 @@
         </p:nvSpPr>
         <p:spPr>
           <a:xfrm>
-            <a:off x="2562779" y="4502647"/>
+            <a:off x="5375262" y="4502647"/>
             <a:ext cx="1328245" cy="504497"/>
           </a:xfrm>
           <a:prstGeom prst="flowChartTerminator">
@@ -9587,15 +9582,16 @@
             </a:extLst>
           </p:cNvPr>
           <p:cNvCxnSpPr>
+            <a:cxnSpLocks/>
             <a:stCxn id="10" idx="2"/>
-            <a:endCxn id="16" idx="0"/>
+            <a:endCxn id="21" idx="0"/>
           </p:cNvCxnSpPr>
           <p:nvPr/>
         </p:nvCxnSpPr>
         <p:spPr>
-          <a:xfrm flipH="1">
-            <a:off x="3226902" y="4148337"/>
-            <a:ext cx="1" cy="354310"/>
+          <a:xfrm>
+            <a:off x="3226903" y="4148337"/>
+            <a:ext cx="0" cy="354310"/>
           </a:xfrm>
           <a:prstGeom prst="straightConnector1">
             <a:avLst/>
@@ -9678,15 +9674,16 @@
             </a:extLst>
           </p:cNvPr>
           <p:cNvCxnSpPr>
-            <a:stCxn id="4" idx="3"/>
-            <a:endCxn id="25" idx="1"/>
+            <a:cxnSpLocks/>
+            <a:stCxn id="21" idx="3"/>
+            <a:endCxn id="16" idx="1"/>
           </p:cNvCxnSpPr>
           <p:nvPr/>
         </p:nvCxnSpPr>
         <p:spPr>
-          <a:xfrm flipV="1">
-            <a:off x="3891026" y="1307168"/>
-            <a:ext cx="664120" cy="1"/>
+          <a:xfrm>
+            <a:off x="3891025" y="4754896"/>
+            <a:ext cx="1484237" cy="0"/>
           </a:xfrm>
           <a:prstGeom prst="straightConnector1">
             <a:avLst/>
@@ -9753,27 +9750,153 @@
           </a:fontRef>
         </p:style>
       </p:cxnSp>
+      <p:sp>
+        <p:nvSpPr>
+          <p:cNvPr id="37" name="Rectangle 36">
+            <a:extLst>
+              <a:ext uri="{FF2B5EF4-FFF2-40B4-BE49-F238E27FC236}">
+                <a16:creationId xmlns:a16="http://schemas.microsoft.com/office/drawing/2014/main" id="{981A0026-7EB4-419F-AACF-999F96D263C1}"/>
+              </a:ext>
+            </a:extLst>
+          </p:cNvPr>
+          <p:cNvSpPr/>
+          <p:nvPr/>
+        </p:nvSpPr>
+        <p:spPr>
+          <a:xfrm>
+            <a:off x="4734292" y="1711815"/>
+            <a:ext cx="494046" cy="307777"/>
+          </a:xfrm>
+          <a:prstGeom prst="rect">
+            <a:avLst/>
+          </a:prstGeom>
+        </p:spPr>
+        <p:txBody>
+          <a:bodyPr wrap="none">
+            <a:spAutoFit/>
+          </a:bodyPr>
+          <a:lstStyle/>
+          <a:p>
+            <a:r>
+              <a:rPr lang="en-US" dirty="0">
+                <a:solidFill>
+                  <a:schemeClr val="bg1"/>
+                </a:solidFill>
+              </a:rPr>
+              <a:t>Yes</a:t>
+            </a:r>
+          </a:p>
+        </p:txBody>
+      </p:sp>
+      <p:sp>
+        <p:nvSpPr>
+          <p:cNvPr id="38" name="Rectangle 37">
+            <a:extLst>
+              <a:ext uri="{FF2B5EF4-FFF2-40B4-BE49-F238E27FC236}">
+                <a16:creationId xmlns:a16="http://schemas.microsoft.com/office/drawing/2014/main" id="{C57CFAAE-BCEF-4C18-8F91-788CC983DA19}"/>
+              </a:ext>
+            </a:extLst>
+          </p:cNvPr>
+          <p:cNvSpPr/>
+          <p:nvPr/>
+        </p:nvSpPr>
+        <p:spPr>
+          <a:xfrm>
+            <a:off x="6039385" y="1710678"/>
+            <a:ext cx="413896" cy="307777"/>
+          </a:xfrm>
+          <a:prstGeom prst="rect">
+            <a:avLst/>
+          </a:prstGeom>
+        </p:spPr>
+        <p:txBody>
+          <a:bodyPr wrap="none">
+            <a:spAutoFit/>
+          </a:bodyPr>
+          <a:lstStyle/>
+          <a:p>
+            <a:r>
+              <a:rPr lang="en-US" dirty="0">
+                <a:solidFill>
+                  <a:schemeClr val="bg1"/>
+                </a:solidFill>
+              </a:rPr>
+              <a:t>No</a:t>
+            </a:r>
+          </a:p>
+        </p:txBody>
+      </p:sp>
+      <p:sp>
+        <p:nvSpPr>
+          <p:cNvPr id="21" name="Rectangle 20">
+            <a:extLst>
+              <a:ext uri="{FF2B5EF4-FFF2-40B4-BE49-F238E27FC236}">
+                <a16:creationId xmlns:a16="http://schemas.microsoft.com/office/drawing/2014/main" id="{D33BCFB6-BF41-4B9D-A19F-3F73C234DC07}"/>
+              </a:ext>
+            </a:extLst>
+          </p:cNvPr>
+          <p:cNvSpPr/>
+          <p:nvPr/>
+        </p:nvSpPr>
+        <p:spPr>
+          <a:xfrm>
+            <a:off x="2562780" y="4502647"/>
+            <a:ext cx="1328245" cy="504497"/>
+          </a:xfrm>
+          <a:prstGeom prst="rect">
+            <a:avLst/>
+          </a:prstGeom>
+        </p:spPr>
+        <p:style>
+          <a:lnRef idx="2">
+            <a:schemeClr val="accent1">
+              <a:shade val="50000"/>
+            </a:schemeClr>
+          </a:lnRef>
+          <a:fillRef idx="1">
+            <a:schemeClr val="accent1"/>
+          </a:fillRef>
+          <a:effectRef idx="0">
+            <a:schemeClr val="accent1"/>
+          </a:effectRef>
+          <a:fontRef idx="minor">
+            <a:schemeClr val="lt1"/>
+          </a:fontRef>
+        </p:style>
+        <p:txBody>
+          <a:bodyPr rtlCol="0" anchor="ctr"/>
+          <a:lstStyle/>
+          <a:p>
+            <a:pPr algn="ctr"/>
+            <a:r>
+              <a:rPr lang="en-US" dirty="0"/>
+              <a:t>Output</a:t>
+            </a:r>
+          </a:p>
+        </p:txBody>
+      </p:sp>
       <p:cxnSp>
         <p:nvCxnSpPr>
-          <p:cNvPr id="35" name="Connector: Elbow 34">
+          <p:cNvPr id="26" name="Straight Arrow Connector 25">
             <a:extLst>
               <a:ext uri="{FF2B5EF4-FFF2-40B4-BE49-F238E27FC236}">
-                <a16:creationId xmlns:a16="http://schemas.microsoft.com/office/drawing/2014/main" id="{677FD94A-3452-40FC-BC3D-9147D7B0E961}"/>
+                <a16:creationId xmlns:a16="http://schemas.microsoft.com/office/drawing/2014/main" id="{C50481D9-702F-4D49-9339-1C8B30832E53}"/>
               </a:ext>
             </a:extLst>
           </p:cNvPr>
           <p:cNvCxnSpPr>
             <a:cxnSpLocks/>
-            <a:endCxn id="16" idx="3"/>
+            <a:stCxn id="25" idx="3"/>
+            <a:endCxn id="16" idx="0"/>
           </p:cNvCxnSpPr>
           <p:nvPr/>
         </p:nvCxnSpPr>
         <p:spPr>
-          <a:xfrm rot="5400000">
-            <a:off x="3241342" y="1956851"/>
-            <a:ext cx="3447727" cy="2148362"/>
-          </a:xfrm>
-          <a:prstGeom prst="bentConnector2">
+          <a:xfrm>
+            <a:off x="6039385" y="1307168"/>
+            <a:ext cx="0" cy="3195479"/>
+          </a:xfrm>
+          <a:prstGeom prst="straightConnector1">
             <a:avLst/>
           </a:prstGeom>
           <a:ln>
@@ -9795,82 +9918,49 @@
           </a:fontRef>
         </p:style>
       </p:cxnSp>
-      <p:sp>
-        <p:nvSpPr>
-          <p:cNvPr id="37" name="Rectangle 36">
+      <p:cxnSp>
+        <p:nvCxnSpPr>
+          <p:cNvPr id="30" name="Straight Arrow Connector 29">
             <a:extLst>
               <a:ext uri="{FF2B5EF4-FFF2-40B4-BE49-F238E27FC236}">
-                <a16:creationId xmlns:a16="http://schemas.microsoft.com/office/drawing/2014/main" id="{981A0026-7EB4-419F-AACF-999F96D263C1}"/>
+                <a16:creationId xmlns:a16="http://schemas.microsoft.com/office/drawing/2014/main" id="{98A7BF5D-A7D7-445B-84B9-482861240682}"/>
               </a:ext>
             </a:extLst>
           </p:cNvPr>
-          <p:cNvSpPr/>
+          <p:cNvCxnSpPr>
+            <a:cxnSpLocks/>
+            <a:stCxn id="4" idx="3"/>
+            <a:endCxn id="25" idx="1"/>
+          </p:cNvCxnSpPr>
           <p:nvPr/>
-        </p:nvSpPr>
+        </p:nvCxnSpPr>
         <p:spPr>
-          <a:xfrm>
-            <a:off x="4734292" y="1711815"/>
-            <a:ext cx="494046" cy="307777"/>
-          </a:xfrm>
-          <a:prstGeom prst="rect">
+          <a:xfrm flipV="1">
+            <a:off x="3891026" y="1307168"/>
+            <a:ext cx="664120" cy="1"/>
+          </a:xfrm>
+          <a:prstGeom prst="straightConnector1">
             <a:avLst/>
           </a:prstGeom>
+          <a:ln>
+            <a:tailEnd type="triangle"/>
+          </a:ln>
         </p:spPr>
-        <p:txBody>
-          <a:bodyPr wrap="none">
-            <a:spAutoFit/>
-          </a:bodyPr>
-          <a:lstStyle/>
-          <a:p>
-            <a:r>
-              <a:rPr lang="en-US" dirty="0">
-                <a:solidFill>
-                  <a:schemeClr val="bg1"/>
-                </a:solidFill>
-              </a:rPr>
-              <a:t>Yes</a:t>
-            </a:r>
-          </a:p>
-        </p:txBody>
-      </p:sp>
-      <p:sp>
-        <p:nvSpPr>
-          <p:cNvPr id="38" name="Rectangle 37">
-            <a:extLst>
-              <a:ext uri="{FF2B5EF4-FFF2-40B4-BE49-F238E27FC236}">
-                <a16:creationId xmlns:a16="http://schemas.microsoft.com/office/drawing/2014/main" id="{C57CFAAE-BCEF-4C18-8F91-788CC983DA19}"/>
-              </a:ext>
-            </a:extLst>
-          </p:cNvPr>
-          <p:cNvSpPr/>
-          <p:nvPr/>
-        </p:nvSpPr>
-        <p:spPr>
-          <a:xfrm>
-            <a:off x="6039385" y="1710678"/>
-            <a:ext cx="413896" cy="307777"/>
-          </a:xfrm>
-          <a:prstGeom prst="rect">
-            <a:avLst/>
-          </a:prstGeom>
-        </p:spPr>
-        <p:txBody>
-          <a:bodyPr wrap="none">
-            <a:spAutoFit/>
-          </a:bodyPr>
-          <a:lstStyle/>
-          <a:p>
-            <a:r>
-              <a:rPr lang="en-US" dirty="0">
-                <a:solidFill>
-                  <a:schemeClr val="bg1"/>
-                </a:solidFill>
-              </a:rPr>
-              <a:t>No</a:t>
-            </a:r>
-          </a:p>
-        </p:txBody>
-      </p:sp>
+        <p:style>
+          <a:lnRef idx="3">
+            <a:schemeClr val="accent1"/>
+          </a:lnRef>
+          <a:fillRef idx="0">
+            <a:schemeClr val="accent1"/>
+          </a:fillRef>
+          <a:effectRef idx="2">
+            <a:schemeClr val="accent1"/>
+          </a:effectRef>
+          <a:fontRef idx="minor">
+            <a:schemeClr val="tx1"/>
+          </a:fontRef>
+        </p:style>
+      </p:cxnSp>
     </p:spTree>
     <p:extLst>
       <p:ext uri="{BB962C8B-B14F-4D97-AF65-F5344CB8AC3E}">
@@ -12697,7 +12787,7 @@
                 <a:latin typeface="Times New Roman" panose="02020603050405020304" pitchFamily="18" charset="0"/>
                 <a:cs typeface="Times New Roman" panose="02020603050405020304" pitchFamily="18" charset="0"/>
               </a:rPr>
-              <a:t>Hiểu</a:t>
+              <a:t>Mở</a:t>
             </a:r>
             <a:r>
               <a:rPr lang="en-US" dirty="0">
@@ -12711,21 +12801,21 @@
                 <a:latin typeface="Times New Roman" panose="02020603050405020304" pitchFamily="18" charset="0"/>
                 <a:cs typeface="Times New Roman" panose="02020603050405020304" pitchFamily="18" charset="0"/>
               </a:rPr>
-              <a:t>được</a:t>
+              <a:t>rộng</a:t>
             </a:r>
             <a:r>
               <a:rPr lang="en-US" dirty="0">
                 <a:latin typeface="Times New Roman" panose="02020603050405020304" pitchFamily="18" charset="0"/>
                 <a:cs typeface="Times New Roman" panose="02020603050405020304" pitchFamily="18" charset="0"/>
               </a:rPr>
-              <a:t> Machine Learning </a:t>
+              <a:t> </a:t>
             </a:r>
             <a:r>
               <a:rPr lang="en-US" dirty="0" err="1">
                 <a:latin typeface="Times New Roman" panose="02020603050405020304" pitchFamily="18" charset="0"/>
                 <a:cs typeface="Times New Roman" panose="02020603050405020304" pitchFamily="18" charset="0"/>
               </a:rPr>
-              <a:t>là</a:t>
+              <a:t>kiến</a:t>
             </a:r>
             <a:r>
               <a:rPr lang="en-US" dirty="0">
@@ -12739,44 +12829,37 @@
                 <a:latin typeface="Times New Roman" panose="02020603050405020304" pitchFamily="18" charset="0"/>
                 <a:cs typeface="Times New Roman" panose="02020603050405020304" pitchFamily="18" charset="0"/>
               </a:rPr>
-              <a:t>gì</a:t>
+              <a:t>thức</a:t>
             </a:r>
             <a:r>
               <a:rPr lang="en-US" dirty="0">
                 <a:latin typeface="Times New Roman" panose="02020603050405020304" pitchFamily="18" charset="0"/>
                 <a:cs typeface="Times New Roman" panose="02020603050405020304" pitchFamily="18" charset="0"/>
               </a:rPr>
-              <a:t>.</a:t>
-            </a:r>
-          </a:p>
-          <a:p>
+              <a:t> </a:t>
+            </a:r>
             <a:r>
               <a:rPr lang="en-US" dirty="0" err="1">
                 <a:latin typeface="Times New Roman" panose="02020603050405020304" pitchFamily="18" charset="0"/>
                 <a:cs typeface="Times New Roman" panose="02020603050405020304" pitchFamily="18" charset="0"/>
               </a:rPr>
-              <a:t>Hiểu</a:t>
+              <a:t>về</a:t>
             </a:r>
             <a:r>
               <a:rPr lang="en-US" dirty="0">
                 <a:latin typeface="Times New Roman" panose="02020603050405020304" pitchFamily="18" charset="0"/>
                 <a:cs typeface="Times New Roman" panose="02020603050405020304" pitchFamily="18" charset="0"/>
               </a:rPr>
-              <a:t> đ</a:t>
-            </a:r>
-            <a:r>
-              <a:rPr lang="vi-VN" dirty="0">
-                <a:latin typeface="Times New Roman" panose="02020603050405020304" pitchFamily="18" charset="0"/>
-                <a:cs typeface="Times New Roman" panose="02020603050405020304" pitchFamily="18" charset="0"/>
-              </a:rPr>
-              <a:t>ư</a:t>
-            </a:r>
+              <a:t> Convolutional Neural Network</a:t>
+            </a:r>
+          </a:p>
+          <a:p>
             <a:r>
               <a:rPr lang="en-US" dirty="0" err="1">
                 <a:latin typeface="Times New Roman" panose="02020603050405020304" pitchFamily="18" charset="0"/>
                 <a:cs typeface="Times New Roman" panose="02020603050405020304" pitchFamily="18" charset="0"/>
               </a:rPr>
-              <a:t>ợc</a:t>
+              <a:t>Ứng</a:t>
             </a:r>
             <a:r>
               <a:rPr lang="en-US" dirty="0">
@@ -12790,21 +12873,21 @@
                 <a:latin typeface="Times New Roman" panose="02020603050405020304" pitchFamily="18" charset="0"/>
                 <a:cs typeface="Times New Roman" panose="02020603050405020304" pitchFamily="18" charset="0"/>
               </a:rPr>
-              <a:t>cách</a:t>
+              <a:t>dụng</a:t>
             </a:r>
             <a:r>
               <a:rPr lang="en-US" dirty="0">
                 <a:latin typeface="Times New Roman" panose="02020603050405020304" pitchFamily="18" charset="0"/>
                 <a:cs typeface="Times New Roman" panose="02020603050405020304" pitchFamily="18" charset="0"/>
               </a:rPr>
-              <a:t> </a:t>
+              <a:t> CNN </a:t>
             </a:r>
             <a:r>
               <a:rPr lang="en-US" dirty="0" err="1">
                 <a:latin typeface="Times New Roman" panose="02020603050405020304" pitchFamily="18" charset="0"/>
                 <a:cs typeface="Times New Roman" panose="02020603050405020304" pitchFamily="18" charset="0"/>
               </a:rPr>
-              <a:t>một</a:t>
+              <a:t>để</a:t>
             </a:r>
             <a:r>
               <a:rPr lang="en-US" dirty="0">
@@ -12818,7 +12901,7 @@
                 <a:latin typeface="Times New Roman" panose="02020603050405020304" pitchFamily="18" charset="0"/>
                 <a:cs typeface="Times New Roman" panose="02020603050405020304" pitchFamily="18" charset="0"/>
               </a:rPr>
-              <a:t>ứng</a:t>
+              <a:t>giải</a:t>
             </a:r>
             <a:r>
               <a:rPr lang="en-US" dirty="0">
@@ -12832,21 +12915,21 @@
                 <a:latin typeface="Times New Roman" panose="02020603050405020304" pitchFamily="18" charset="0"/>
                 <a:cs typeface="Times New Roman" panose="02020603050405020304" pitchFamily="18" charset="0"/>
               </a:rPr>
-              <a:t>dụng</a:t>
+              <a:t>quyết</a:t>
             </a:r>
             <a:r>
               <a:rPr lang="en-US" dirty="0">
                 <a:latin typeface="Times New Roman" panose="02020603050405020304" pitchFamily="18" charset="0"/>
                 <a:cs typeface="Times New Roman" panose="02020603050405020304" pitchFamily="18" charset="0"/>
               </a:rPr>
-              <a:t> ML </a:t>
+              <a:t> </a:t>
             </a:r>
             <a:r>
               <a:rPr lang="en-US" dirty="0" err="1">
                 <a:latin typeface="Times New Roman" panose="02020603050405020304" pitchFamily="18" charset="0"/>
                 <a:cs typeface="Times New Roman" panose="02020603050405020304" pitchFamily="18" charset="0"/>
               </a:rPr>
-              <a:t>hoạt</a:t>
+              <a:t>vấn</a:t>
             </a:r>
             <a:r>
               <a:rPr lang="en-US" dirty="0">
@@ -12860,14 +12943,28 @@
                 <a:latin typeface="Times New Roman" panose="02020603050405020304" pitchFamily="18" charset="0"/>
                 <a:cs typeface="Times New Roman" panose="02020603050405020304" pitchFamily="18" charset="0"/>
               </a:rPr>
-              <a:t>động</a:t>
+              <a:t>đề</a:t>
             </a:r>
             <a:r>
               <a:rPr lang="en-US" dirty="0">
                 <a:latin typeface="Times New Roman" panose="02020603050405020304" pitchFamily="18" charset="0"/>
                 <a:cs typeface="Times New Roman" panose="02020603050405020304" pitchFamily="18" charset="0"/>
               </a:rPr>
-              <a:t>.</a:t>
+              <a:t> </a:t>
+            </a:r>
+            <a:r>
+              <a:rPr lang="en-US" dirty="0" err="1">
+                <a:latin typeface="Times New Roman" panose="02020603050405020304" pitchFamily="18" charset="0"/>
+                <a:cs typeface="Times New Roman" panose="02020603050405020304" pitchFamily="18" charset="0"/>
+              </a:rPr>
+              <a:t>đặt</a:t>
+            </a:r>
+            <a:r>
+              <a:rPr lang="en-US" dirty="0">
+                <a:latin typeface="Times New Roman" panose="02020603050405020304" pitchFamily="18" charset="0"/>
+                <a:cs typeface="Times New Roman" panose="02020603050405020304" pitchFamily="18" charset="0"/>
+              </a:rPr>
+              <a:t> ra.</a:t>
             </a:r>
           </a:p>
         </p:txBody>

--- a/MALE.pptx
+++ b/MALE.pptx
@@ -12964,8 +12964,82 @@
                 <a:latin typeface="Times New Roman" panose="02020603050405020304" pitchFamily="18" charset="0"/>
                 <a:cs typeface="Times New Roman" panose="02020603050405020304" pitchFamily="18" charset="0"/>
               </a:rPr>
-              <a:t> ra.</a:t>
-            </a:r>
+              <a:t> ra </a:t>
+            </a:r>
+            <a:r>
+              <a:rPr lang="en-US" dirty="0" err="1">
+                <a:latin typeface="Times New Roman" panose="02020603050405020304" pitchFamily="18" charset="0"/>
+                <a:cs typeface="Times New Roman" panose="02020603050405020304" pitchFamily="18" charset="0"/>
+              </a:rPr>
+              <a:t>để</a:t>
+            </a:r>
+            <a:r>
+              <a:rPr lang="en-US" dirty="0">
+                <a:latin typeface="Times New Roman" panose="02020603050405020304" pitchFamily="18" charset="0"/>
+                <a:cs typeface="Times New Roman" panose="02020603050405020304" pitchFamily="18" charset="0"/>
+              </a:rPr>
+              <a:t> </a:t>
+            </a:r>
+            <a:r>
+              <a:rPr lang="en-US" dirty="0" err="1">
+                <a:latin typeface="Times New Roman" panose="02020603050405020304" pitchFamily="18" charset="0"/>
+                <a:cs typeface="Times New Roman" panose="02020603050405020304" pitchFamily="18" charset="0"/>
+              </a:rPr>
+              <a:t>hiểu</a:t>
+            </a:r>
+            <a:r>
+              <a:rPr lang="en-US" dirty="0">
+                <a:latin typeface="Times New Roman" panose="02020603050405020304" pitchFamily="18" charset="0"/>
+                <a:cs typeface="Times New Roman" panose="02020603050405020304" pitchFamily="18" charset="0"/>
+              </a:rPr>
+              <a:t> </a:t>
+            </a:r>
+            <a:r>
+              <a:rPr lang="en-US" dirty="0" err="1">
+                <a:latin typeface="Times New Roman" panose="02020603050405020304" pitchFamily="18" charset="0"/>
+                <a:cs typeface="Times New Roman" panose="02020603050405020304" pitchFamily="18" charset="0"/>
+              </a:rPr>
+              <a:t>rõ</a:t>
+            </a:r>
+            <a:r>
+              <a:rPr lang="en-US" dirty="0">
+                <a:latin typeface="Times New Roman" panose="02020603050405020304" pitchFamily="18" charset="0"/>
+                <a:cs typeface="Times New Roman" panose="02020603050405020304" pitchFamily="18" charset="0"/>
+              </a:rPr>
+              <a:t> h</a:t>
+            </a:r>
+            <a:r>
+              <a:rPr lang="vi-VN" dirty="0">
+                <a:latin typeface="Times New Roman" panose="02020603050405020304" pitchFamily="18" charset="0"/>
+                <a:cs typeface="Times New Roman" panose="02020603050405020304" pitchFamily="18" charset="0"/>
+              </a:rPr>
+              <a:t>ơ</a:t>
+            </a:r>
+            <a:r>
+              <a:rPr lang="en-US" dirty="0">
+                <a:latin typeface="Times New Roman" panose="02020603050405020304" pitchFamily="18" charset="0"/>
+                <a:cs typeface="Times New Roman" panose="02020603050405020304" pitchFamily="18" charset="0"/>
+              </a:rPr>
+              <a:t>n </a:t>
+            </a:r>
+            <a:r>
+              <a:rPr lang="en-US" dirty="0" err="1">
+                <a:latin typeface="Times New Roman" panose="02020603050405020304" pitchFamily="18" charset="0"/>
+                <a:cs typeface="Times New Roman" panose="02020603050405020304" pitchFamily="18" charset="0"/>
+              </a:rPr>
+              <a:t>về</a:t>
+            </a:r>
+            <a:r>
+              <a:rPr lang="en-US">
+                <a:latin typeface="Times New Roman" panose="02020603050405020304" pitchFamily="18" charset="0"/>
+                <a:cs typeface="Times New Roman" panose="02020603050405020304" pitchFamily="18" charset="0"/>
+              </a:rPr>
+              <a:t> CNN.</a:t>
+            </a:r>
+            <a:endParaRPr lang="en-US" dirty="0">
+              <a:latin typeface="Times New Roman" panose="02020603050405020304" pitchFamily="18" charset="0"/>
+              <a:cs typeface="Times New Roman" panose="02020603050405020304" pitchFamily="18" charset="0"/>
+            </a:endParaRPr>
           </a:p>
         </p:txBody>
       </p:sp>

--- a/MALE.pptx
+++ b/MALE.pptx
@@ -2010,7 +2010,7 @@
           <a:p>
             <a:fld id="{400F6E2C-05C0-4135-BFF5-ACBE12FC1950}" type="datetimeFigureOut">
               <a:rPr lang="en-US" smtClean="0"/>
-              <a:t>12/10/2018</a:t>
+              <a:t>12/11/2018</a:t>
             </a:fld>
             <a:endParaRPr lang="en-US"/>
           </a:p>
@@ -2218,7 +2218,7 @@
           <a:p>
             <a:fld id="{400F6E2C-05C0-4135-BFF5-ACBE12FC1950}" type="datetimeFigureOut">
               <a:rPr lang="en-US" smtClean="0"/>
-              <a:t>12/10/2018</a:t>
+              <a:t>12/11/2018</a:t>
             </a:fld>
             <a:endParaRPr lang="en-US"/>
           </a:p>
@@ -2436,7 +2436,7 @@
           <a:p>
             <a:fld id="{400F6E2C-05C0-4135-BFF5-ACBE12FC1950}" type="datetimeFigureOut">
               <a:rPr lang="en-US" smtClean="0"/>
-              <a:t>12/10/2018</a:t>
+              <a:t>12/11/2018</a:t>
             </a:fld>
             <a:endParaRPr lang="en-US"/>
           </a:p>
@@ -3511,7 +3511,7 @@
           <a:p>
             <a:fld id="{400F6E2C-05C0-4135-BFF5-ACBE12FC1950}" type="datetimeFigureOut">
               <a:rPr lang="en-US" smtClean="0"/>
-              <a:t>12/10/2018</a:t>
+              <a:t>12/11/2018</a:t>
             </a:fld>
             <a:endParaRPr lang="en-US"/>
           </a:p>
@@ -3796,7 +3796,7 @@
           <a:p>
             <a:fld id="{400F6E2C-05C0-4135-BFF5-ACBE12FC1950}" type="datetimeFigureOut">
               <a:rPr lang="en-US" smtClean="0"/>
-              <a:t>12/10/2018</a:t>
+              <a:t>12/11/2018</a:t>
             </a:fld>
             <a:endParaRPr lang="en-US"/>
           </a:p>
@@ -4071,7 +4071,7 @@
           <a:p>
             <a:fld id="{400F6E2C-05C0-4135-BFF5-ACBE12FC1950}" type="datetimeFigureOut">
               <a:rPr lang="en-US" smtClean="0"/>
-              <a:t>12/10/2018</a:t>
+              <a:t>12/11/2018</a:t>
             </a:fld>
             <a:endParaRPr lang="en-US"/>
           </a:p>
@@ -4493,7 +4493,7 @@
           <a:p>
             <a:fld id="{400F6E2C-05C0-4135-BFF5-ACBE12FC1950}" type="datetimeFigureOut">
               <a:rPr lang="en-US" smtClean="0"/>
-              <a:t>12/10/2018</a:t>
+              <a:t>12/11/2018</a:t>
             </a:fld>
             <a:endParaRPr lang="en-US"/>
           </a:p>
@@ -4644,7 +4644,7 @@
           <a:p>
             <a:fld id="{400F6E2C-05C0-4135-BFF5-ACBE12FC1950}" type="datetimeFigureOut">
               <a:rPr lang="en-US" smtClean="0"/>
-              <a:t>12/10/2018</a:t>
+              <a:t>12/11/2018</a:t>
             </a:fld>
             <a:endParaRPr lang="en-US"/>
           </a:p>
@@ -4767,7 +4767,7 @@
           <a:p>
             <a:fld id="{400F6E2C-05C0-4135-BFF5-ACBE12FC1950}" type="datetimeFigureOut">
               <a:rPr lang="en-US" smtClean="0"/>
-              <a:t>12/10/2018</a:t>
+              <a:t>12/11/2018</a:t>
             </a:fld>
             <a:endParaRPr lang="en-US"/>
           </a:p>
@@ -5088,7 +5088,7 @@
           <a:p>
             <a:fld id="{400F6E2C-05C0-4135-BFF5-ACBE12FC1950}" type="datetimeFigureOut">
               <a:rPr lang="en-US" smtClean="0"/>
-              <a:t>12/10/2018</a:t>
+              <a:t>12/11/2018</a:t>
             </a:fld>
             <a:endParaRPr lang="en-US"/>
           </a:p>
@@ -5386,7 +5386,7 @@
           <a:p>
             <a:fld id="{400F6E2C-05C0-4135-BFF5-ACBE12FC1950}" type="datetimeFigureOut">
               <a:rPr lang="en-US" smtClean="0"/>
-              <a:t>12/10/2018</a:t>
+              <a:t>12/11/2018</a:t>
             </a:fld>
             <a:endParaRPr lang="en-US"/>
           </a:p>
@@ -5637,7 +5637,7 @@
           <a:p>
             <a:fld id="{400F6E2C-05C0-4135-BFF5-ACBE12FC1950}" type="datetimeFigureOut">
               <a:rPr lang="en-US" smtClean="0"/>
-              <a:t>12/10/2018</a:t>
+              <a:t>12/11/2018</a:t>
             </a:fld>
             <a:endParaRPr lang="en-US"/>
           </a:p>
